--- a/images/calv_variable/図素材.pptx
+++ b/images/calv_variable/図素材.pptx
@@ -5,13 +5,15 @@
     <p:sldMasterId id="2147483660" r:id="rId1"/>
   </p:sldMasterIdLst>
   <p:notesMasterIdLst>
-    <p:notesMasterId r:id="rId3"/>
+    <p:notesMasterId r:id="rId5"/>
   </p:notesMasterIdLst>
   <p:handoutMasterIdLst>
-    <p:handoutMasterId r:id="rId4"/>
+    <p:handoutMasterId r:id="rId6"/>
   </p:handoutMasterIdLst>
   <p:sldIdLst>
     <p:sldId id="598" r:id="rId2"/>
+    <p:sldId id="599" r:id="rId3"/>
+    <p:sldId id="600" r:id="rId4"/>
   </p:sldIdLst>
   <p:sldSz cx="9144000" cy="6858000" type="screen4x3"/>
   <p:notesSz cx="6858000" cy="9144000"/>
@@ -215,7 +217,7 @@
           <a:p>
             <a:fld id="{C0D9501B-69D0-4000-9A67-A4069798CF04}" type="datetimeFigureOut">
               <a:rPr kumimoji="1" lang="ja-JP" altLang="en-US" smtClean="0"/>
-              <a:t>2021/6/2</a:t>
+              <a:t>2022/4/25</a:t>
             </a:fld>
             <a:endParaRPr kumimoji="1" lang="ja-JP" altLang="en-US"/>
           </a:p>
@@ -393,7 +395,7 @@
           <a:p>
             <a:fld id="{E1D20702-79C6-4D55-B0C7-6A4E995866BD}" type="datetimeFigureOut">
               <a:rPr kumimoji="1" lang="ja-JP" altLang="en-US" smtClean="0"/>
-              <a:t>2021/6/2</a:t>
+              <a:t>2022/4/25</a:t>
             </a:fld>
             <a:endParaRPr kumimoji="1" lang="ja-JP" altLang="en-US"/>
           </a:p>
@@ -3314,6 +3316,1702 @@
     <p:extLst>
       <p:ext uri="{BB962C8B-B14F-4D97-AF65-F5344CB8AC3E}">
         <p14:creationId xmlns:p14="http://schemas.microsoft.com/office/powerpoint/2010/main" val="3326205695"/>
+      </p:ext>
+    </p:extLst>
+  </p:cSld>
+  <p:clrMapOvr>
+    <a:masterClrMapping/>
+  </p:clrMapOvr>
+</p:sld>
+</file>
+
+<file path=ppt/slides/slide2.xml><?xml version="1.0" encoding="utf-8"?>
+<p:sld xmlns:a="http://schemas.openxmlformats.org/drawingml/2006/main" xmlns:r="http://schemas.openxmlformats.org/officeDocument/2006/relationships" xmlns:p="http://schemas.openxmlformats.org/presentationml/2006/main">
+  <p:cSld>
+    <p:spTree>
+      <p:nvGrpSpPr>
+        <p:cNvPr id="1" name=""/>
+        <p:cNvGrpSpPr/>
+        <p:nvPr/>
+      </p:nvGrpSpPr>
+      <p:grpSpPr>
+        <a:xfrm>
+          <a:off x="0" y="0"/>
+          <a:ext cx="0" cy="0"/>
+          <a:chOff x="0" y="0"/>
+          <a:chExt cx="0" cy="0"/>
+        </a:xfrm>
+      </p:grpSpPr>
+      <p:sp>
+        <p:nvSpPr>
+          <p:cNvPr id="2" name="スライド番号プレースホルダー 1">
+            <a:extLst>
+              <a:ext uri="{FF2B5EF4-FFF2-40B4-BE49-F238E27FC236}">
+                <a16:creationId xmlns:a16="http://schemas.microsoft.com/office/drawing/2014/main" id="{576036FC-C963-4B83-9B7D-BAF88410F10A}"/>
+              </a:ext>
+            </a:extLst>
+          </p:cNvPr>
+          <p:cNvSpPr>
+            <a:spLocks noGrp="1"/>
+          </p:cNvSpPr>
+          <p:nvPr>
+            <p:ph type="sldNum" sz="quarter" idx="12"/>
+          </p:nvPr>
+        </p:nvSpPr>
+        <p:spPr/>
+        <p:txBody>
+          <a:bodyPr/>
+          <a:lstStyle/>
+          <a:p>
+            <a:fld id="{54E8F7FD-0FB9-42CD-ACB3-7754F601E11E}" type="slidenum">
+              <a:rPr kumimoji="1" lang="ja-JP" altLang="en-US" smtClean="0"/>
+              <a:t>2</a:t>
+            </a:fld>
+            <a:endParaRPr kumimoji="1" lang="ja-JP" altLang="en-US"/>
+          </a:p>
+        </p:txBody>
+      </p:sp>
+      <p:sp>
+        <p:nvSpPr>
+          <p:cNvPr id="4" name="フッター プレースホルダー 3">
+            <a:extLst>
+              <a:ext uri="{FF2B5EF4-FFF2-40B4-BE49-F238E27FC236}">
+                <a16:creationId xmlns:a16="http://schemas.microsoft.com/office/drawing/2014/main" id="{004B2481-AFB8-431C-AABE-C2BBAAF60B86}"/>
+              </a:ext>
+            </a:extLst>
+          </p:cNvPr>
+          <p:cNvSpPr>
+            <a:spLocks noGrp="1"/>
+          </p:cNvSpPr>
+          <p:nvPr>
+            <p:ph type="ftr" sz="quarter" idx="14"/>
+          </p:nvPr>
+        </p:nvSpPr>
+        <p:spPr/>
+        <p:txBody>
+          <a:bodyPr/>
+          <a:lstStyle/>
+          <a:p>
+            <a:endParaRPr lang="ja-JP" altLang="en-US"/>
+          </a:p>
+        </p:txBody>
+      </p:sp>
+      <p:pic>
+        <p:nvPicPr>
+          <p:cNvPr id="6" name="図 5">
+            <a:extLst>
+              <a:ext uri="{FF2B5EF4-FFF2-40B4-BE49-F238E27FC236}">
+                <a16:creationId xmlns:a16="http://schemas.microsoft.com/office/drawing/2014/main" id="{DC3AB43A-4AC1-4043-B853-8294F38339A0}"/>
+              </a:ext>
+            </a:extLst>
+          </p:cNvPr>
+          <p:cNvPicPr>
+            <a:picLocks noChangeAspect="1"/>
+          </p:cNvPicPr>
+          <p:nvPr/>
+        </p:nvPicPr>
+        <p:blipFill rotWithShape="1">
+          <a:blip r:embed="rId2"/>
+          <a:srcRect t="6409"/>
+          <a:stretch/>
+        </p:blipFill>
+        <p:spPr>
+          <a:xfrm>
+            <a:off x="2657475" y="1656080"/>
+            <a:ext cx="3829050" cy="3806507"/>
+          </a:xfrm>
+          <a:prstGeom prst="rect">
+            <a:avLst/>
+          </a:prstGeom>
+        </p:spPr>
+      </p:pic>
+      <p:sp>
+        <p:nvSpPr>
+          <p:cNvPr id="7" name="テキスト ボックス 6">
+            <a:extLst>
+              <a:ext uri="{FF2B5EF4-FFF2-40B4-BE49-F238E27FC236}">
+                <a16:creationId xmlns:a16="http://schemas.microsoft.com/office/drawing/2014/main" id="{DC736547-61D7-4811-86D9-1E6A160D83AB}"/>
+              </a:ext>
+            </a:extLst>
+          </p:cNvPr>
+          <p:cNvSpPr txBox="1"/>
+          <p:nvPr/>
+        </p:nvSpPr>
+        <p:spPr>
+          <a:xfrm>
+            <a:off x="2742156" y="5113575"/>
+            <a:ext cx="301686" cy="369332"/>
+          </a:xfrm>
+          <a:prstGeom prst="rect">
+            <a:avLst/>
+          </a:prstGeom>
+          <a:solidFill>
+            <a:srgbClr val="F8F8F8">
+              <a:alpha val="69804"/>
+            </a:srgbClr>
+          </a:solidFill>
+        </p:spPr>
+        <p:txBody>
+          <a:bodyPr wrap="none" rtlCol="0">
+            <a:spAutoFit/>
+          </a:bodyPr>
+          <a:lstStyle/>
+          <a:p>
+            <a:r>
+              <a:rPr kumimoji="1" lang="en-US" altLang="ja-JP"/>
+              <a:t>1</a:t>
+            </a:r>
+            <a:endParaRPr kumimoji="1" lang="ja-JP" altLang="en-US"/>
+          </a:p>
+        </p:txBody>
+      </p:sp>
+      <p:sp>
+        <p:nvSpPr>
+          <p:cNvPr id="8" name="テキスト ボックス 7">
+            <a:extLst>
+              <a:ext uri="{FF2B5EF4-FFF2-40B4-BE49-F238E27FC236}">
+                <a16:creationId xmlns:a16="http://schemas.microsoft.com/office/drawing/2014/main" id="{46B9D762-027B-44F3-8248-2729BB68CC72}"/>
+              </a:ext>
+            </a:extLst>
+          </p:cNvPr>
+          <p:cNvSpPr txBox="1"/>
+          <p:nvPr/>
+        </p:nvSpPr>
+        <p:spPr>
+          <a:xfrm>
+            <a:off x="6018878" y="5062775"/>
+            <a:ext cx="301686" cy="369332"/>
+          </a:xfrm>
+          <a:prstGeom prst="rect">
+            <a:avLst/>
+          </a:prstGeom>
+          <a:solidFill>
+            <a:srgbClr val="F8F8F8">
+              <a:alpha val="69804"/>
+            </a:srgbClr>
+          </a:solidFill>
+        </p:spPr>
+        <p:txBody>
+          <a:bodyPr wrap="none" rtlCol="0">
+            <a:spAutoFit/>
+          </a:bodyPr>
+          <a:lstStyle/>
+          <a:p>
+            <a:r>
+              <a:rPr kumimoji="1" lang="en-US" altLang="ja-JP"/>
+              <a:t>2</a:t>
+            </a:r>
+            <a:endParaRPr kumimoji="1" lang="ja-JP" altLang="en-US"/>
+          </a:p>
+        </p:txBody>
+      </p:sp>
+      <p:sp>
+        <p:nvSpPr>
+          <p:cNvPr id="9" name="テキスト ボックス 8">
+            <a:extLst>
+              <a:ext uri="{FF2B5EF4-FFF2-40B4-BE49-F238E27FC236}">
+                <a16:creationId xmlns:a16="http://schemas.microsoft.com/office/drawing/2014/main" id="{D11BED97-8EC6-4E9E-8E3F-682B716EE53B}"/>
+              </a:ext>
+            </a:extLst>
+          </p:cNvPr>
+          <p:cNvSpPr txBox="1"/>
+          <p:nvPr/>
+        </p:nvSpPr>
+        <p:spPr>
+          <a:xfrm>
+            <a:off x="4421157" y="5032295"/>
+            <a:ext cx="301686" cy="369332"/>
+          </a:xfrm>
+          <a:prstGeom prst="rect">
+            <a:avLst/>
+          </a:prstGeom>
+          <a:solidFill>
+            <a:srgbClr val="F8F8F8">
+              <a:alpha val="69804"/>
+            </a:srgbClr>
+          </a:solidFill>
+        </p:spPr>
+        <p:txBody>
+          <a:bodyPr wrap="none" rtlCol="0">
+            <a:spAutoFit/>
+          </a:bodyPr>
+          <a:lstStyle/>
+          <a:p>
+            <a:r>
+              <a:rPr kumimoji="1" lang="en-US" altLang="ja-JP"/>
+              <a:t>3</a:t>
+            </a:r>
+            <a:endParaRPr kumimoji="1" lang="ja-JP" altLang="en-US"/>
+          </a:p>
+        </p:txBody>
+      </p:sp>
+      <p:sp>
+        <p:nvSpPr>
+          <p:cNvPr id="10" name="テキスト ボックス 9">
+            <a:extLst>
+              <a:ext uri="{FF2B5EF4-FFF2-40B4-BE49-F238E27FC236}">
+                <a16:creationId xmlns:a16="http://schemas.microsoft.com/office/drawing/2014/main" id="{3ACA8E60-94BB-4E73-BFE5-ACA691F81544}"/>
+              </a:ext>
+            </a:extLst>
+          </p:cNvPr>
+          <p:cNvSpPr txBox="1"/>
+          <p:nvPr/>
+        </p:nvSpPr>
+        <p:spPr>
+          <a:xfrm>
+            <a:off x="3190807" y="3143234"/>
+            <a:ext cx="301686" cy="369332"/>
+          </a:xfrm>
+          <a:prstGeom prst="rect">
+            <a:avLst/>
+          </a:prstGeom>
+          <a:solidFill>
+            <a:srgbClr val="F8F8F8">
+              <a:alpha val="69804"/>
+            </a:srgbClr>
+          </a:solidFill>
+        </p:spPr>
+        <p:txBody>
+          <a:bodyPr wrap="none" rtlCol="0">
+            <a:spAutoFit/>
+          </a:bodyPr>
+          <a:lstStyle/>
+          <a:p>
+            <a:r>
+              <a:rPr kumimoji="1" lang="en-US" altLang="ja-JP"/>
+              <a:t>4</a:t>
+            </a:r>
+            <a:endParaRPr kumimoji="1" lang="ja-JP" altLang="en-US"/>
+          </a:p>
+        </p:txBody>
+      </p:sp>
+      <p:sp>
+        <p:nvSpPr>
+          <p:cNvPr id="11" name="テキスト ボックス 10">
+            <a:extLst>
+              <a:ext uri="{FF2B5EF4-FFF2-40B4-BE49-F238E27FC236}">
+                <a16:creationId xmlns:a16="http://schemas.microsoft.com/office/drawing/2014/main" id="{061BE57A-5828-4477-9D38-C33E681E0CF9}"/>
+              </a:ext>
+            </a:extLst>
+          </p:cNvPr>
+          <p:cNvSpPr txBox="1"/>
+          <p:nvPr/>
+        </p:nvSpPr>
+        <p:spPr>
+          <a:xfrm>
+            <a:off x="4421157" y="1785065"/>
+            <a:ext cx="301686" cy="369332"/>
+          </a:xfrm>
+          <a:prstGeom prst="rect">
+            <a:avLst/>
+          </a:prstGeom>
+          <a:solidFill>
+            <a:srgbClr val="F8F8F8">
+              <a:alpha val="69804"/>
+            </a:srgbClr>
+          </a:solidFill>
+        </p:spPr>
+        <p:txBody>
+          <a:bodyPr wrap="none" rtlCol="0">
+            <a:spAutoFit/>
+          </a:bodyPr>
+          <a:lstStyle/>
+          <a:p>
+            <a:r>
+              <a:rPr kumimoji="1" lang="en-US" altLang="ja-JP"/>
+              <a:t>0</a:t>
+            </a:r>
+            <a:endParaRPr kumimoji="1" lang="ja-JP" altLang="en-US"/>
+          </a:p>
+        </p:txBody>
+      </p:sp>
+      <p:sp>
+        <p:nvSpPr>
+          <p:cNvPr id="12" name="テキスト ボックス 11">
+            <a:extLst>
+              <a:ext uri="{FF2B5EF4-FFF2-40B4-BE49-F238E27FC236}">
+                <a16:creationId xmlns:a16="http://schemas.microsoft.com/office/drawing/2014/main" id="{E108BF38-DAD0-481F-8284-BA07B5DCFA94}"/>
+              </a:ext>
+            </a:extLst>
+          </p:cNvPr>
+          <p:cNvSpPr txBox="1"/>
+          <p:nvPr/>
+        </p:nvSpPr>
+        <p:spPr>
+          <a:xfrm>
+            <a:off x="5685717" y="3170928"/>
+            <a:ext cx="301686" cy="369332"/>
+          </a:xfrm>
+          <a:prstGeom prst="rect">
+            <a:avLst/>
+          </a:prstGeom>
+          <a:solidFill>
+            <a:srgbClr val="F8F8F8">
+              <a:alpha val="69804"/>
+            </a:srgbClr>
+          </a:solidFill>
+        </p:spPr>
+        <p:txBody>
+          <a:bodyPr wrap="none" rtlCol="0">
+            <a:spAutoFit/>
+          </a:bodyPr>
+          <a:lstStyle/>
+          <a:p>
+            <a:r>
+              <a:rPr kumimoji="1" lang="en-US" altLang="ja-JP"/>
+              <a:t>5</a:t>
+            </a:r>
+            <a:endParaRPr kumimoji="1" lang="ja-JP" altLang="en-US"/>
+          </a:p>
+        </p:txBody>
+      </p:sp>
+      <p:sp>
+        <p:nvSpPr>
+          <p:cNvPr id="13" name="楕円 12">
+            <a:extLst>
+              <a:ext uri="{FF2B5EF4-FFF2-40B4-BE49-F238E27FC236}">
+                <a16:creationId xmlns:a16="http://schemas.microsoft.com/office/drawing/2014/main" id="{7E16D101-0240-4925-9C92-891BA036335D}"/>
+              </a:ext>
+            </a:extLst>
+          </p:cNvPr>
+          <p:cNvSpPr/>
+          <p:nvPr/>
+        </p:nvSpPr>
+        <p:spPr>
+          <a:xfrm>
+            <a:off x="2596422" y="5379560"/>
+            <a:ext cx="145734" cy="145734"/>
+          </a:xfrm>
+          <a:prstGeom prst="ellipse">
+            <a:avLst/>
+          </a:prstGeom>
+          <a:solidFill>
+            <a:schemeClr val="tx1"/>
+          </a:solidFill>
+          <a:ln>
+            <a:noFill/>
+          </a:ln>
+        </p:spPr>
+        <p:style>
+          <a:lnRef idx="2">
+            <a:schemeClr val="accent1">
+              <a:shade val="50000"/>
+            </a:schemeClr>
+          </a:lnRef>
+          <a:fillRef idx="1">
+            <a:schemeClr val="accent1"/>
+          </a:fillRef>
+          <a:effectRef idx="0">
+            <a:schemeClr val="accent1"/>
+          </a:effectRef>
+          <a:fontRef idx="minor">
+            <a:schemeClr val="lt1"/>
+          </a:fontRef>
+        </p:style>
+        <p:txBody>
+          <a:bodyPr rtlCol="0" anchor="ctr"/>
+          <a:lstStyle/>
+          <a:p>
+            <a:pPr algn="ctr"/>
+            <a:endParaRPr kumimoji="1" lang="ja-JP" altLang="en-US"/>
+          </a:p>
+        </p:txBody>
+      </p:sp>
+      <p:sp>
+        <p:nvSpPr>
+          <p:cNvPr id="14" name="楕円 13">
+            <a:extLst>
+              <a:ext uri="{FF2B5EF4-FFF2-40B4-BE49-F238E27FC236}">
+                <a16:creationId xmlns:a16="http://schemas.microsoft.com/office/drawing/2014/main" id="{0A1A2CC6-FBE1-46BC-A174-147930CB03DA}"/>
+              </a:ext>
+            </a:extLst>
+          </p:cNvPr>
+          <p:cNvSpPr/>
+          <p:nvPr/>
+        </p:nvSpPr>
+        <p:spPr>
+          <a:xfrm>
+            <a:off x="4499133" y="5399880"/>
+            <a:ext cx="145734" cy="145734"/>
+          </a:xfrm>
+          <a:prstGeom prst="ellipse">
+            <a:avLst/>
+          </a:prstGeom>
+          <a:solidFill>
+            <a:schemeClr val="tx1"/>
+          </a:solidFill>
+          <a:ln>
+            <a:noFill/>
+          </a:ln>
+        </p:spPr>
+        <p:style>
+          <a:lnRef idx="2">
+            <a:schemeClr val="accent1">
+              <a:shade val="50000"/>
+            </a:schemeClr>
+          </a:lnRef>
+          <a:fillRef idx="1">
+            <a:schemeClr val="accent1"/>
+          </a:fillRef>
+          <a:effectRef idx="0">
+            <a:schemeClr val="accent1"/>
+          </a:effectRef>
+          <a:fontRef idx="minor">
+            <a:schemeClr val="lt1"/>
+          </a:fontRef>
+        </p:style>
+        <p:txBody>
+          <a:bodyPr rtlCol="0" anchor="ctr"/>
+          <a:lstStyle/>
+          <a:p>
+            <a:pPr algn="ctr"/>
+            <a:endParaRPr kumimoji="1" lang="ja-JP" altLang="en-US"/>
+          </a:p>
+        </p:txBody>
+      </p:sp>
+      <p:sp>
+        <p:nvSpPr>
+          <p:cNvPr id="15" name="楕円 14">
+            <a:extLst>
+              <a:ext uri="{FF2B5EF4-FFF2-40B4-BE49-F238E27FC236}">
+                <a16:creationId xmlns:a16="http://schemas.microsoft.com/office/drawing/2014/main" id="{15528078-B78B-4896-A152-57298DB1EEA3}"/>
+              </a:ext>
+            </a:extLst>
+          </p:cNvPr>
+          <p:cNvSpPr/>
+          <p:nvPr/>
+        </p:nvSpPr>
+        <p:spPr>
+          <a:xfrm>
+            <a:off x="6409310" y="5381307"/>
+            <a:ext cx="145734" cy="145734"/>
+          </a:xfrm>
+          <a:prstGeom prst="ellipse">
+            <a:avLst/>
+          </a:prstGeom>
+          <a:solidFill>
+            <a:schemeClr val="tx1"/>
+          </a:solidFill>
+          <a:ln>
+            <a:noFill/>
+          </a:ln>
+        </p:spPr>
+        <p:style>
+          <a:lnRef idx="2">
+            <a:schemeClr val="accent1">
+              <a:shade val="50000"/>
+            </a:schemeClr>
+          </a:lnRef>
+          <a:fillRef idx="1">
+            <a:schemeClr val="accent1"/>
+          </a:fillRef>
+          <a:effectRef idx="0">
+            <a:schemeClr val="accent1"/>
+          </a:effectRef>
+          <a:fontRef idx="minor">
+            <a:schemeClr val="lt1"/>
+          </a:fontRef>
+        </p:style>
+        <p:txBody>
+          <a:bodyPr rtlCol="0" anchor="ctr"/>
+          <a:lstStyle/>
+          <a:p>
+            <a:pPr algn="ctr"/>
+            <a:endParaRPr kumimoji="1" lang="ja-JP" altLang="en-US"/>
+          </a:p>
+        </p:txBody>
+      </p:sp>
+      <p:sp>
+        <p:nvSpPr>
+          <p:cNvPr id="16" name="楕円 15">
+            <a:extLst>
+              <a:ext uri="{FF2B5EF4-FFF2-40B4-BE49-F238E27FC236}">
+                <a16:creationId xmlns:a16="http://schemas.microsoft.com/office/drawing/2014/main" id="{EBC4C1FC-11C3-4170-A996-D949FDB20F3C}"/>
+              </a:ext>
+            </a:extLst>
+          </p:cNvPr>
+          <p:cNvSpPr/>
+          <p:nvPr/>
+        </p:nvSpPr>
+        <p:spPr>
+          <a:xfrm>
+            <a:off x="3550852" y="3502406"/>
+            <a:ext cx="145734" cy="145734"/>
+          </a:xfrm>
+          <a:prstGeom prst="ellipse">
+            <a:avLst/>
+          </a:prstGeom>
+          <a:solidFill>
+            <a:schemeClr val="tx1"/>
+          </a:solidFill>
+          <a:ln>
+            <a:noFill/>
+          </a:ln>
+        </p:spPr>
+        <p:style>
+          <a:lnRef idx="2">
+            <a:schemeClr val="accent1">
+              <a:shade val="50000"/>
+            </a:schemeClr>
+          </a:lnRef>
+          <a:fillRef idx="1">
+            <a:schemeClr val="accent1"/>
+          </a:fillRef>
+          <a:effectRef idx="0">
+            <a:schemeClr val="accent1"/>
+          </a:effectRef>
+          <a:fontRef idx="minor">
+            <a:schemeClr val="lt1"/>
+          </a:fontRef>
+        </p:style>
+        <p:txBody>
+          <a:bodyPr rtlCol="0" anchor="ctr"/>
+          <a:lstStyle/>
+          <a:p>
+            <a:pPr algn="ctr"/>
+            <a:endParaRPr kumimoji="1" lang="ja-JP" altLang="en-US"/>
+          </a:p>
+        </p:txBody>
+      </p:sp>
+      <p:sp>
+        <p:nvSpPr>
+          <p:cNvPr id="17" name="楕円 16">
+            <a:extLst>
+              <a:ext uri="{FF2B5EF4-FFF2-40B4-BE49-F238E27FC236}">
+                <a16:creationId xmlns:a16="http://schemas.microsoft.com/office/drawing/2014/main" id="{A7DBD0A0-5DBD-4CB4-8DE6-832F1B70EA54}"/>
+              </a:ext>
+            </a:extLst>
+          </p:cNvPr>
+          <p:cNvSpPr/>
+          <p:nvPr/>
+        </p:nvSpPr>
+        <p:spPr>
+          <a:xfrm>
+            <a:off x="4499133" y="1574877"/>
+            <a:ext cx="145734" cy="145734"/>
+          </a:xfrm>
+          <a:prstGeom prst="ellipse">
+            <a:avLst/>
+          </a:prstGeom>
+          <a:solidFill>
+            <a:schemeClr val="tx1"/>
+          </a:solidFill>
+          <a:ln>
+            <a:noFill/>
+          </a:ln>
+        </p:spPr>
+        <p:style>
+          <a:lnRef idx="2">
+            <a:schemeClr val="accent1">
+              <a:shade val="50000"/>
+            </a:schemeClr>
+          </a:lnRef>
+          <a:fillRef idx="1">
+            <a:schemeClr val="accent1"/>
+          </a:fillRef>
+          <a:effectRef idx="0">
+            <a:schemeClr val="accent1"/>
+          </a:effectRef>
+          <a:fontRef idx="minor">
+            <a:schemeClr val="lt1"/>
+          </a:fontRef>
+        </p:style>
+        <p:txBody>
+          <a:bodyPr rtlCol="0" anchor="ctr"/>
+          <a:lstStyle/>
+          <a:p>
+            <a:pPr algn="ctr"/>
+            <a:endParaRPr kumimoji="1" lang="ja-JP" altLang="en-US"/>
+          </a:p>
+        </p:txBody>
+      </p:sp>
+      <p:sp>
+        <p:nvSpPr>
+          <p:cNvPr id="18" name="楕円 17">
+            <a:extLst>
+              <a:ext uri="{FF2B5EF4-FFF2-40B4-BE49-F238E27FC236}">
+                <a16:creationId xmlns:a16="http://schemas.microsoft.com/office/drawing/2014/main" id="{B671649C-769E-43D9-8D9B-27F50CD557D2}"/>
+              </a:ext>
+            </a:extLst>
+          </p:cNvPr>
+          <p:cNvSpPr/>
+          <p:nvPr/>
+        </p:nvSpPr>
+        <p:spPr>
+          <a:xfrm>
+            <a:off x="5473734" y="3502406"/>
+            <a:ext cx="145734" cy="145734"/>
+          </a:xfrm>
+          <a:prstGeom prst="ellipse">
+            <a:avLst/>
+          </a:prstGeom>
+          <a:solidFill>
+            <a:schemeClr val="tx1"/>
+          </a:solidFill>
+          <a:ln>
+            <a:noFill/>
+          </a:ln>
+        </p:spPr>
+        <p:style>
+          <a:lnRef idx="2">
+            <a:schemeClr val="accent1">
+              <a:shade val="50000"/>
+            </a:schemeClr>
+          </a:lnRef>
+          <a:fillRef idx="1">
+            <a:schemeClr val="accent1"/>
+          </a:fillRef>
+          <a:effectRef idx="0">
+            <a:schemeClr val="accent1"/>
+          </a:effectRef>
+          <a:fontRef idx="minor">
+            <a:schemeClr val="lt1"/>
+          </a:fontRef>
+        </p:style>
+        <p:txBody>
+          <a:bodyPr rtlCol="0" anchor="ctr"/>
+          <a:lstStyle/>
+          <a:p>
+            <a:pPr algn="ctr"/>
+            <a:endParaRPr kumimoji="1" lang="ja-JP" altLang="en-US"/>
+          </a:p>
+        </p:txBody>
+      </p:sp>
+      <p:cxnSp>
+        <p:nvCxnSpPr>
+          <p:cNvPr id="19" name="直線矢印コネクタ 18">
+            <a:extLst>
+              <a:ext uri="{FF2B5EF4-FFF2-40B4-BE49-F238E27FC236}">
+                <a16:creationId xmlns:a16="http://schemas.microsoft.com/office/drawing/2014/main" id="{AE732AE9-7729-48C9-8D7B-39B689368F37}"/>
+              </a:ext>
+            </a:extLst>
+          </p:cNvPr>
+          <p:cNvCxnSpPr>
+            <a:cxnSpLocks/>
+          </p:cNvCxnSpPr>
+          <p:nvPr/>
+        </p:nvCxnSpPr>
+        <p:spPr>
+          <a:xfrm>
+            <a:off x="2628444" y="1189728"/>
+            <a:ext cx="985115" cy="0"/>
+          </a:xfrm>
+          <a:prstGeom prst="straightConnector1">
+            <a:avLst/>
+          </a:prstGeom>
+          <a:ln w="28575">
+            <a:solidFill>
+              <a:srgbClr val="FF0000"/>
+            </a:solidFill>
+            <a:headEnd type="arrow" w="med" len="med"/>
+            <a:tailEnd type="arrow" w="med" len="med"/>
+          </a:ln>
+        </p:spPr>
+        <p:style>
+          <a:lnRef idx="1">
+            <a:schemeClr val="accent1"/>
+          </a:lnRef>
+          <a:fillRef idx="0">
+            <a:schemeClr val="accent1"/>
+          </a:fillRef>
+          <a:effectRef idx="0">
+            <a:schemeClr val="accent1"/>
+          </a:effectRef>
+          <a:fontRef idx="minor">
+            <a:schemeClr val="tx1"/>
+          </a:fontRef>
+        </p:style>
+      </p:cxnSp>
+      <p:cxnSp>
+        <p:nvCxnSpPr>
+          <p:cNvPr id="26" name="直線矢印コネクタ 25">
+            <a:extLst>
+              <a:ext uri="{FF2B5EF4-FFF2-40B4-BE49-F238E27FC236}">
+                <a16:creationId xmlns:a16="http://schemas.microsoft.com/office/drawing/2014/main" id="{B48A5860-6C6E-4CAC-855C-A4881402917A}"/>
+              </a:ext>
+            </a:extLst>
+          </p:cNvPr>
+          <p:cNvCxnSpPr>
+            <a:cxnSpLocks/>
+          </p:cNvCxnSpPr>
+          <p:nvPr/>
+        </p:nvCxnSpPr>
+        <p:spPr>
+          <a:xfrm>
+            <a:off x="2161084" y="3565660"/>
+            <a:ext cx="1351729" cy="0"/>
+          </a:xfrm>
+          <a:prstGeom prst="straightConnector1">
+            <a:avLst/>
+          </a:prstGeom>
+          <a:ln w="19050">
+            <a:solidFill>
+              <a:srgbClr val="FF0000"/>
+            </a:solidFill>
+            <a:prstDash val="sysDot"/>
+            <a:headEnd type="none" w="med" len="med"/>
+            <a:tailEnd type="none" w="med" len="med"/>
+          </a:ln>
+        </p:spPr>
+        <p:style>
+          <a:lnRef idx="1">
+            <a:schemeClr val="accent1"/>
+          </a:lnRef>
+          <a:fillRef idx="0">
+            <a:schemeClr val="accent1"/>
+          </a:fillRef>
+          <a:effectRef idx="0">
+            <a:schemeClr val="accent1"/>
+          </a:effectRef>
+          <a:fontRef idx="minor">
+            <a:schemeClr val="tx1"/>
+          </a:fontRef>
+        </p:style>
+      </p:cxnSp>
+      <p:cxnSp>
+        <p:nvCxnSpPr>
+          <p:cNvPr id="29" name="直線矢印コネクタ 28">
+            <a:extLst>
+              <a:ext uri="{FF2B5EF4-FFF2-40B4-BE49-F238E27FC236}">
+                <a16:creationId xmlns:a16="http://schemas.microsoft.com/office/drawing/2014/main" id="{06CBCF30-9A77-4635-9131-B08776194649}"/>
+              </a:ext>
+            </a:extLst>
+          </p:cNvPr>
+          <p:cNvCxnSpPr>
+            <a:cxnSpLocks/>
+          </p:cNvCxnSpPr>
+          <p:nvPr/>
+        </p:nvCxnSpPr>
+        <p:spPr>
+          <a:xfrm>
+            <a:off x="2161084" y="1625799"/>
+            <a:ext cx="0" cy="1917247"/>
+          </a:xfrm>
+          <a:prstGeom prst="straightConnector1">
+            <a:avLst/>
+          </a:prstGeom>
+          <a:ln w="28575">
+            <a:solidFill>
+              <a:srgbClr val="FF0000"/>
+            </a:solidFill>
+            <a:headEnd type="arrow" w="med" len="med"/>
+            <a:tailEnd type="arrow" w="med" len="med"/>
+          </a:ln>
+        </p:spPr>
+        <p:style>
+          <a:lnRef idx="1">
+            <a:schemeClr val="accent1"/>
+          </a:lnRef>
+          <a:fillRef idx="0">
+            <a:schemeClr val="accent1"/>
+          </a:fillRef>
+          <a:effectRef idx="0">
+            <a:schemeClr val="accent1"/>
+          </a:effectRef>
+          <a:fontRef idx="minor">
+            <a:schemeClr val="tx1"/>
+          </a:fontRef>
+        </p:style>
+      </p:cxnSp>
+      <mc:AlternateContent xmlns:mc="http://schemas.openxmlformats.org/markup-compatibility/2006">
+        <mc:Choice xmlns:a14="http://schemas.microsoft.com/office/drawing/2010/main" Requires="a14">
+          <p:sp>
+            <p:nvSpPr>
+              <p:cNvPr id="30" name="テキスト ボックス 29">
+                <a:extLst>
+                  <a:ext uri="{FF2B5EF4-FFF2-40B4-BE49-F238E27FC236}">
+                    <a16:creationId xmlns:a16="http://schemas.microsoft.com/office/drawing/2014/main" id="{157CD3B0-582F-4AA7-884E-27C2E0F48C2B}"/>
+                  </a:ext>
+                </a:extLst>
+              </p:cNvPr>
+              <p:cNvSpPr txBox="1"/>
+              <p:nvPr/>
+            </p:nvSpPr>
+            <p:spPr>
+              <a:xfrm>
+                <a:off x="1581849" y="2373016"/>
+                <a:ext cx="365806" cy="610936"/>
+              </a:xfrm>
+              <a:prstGeom prst="rect">
+                <a:avLst/>
+              </a:prstGeom>
+              <a:noFill/>
+            </p:spPr>
+            <p:txBody>
+              <a:bodyPr wrap="none" rtlCol="0">
+                <a:spAutoFit/>
+              </a:bodyPr>
+              <a:lstStyle/>
+              <a:p>
+                <a14:m>
+                  <m:oMathPara xmlns:m="http://schemas.openxmlformats.org/officeDocument/2006/math">
+                    <m:oMathParaPr>
+                      <m:jc m:val="centerGroup"/>
+                    </m:oMathParaPr>
+                    <m:oMath xmlns:m="http://schemas.openxmlformats.org/officeDocument/2006/math">
+                      <m:f>
+                        <m:fPr>
+                          <m:ctrlPr>
+                            <a:rPr kumimoji="1" lang="en-US" altLang="ja-JP" i="1" smtClean="0">
+                              <a:latin typeface="Cambria Math" panose="02040503050406030204" pitchFamily="18" charset="0"/>
+                            </a:rPr>
+                          </m:ctrlPr>
+                        </m:fPr>
+                        <m:num>
+                          <m:r>
+                            <a:rPr kumimoji="1" lang="en-US" altLang="ja-JP" b="0" i="1" smtClean="0">
+                              <a:latin typeface="Cambria Math" panose="02040503050406030204" pitchFamily="18" charset="0"/>
+                            </a:rPr>
+                            <m:t>1</m:t>
+                          </m:r>
+                        </m:num>
+                        <m:den>
+                          <m:r>
+                            <a:rPr kumimoji="1" lang="en-US" altLang="ja-JP" b="0" i="1" smtClean="0">
+                              <a:latin typeface="Cambria Math" panose="02040503050406030204" pitchFamily="18" charset="0"/>
+                            </a:rPr>
+                            <m:t>2</m:t>
+                          </m:r>
+                        </m:den>
+                      </m:f>
+                    </m:oMath>
+                  </m:oMathPara>
+                </a14:m>
+                <a:endParaRPr kumimoji="1" lang="ja-JP" altLang="en-US"/>
+              </a:p>
+            </p:txBody>
+          </p:sp>
+        </mc:Choice>
+        <mc:Fallback>
+          <p:sp>
+            <p:nvSpPr>
+              <p:cNvPr id="30" name="テキスト ボックス 29">
+                <a:extLst>
+                  <a:ext uri="{FF2B5EF4-FFF2-40B4-BE49-F238E27FC236}">
+                    <a16:creationId xmlns:a16="http://schemas.microsoft.com/office/drawing/2014/main" id="{157CD3B0-582F-4AA7-884E-27C2E0F48C2B}"/>
+                  </a:ext>
+                </a:extLst>
+              </p:cNvPr>
+              <p:cNvSpPr txBox="1">
+                <a:spLocks noRot="1" noChangeAspect="1" noMove="1" noResize="1" noEditPoints="1" noAdjustHandles="1" noChangeArrowheads="1" noChangeShapeType="1" noTextEdit="1"/>
+              </p:cNvSpPr>
+              <p:nvPr/>
+            </p:nvSpPr>
+            <p:spPr>
+              <a:xfrm>
+                <a:off x="1581849" y="2373016"/>
+                <a:ext cx="365806" cy="610936"/>
+              </a:xfrm>
+              <a:prstGeom prst="rect">
+                <a:avLst/>
+              </a:prstGeom>
+              <a:blipFill>
+                <a:blip r:embed="rId3"/>
+                <a:stretch>
+                  <a:fillRect/>
+                </a:stretch>
+              </a:blipFill>
+            </p:spPr>
+            <p:txBody>
+              <a:bodyPr/>
+              <a:lstStyle/>
+              <a:p>
+                <a:r>
+                  <a:rPr lang="ja-JP" altLang="en-US">
+                    <a:noFill/>
+                  </a:rPr>
+                  <a:t> </a:t>
+                </a:r>
+              </a:p>
+            </p:txBody>
+          </p:sp>
+        </mc:Fallback>
+      </mc:AlternateContent>
+      <p:cxnSp>
+        <p:nvCxnSpPr>
+          <p:cNvPr id="33" name="直線矢印コネクタ 32">
+            <a:extLst>
+              <a:ext uri="{FF2B5EF4-FFF2-40B4-BE49-F238E27FC236}">
+                <a16:creationId xmlns:a16="http://schemas.microsoft.com/office/drawing/2014/main" id="{AEA58182-B786-4F12-8B46-E4DAAEC2B691}"/>
+              </a:ext>
+            </a:extLst>
+          </p:cNvPr>
+          <p:cNvCxnSpPr>
+            <a:cxnSpLocks/>
+          </p:cNvCxnSpPr>
+          <p:nvPr/>
+        </p:nvCxnSpPr>
+        <p:spPr>
+          <a:xfrm>
+            <a:off x="3619371" y="1189728"/>
+            <a:ext cx="0" cy="2261878"/>
+          </a:xfrm>
+          <a:prstGeom prst="straightConnector1">
+            <a:avLst/>
+          </a:prstGeom>
+          <a:ln w="19050">
+            <a:solidFill>
+              <a:srgbClr val="FF0000"/>
+            </a:solidFill>
+            <a:prstDash val="sysDot"/>
+            <a:headEnd type="none" w="med" len="med"/>
+            <a:tailEnd type="none" w="med" len="med"/>
+          </a:ln>
+        </p:spPr>
+        <p:style>
+          <a:lnRef idx="1">
+            <a:schemeClr val="accent1"/>
+          </a:lnRef>
+          <a:fillRef idx="0">
+            <a:schemeClr val="accent1"/>
+          </a:fillRef>
+          <a:effectRef idx="0">
+            <a:schemeClr val="accent1"/>
+          </a:effectRef>
+          <a:fontRef idx="minor">
+            <a:schemeClr val="tx1"/>
+          </a:fontRef>
+        </p:style>
+      </p:cxnSp>
+      <mc:AlternateContent xmlns:mc="http://schemas.openxmlformats.org/markup-compatibility/2006">
+        <mc:Choice xmlns:a14="http://schemas.microsoft.com/office/drawing/2010/main" Requires="a14">
+          <p:sp>
+            <p:nvSpPr>
+              <p:cNvPr id="37" name="テキスト ボックス 36">
+                <a:extLst>
+                  <a:ext uri="{FF2B5EF4-FFF2-40B4-BE49-F238E27FC236}">
+                    <a16:creationId xmlns:a16="http://schemas.microsoft.com/office/drawing/2014/main" id="{0CE2B0C3-3D1B-4783-B6A6-CD61C646DE0B}"/>
+                  </a:ext>
+                </a:extLst>
+              </p:cNvPr>
+              <p:cNvSpPr txBox="1"/>
+              <p:nvPr/>
+            </p:nvSpPr>
+            <p:spPr>
+              <a:xfrm>
+                <a:off x="2948518" y="518256"/>
+                <a:ext cx="344966" cy="553357"/>
+              </a:xfrm>
+              <a:prstGeom prst="rect">
+                <a:avLst/>
+              </a:prstGeom>
+              <a:noFill/>
+            </p:spPr>
+            <p:txBody>
+              <a:bodyPr wrap="none" rtlCol="0">
+                <a:spAutoFit/>
+              </a:bodyPr>
+              <a:lstStyle/>
+              <a:p>
+                <a14:m>
+                  <m:oMathPara xmlns:m="http://schemas.openxmlformats.org/officeDocument/2006/math">
+                    <m:oMathParaPr>
+                      <m:jc m:val="centerGroup"/>
+                    </m:oMathParaPr>
+                    <m:oMath xmlns:m="http://schemas.openxmlformats.org/officeDocument/2006/math">
+                      <m:f>
+                        <m:fPr>
+                          <m:ctrlPr>
+                            <a:rPr kumimoji="1" lang="en-US" altLang="ja-JP" sz="1600" smtClean="0">
+                              <a:latin typeface="Cambria Math" panose="02040503050406030204" pitchFamily="18" charset="0"/>
+                            </a:rPr>
+                          </m:ctrlPr>
+                        </m:fPr>
+                        <m:num>
+                          <m:r>
+                            <a:rPr kumimoji="1" lang="en-US" altLang="ja-JP" sz="1600" b="0" i="0" smtClean="0">
+                              <a:latin typeface="Cambria Math" panose="02040503050406030204" pitchFamily="18" charset="0"/>
+                            </a:rPr>
+                            <m:t>1</m:t>
+                          </m:r>
+                        </m:num>
+                        <m:den>
+                          <m:r>
+                            <a:rPr kumimoji="1" lang="en-US" altLang="ja-JP" sz="1600" b="0" i="0" smtClean="0">
+                              <a:latin typeface="Cambria Math" panose="02040503050406030204" pitchFamily="18" charset="0"/>
+                            </a:rPr>
+                            <m:t>4</m:t>
+                          </m:r>
+                        </m:den>
+                      </m:f>
+                    </m:oMath>
+                  </m:oMathPara>
+                </a14:m>
+                <a:endParaRPr kumimoji="1" lang="ja-JP" altLang="en-US" sz="1600"/>
+              </a:p>
+            </p:txBody>
+          </p:sp>
+        </mc:Choice>
+        <mc:Fallback>
+          <p:sp>
+            <p:nvSpPr>
+              <p:cNvPr id="37" name="テキスト ボックス 36">
+                <a:extLst>
+                  <a:ext uri="{FF2B5EF4-FFF2-40B4-BE49-F238E27FC236}">
+                    <a16:creationId xmlns:a16="http://schemas.microsoft.com/office/drawing/2014/main" id="{0CE2B0C3-3D1B-4783-B6A6-CD61C646DE0B}"/>
+                  </a:ext>
+                </a:extLst>
+              </p:cNvPr>
+              <p:cNvSpPr txBox="1">
+                <a:spLocks noRot="1" noChangeAspect="1" noMove="1" noResize="1" noEditPoints="1" noAdjustHandles="1" noChangeArrowheads="1" noChangeShapeType="1" noTextEdit="1"/>
+              </p:cNvSpPr>
+              <p:nvPr/>
+            </p:nvSpPr>
+            <p:spPr>
+              <a:xfrm>
+                <a:off x="2948518" y="518256"/>
+                <a:ext cx="344966" cy="553357"/>
+              </a:xfrm>
+              <a:prstGeom prst="rect">
+                <a:avLst/>
+              </a:prstGeom>
+              <a:blipFill>
+                <a:blip r:embed="rId4"/>
+                <a:stretch>
+                  <a:fillRect/>
+                </a:stretch>
+              </a:blipFill>
+            </p:spPr>
+            <p:txBody>
+              <a:bodyPr/>
+              <a:lstStyle/>
+              <a:p>
+                <a:r>
+                  <a:rPr lang="ja-JP" altLang="en-US">
+                    <a:noFill/>
+                  </a:rPr>
+                  <a:t> </a:t>
+                </a:r>
+              </a:p>
+            </p:txBody>
+          </p:sp>
+        </mc:Fallback>
+      </mc:AlternateContent>
+      <p:cxnSp>
+        <p:nvCxnSpPr>
+          <p:cNvPr id="38" name="直線矢印コネクタ 37">
+            <a:extLst>
+              <a:ext uri="{FF2B5EF4-FFF2-40B4-BE49-F238E27FC236}">
+                <a16:creationId xmlns:a16="http://schemas.microsoft.com/office/drawing/2014/main" id="{CBEF61D2-9B4F-4EB8-8D2F-7B43C33DD06B}"/>
+              </a:ext>
+            </a:extLst>
+          </p:cNvPr>
+          <p:cNvCxnSpPr>
+            <a:cxnSpLocks/>
+          </p:cNvCxnSpPr>
+          <p:nvPr/>
+        </p:nvCxnSpPr>
+        <p:spPr>
+          <a:xfrm flipV="1">
+            <a:off x="2166432" y="3563936"/>
+            <a:ext cx="0" cy="1908811"/>
+          </a:xfrm>
+          <a:prstGeom prst="straightConnector1">
+            <a:avLst/>
+          </a:prstGeom>
+          <a:ln w="28575">
+            <a:solidFill>
+              <a:srgbClr val="FF0000">
+                <a:alpha val="20000"/>
+              </a:srgbClr>
+            </a:solidFill>
+            <a:headEnd type="arrow" w="med" len="med"/>
+            <a:tailEnd type="none" w="med" len="med"/>
+          </a:ln>
+        </p:spPr>
+        <p:style>
+          <a:lnRef idx="1">
+            <a:schemeClr val="accent1"/>
+          </a:lnRef>
+          <a:fillRef idx="0">
+            <a:schemeClr val="accent1"/>
+          </a:fillRef>
+          <a:effectRef idx="0">
+            <a:schemeClr val="accent1"/>
+          </a:effectRef>
+          <a:fontRef idx="minor">
+            <a:schemeClr val="tx1"/>
+          </a:fontRef>
+        </p:style>
+      </p:cxnSp>
+      <p:cxnSp>
+        <p:nvCxnSpPr>
+          <p:cNvPr id="43" name="直線矢印コネクタ 42">
+            <a:extLst>
+              <a:ext uri="{FF2B5EF4-FFF2-40B4-BE49-F238E27FC236}">
+                <a16:creationId xmlns:a16="http://schemas.microsoft.com/office/drawing/2014/main" id="{A83AE00E-3219-4317-AD6B-F34925BD9661}"/>
+              </a:ext>
+            </a:extLst>
+          </p:cNvPr>
+          <p:cNvCxnSpPr>
+            <a:cxnSpLocks/>
+          </p:cNvCxnSpPr>
+          <p:nvPr/>
+        </p:nvCxnSpPr>
+        <p:spPr>
+          <a:xfrm flipH="1">
+            <a:off x="3623719" y="1189728"/>
+            <a:ext cx="2858458" cy="0"/>
+          </a:xfrm>
+          <a:prstGeom prst="straightConnector1">
+            <a:avLst/>
+          </a:prstGeom>
+          <a:ln w="28575">
+            <a:solidFill>
+              <a:srgbClr val="FF0000">
+                <a:alpha val="20000"/>
+              </a:srgbClr>
+            </a:solidFill>
+            <a:headEnd type="arrow" w="med" len="med"/>
+            <a:tailEnd type="none" w="med" len="med"/>
+          </a:ln>
+        </p:spPr>
+        <p:style>
+          <a:lnRef idx="1">
+            <a:schemeClr val="accent1"/>
+          </a:lnRef>
+          <a:fillRef idx="0">
+            <a:schemeClr val="accent1"/>
+          </a:fillRef>
+          <a:effectRef idx="0">
+            <a:schemeClr val="accent1"/>
+          </a:effectRef>
+          <a:fontRef idx="minor">
+            <a:schemeClr val="tx1"/>
+          </a:fontRef>
+        </p:style>
+      </p:cxnSp>
+    </p:spTree>
+    <p:extLst>
+      <p:ext uri="{BB962C8B-B14F-4D97-AF65-F5344CB8AC3E}">
+        <p14:creationId xmlns:p14="http://schemas.microsoft.com/office/powerpoint/2010/main" val="440719794"/>
+      </p:ext>
+    </p:extLst>
+  </p:cSld>
+  <p:clrMapOvr>
+    <a:masterClrMapping/>
+  </p:clrMapOvr>
+</p:sld>
+</file>
+
+<file path=ppt/slides/slide3.xml><?xml version="1.0" encoding="utf-8"?>
+<p:sld xmlns:a="http://schemas.openxmlformats.org/drawingml/2006/main" xmlns:r="http://schemas.openxmlformats.org/officeDocument/2006/relationships" xmlns:p="http://schemas.openxmlformats.org/presentationml/2006/main">
+  <p:cSld>
+    <p:spTree>
+      <p:nvGrpSpPr>
+        <p:cNvPr id="1" name=""/>
+        <p:cNvGrpSpPr/>
+        <p:nvPr/>
+      </p:nvGrpSpPr>
+      <p:grpSpPr>
+        <a:xfrm>
+          <a:off x="0" y="0"/>
+          <a:ext cx="0" cy="0"/>
+          <a:chOff x="0" y="0"/>
+          <a:chExt cx="0" cy="0"/>
+        </a:xfrm>
+      </p:grpSpPr>
+      <p:sp>
+        <p:nvSpPr>
+          <p:cNvPr id="2" name="スライド番号プレースホルダー 1">
+            <a:extLst>
+              <a:ext uri="{FF2B5EF4-FFF2-40B4-BE49-F238E27FC236}">
+                <a16:creationId xmlns:a16="http://schemas.microsoft.com/office/drawing/2014/main" id="{560ED322-76A1-466E-8546-DCA41C7CDB74}"/>
+              </a:ext>
+            </a:extLst>
+          </p:cNvPr>
+          <p:cNvSpPr>
+            <a:spLocks noGrp="1"/>
+          </p:cNvSpPr>
+          <p:nvPr>
+            <p:ph type="sldNum" sz="quarter" idx="12"/>
+          </p:nvPr>
+        </p:nvSpPr>
+        <p:spPr/>
+        <p:txBody>
+          <a:bodyPr/>
+          <a:lstStyle/>
+          <a:p>
+            <a:fld id="{54E8F7FD-0FB9-42CD-ACB3-7754F601E11E}" type="slidenum">
+              <a:rPr kumimoji="1" lang="ja-JP" altLang="en-US" smtClean="0"/>
+              <a:t>3</a:t>
+            </a:fld>
+            <a:endParaRPr kumimoji="1" lang="ja-JP" altLang="en-US"/>
+          </a:p>
+        </p:txBody>
+      </p:sp>
+      <p:sp>
+        <p:nvSpPr>
+          <p:cNvPr id="3" name="タイトル 2">
+            <a:extLst>
+              <a:ext uri="{FF2B5EF4-FFF2-40B4-BE49-F238E27FC236}">
+                <a16:creationId xmlns:a16="http://schemas.microsoft.com/office/drawing/2014/main" id="{B8A02A66-A336-4C99-84F3-1C1097339F74}"/>
+              </a:ext>
+            </a:extLst>
+          </p:cNvPr>
+          <p:cNvSpPr>
+            <a:spLocks noGrp="1"/>
+          </p:cNvSpPr>
+          <p:nvPr>
+            <p:ph type="title"/>
+          </p:nvPr>
+        </p:nvSpPr>
+        <p:spPr/>
+        <p:txBody>
+          <a:bodyPr/>
+          <a:lstStyle/>
+          <a:p>
+            <a:endParaRPr kumimoji="1" lang="ja-JP" altLang="en-US"/>
+          </a:p>
+        </p:txBody>
+      </p:sp>
+      <p:sp>
+        <p:nvSpPr>
+          <p:cNvPr id="4" name="フッター プレースホルダー 3">
+            <a:extLst>
+              <a:ext uri="{FF2B5EF4-FFF2-40B4-BE49-F238E27FC236}">
+                <a16:creationId xmlns:a16="http://schemas.microsoft.com/office/drawing/2014/main" id="{551215DC-9DB9-4CAF-9A20-0798DC8B0185}"/>
+              </a:ext>
+            </a:extLst>
+          </p:cNvPr>
+          <p:cNvSpPr>
+            <a:spLocks noGrp="1"/>
+          </p:cNvSpPr>
+          <p:nvPr>
+            <p:ph type="ftr" sz="quarter" idx="14"/>
+          </p:nvPr>
+        </p:nvSpPr>
+        <p:spPr/>
+        <p:txBody>
+          <a:bodyPr/>
+          <a:lstStyle/>
+          <a:p>
+            <a:endParaRPr lang="ja-JP" altLang="en-US"/>
+          </a:p>
+        </p:txBody>
+      </p:sp>
+      <p:sp>
+        <p:nvSpPr>
+          <p:cNvPr id="5" name="正方形/長方形 4">
+            <a:extLst>
+              <a:ext uri="{FF2B5EF4-FFF2-40B4-BE49-F238E27FC236}">
+                <a16:creationId xmlns:a16="http://schemas.microsoft.com/office/drawing/2014/main" id="{BCA2A920-4B47-4E8C-A639-B8930AA1995B}"/>
+              </a:ext>
+            </a:extLst>
+          </p:cNvPr>
+          <p:cNvSpPr/>
+          <p:nvPr/>
+        </p:nvSpPr>
+        <p:spPr>
+          <a:xfrm>
+            <a:off x="2367280" y="2541785"/>
+            <a:ext cx="2204720" cy="2204720"/>
+          </a:xfrm>
+          <a:prstGeom prst="rect">
+            <a:avLst/>
+          </a:prstGeom>
+          <a:solidFill>
+            <a:schemeClr val="bg2">
+              <a:lumMod val="90000"/>
+            </a:schemeClr>
+          </a:solidFill>
+          <a:ln w="28575">
+            <a:solidFill>
+              <a:schemeClr val="tx1"/>
+            </a:solidFill>
+          </a:ln>
+        </p:spPr>
+        <p:style>
+          <a:lnRef idx="2">
+            <a:schemeClr val="accent1">
+              <a:shade val="50000"/>
+            </a:schemeClr>
+          </a:lnRef>
+          <a:fillRef idx="1">
+            <a:schemeClr val="accent1"/>
+          </a:fillRef>
+          <a:effectRef idx="0">
+            <a:schemeClr val="accent1"/>
+          </a:effectRef>
+          <a:fontRef idx="minor">
+            <a:schemeClr val="lt1"/>
+          </a:fontRef>
+        </p:style>
+        <p:txBody>
+          <a:bodyPr rtlCol="0" anchor="ctr"/>
+          <a:lstStyle/>
+          <a:p>
+            <a:pPr algn="ctr"/>
+            <a:endParaRPr kumimoji="1" lang="ja-JP" altLang="en-US" sz="1600"/>
+          </a:p>
+        </p:txBody>
+      </p:sp>
+      <p:sp>
+        <p:nvSpPr>
+          <p:cNvPr id="6" name="テキスト ボックス 5">
+            <a:extLst>
+              <a:ext uri="{FF2B5EF4-FFF2-40B4-BE49-F238E27FC236}">
+                <a16:creationId xmlns:a16="http://schemas.microsoft.com/office/drawing/2014/main" id="{F09E7CEA-6A59-4E36-8A21-E8AC9C07F035}"/>
+              </a:ext>
+            </a:extLst>
+          </p:cNvPr>
+          <p:cNvSpPr txBox="1"/>
+          <p:nvPr/>
+        </p:nvSpPr>
+        <p:spPr>
+          <a:xfrm>
+            <a:off x="2479040" y="3410966"/>
+            <a:ext cx="1415772" cy="338554"/>
+          </a:xfrm>
+          <a:prstGeom prst="rect">
+            <a:avLst/>
+          </a:prstGeom>
+          <a:noFill/>
+        </p:spPr>
+        <p:txBody>
+          <a:bodyPr wrap="none" rtlCol="0">
+            <a:spAutoFit/>
+          </a:bodyPr>
+          <a:lstStyle/>
+          <a:p>
+            <a:r>
+              <a:rPr kumimoji="1" lang="ja-JP" altLang="en-US" sz="1600"/>
+              <a:t>正方形の面積</a:t>
+            </a:r>
+          </a:p>
+        </p:txBody>
+      </p:sp>
+      <mc:AlternateContent xmlns:mc="http://schemas.openxmlformats.org/markup-compatibility/2006">
+        <mc:Choice xmlns:a14="http://schemas.microsoft.com/office/drawing/2010/main" Requires="a14">
+          <p:sp>
+            <p:nvSpPr>
+              <p:cNvPr id="8" name="テキスト ボックス 7">
+                <a:extLst>
+                  <a:ext uri="{FF2B5EF4-FFF2-40B4-BE49-F238E27FC236}">
+                    <a16:creationId xmlns:a16="http://schemas.microsoft.com/office/drawing/2014/main" id="{01CDE385-A43D-472B-A951-6591892F3FA3}"/>
+                  </a:ext>
+                </a:extLst>
+              </p:cNvPr>
+              <p:cNvSpPr txBox="1"/>
+              <p:nvPr/>
+            </p:nvSpPr>
+            <p:spPr>
+              <a:xfrm>
+                <a:off x="3291839" y="2065626"/>
+                <a:ext cx="335282" cy="369332"/>
+              </a:xfrm>
+              <a:prstGeom prst="rect">
+                <a:avLst/>
+              </a:prstGeom>
+              <a:noFill/>
+            </p:spPr>
+            <p:txBody>
+              <a:bodyPr wrap="square" lIns="0" tIns="0" rIns="0" bIns="0" rtlCol="0">
+                <a:spAutoFit/>
+              </a:bodyPr>
+              <a:lstStyle/>
+              <a:p>
+                <a14:m>
+                  <m:oMathPara xmlns:m="http://schemas.openxmlformats.org/officeDocument/2006/math">
+                    <m:oMathParaPr>
+                      <m:jc m:val="centerGroup"/>
+                    </m:oMathParaPr>
+                    <m:oMath xmlns:m="http://schemas.openxmlformats.org/officeDocument/2006/math">
+                      <m:r>
+                        <a:rPr kumimoji="1" lang="en-US" altLang="ja-JP" sz="2400" b="0" i="1" smtClean="0">
+                          <a:latin typeface="Cambria Math" panose="02040503050406030204" pitchFamily="18" charset="0"/>
+                        </a:rPr>
+                        <m:t>𝑎</m:t>
+                      </m:r>
+                    </m:oMath>
+                  </m:oMathPara>
+                </a14:m>
+                <a:endParaRPr kumimoji="1" lang="ja-JP" altLang="en-US" sz="2400"/>
+              </a:p>
+            </p:txBody>
+          </p:sp>
+        </mc:Choice>
+        <mc:Fallback>
+          <p:sp>
+            <p:nvSpPr>
+              <p:cNvPr id="8" name="テキスト ボックス 7">
+                <a:extLst>
+                  <a:ext uri="{FF2B5EF4-FFF2-40B4-BE49-F238E27FC236}">
+                    <a16:creationId xmlns:a16="http://schemas.microsoft.com/office/drawing/2014/main" id="{01CDE385-A43D-472B-A951-6591892F3FA3}"/>
+                  </a:ext>
+                </a:extLst>
+              </p:cNvPr>
+              <p:cNvSpPr txBox="1">
+                <a:spLocks noRot="1" noChangeAspect="1" noMove="1" noResize="1" noEditPoints="1" noAdjustHandles="1" noChangeArrowheads="1" noChangeShapeType="1" noTextEdit="1"/>
+              </p:cNvSpPr>
+              <p:nvPr/>
+            </p:nvSpPr>
+            <p:spPr>
+              <a:xfrm>
+                <a:off x="3291839" y="2065626"/>
+                <a:ext cx="335282" cy="369332"/>
+              </a:xfrm>
+              <a:prstGeom prst="rect">
+                <a:avLst/>
+              </a:prstGeom>
+              <a:blipFill>
+                <a:blip r:embed="rId2"/>
+                <a:stretch>
+                  <a:fillRect/>
+                </a:stretch>
+              </a:blipFill>
+            </p:spPr>
+            <p:txBody>
+              <a:bodyPr/>
+              <a:lstStyle/>
+              <a:p>
+                <a:r>
+                  <a:rPr lang="ja-JP" altLang="en-US">
+                    <a:noFill/>
+                  </a:rPr>
+                  <a:t> </a:t>
+                </a:r>
+              </a:p>
+            </p:txBody>
+          </p:sp>
+        </mc:Fallback>
+      </mc:AlternateContent>
+      <mc:AlternateContent xmlns:mc="http://schemas.openxmlformats.org/markup-compatibility/2006">
+        <mc:Choice xmlns:a14="http://schemas.microsoft.com/office/drawing/2010/main" Requires="a14">
+          <p:sp>
+            <p:nvSpPr>
+              <p:cNvPr id="9" name="テキスト ボックス 8">
+                <a:extLst>
+                  <a:ext uri="{FF2B5EF4-FFF2-40B4-BE49-F238E27FC236}">
+                    <a16:creationId xmlns:a16="http://schemas.microsoft.com/office/drawing/2014/main" id="{9A0CB884-743A-439F-9A6D-8BD036B82724}"/>
+                  </a:ext>
+                </a:extLst>
+              </p:cNvPr>
+              <p:cNvSpPr txBox="1"/>
+              <p:nvPr/>
+            </p:nvSpPr>
+            <p:spPr>
+              <a:xfrm>
+                <a:off x="4683760" y="3359868"/>
+                <a:ext cx="335282" cy="369332"/>
+              </a:xfrm>
+              <a:prstGeom prst="rect">
+                <a:avLst/>
+              </a:prstGeom>
+              <a:noFill/>
+            </p:spPr>
+            <p:txBody>
+              <a:bodyPr wrap="square" lIns="0" tIns="0" rIns="0" bIns="0" rtlCol="0">
+                <a:spAutoFit/>
+              </a:bodyPr>
+              <a:lstStyle/>
+              <a:p>
+                <a14:m>
+                  <m:oMathPara xmlns:m="http://schemas.openxmlformats.org/officeDocument/2006/math">
+                    <m:oMathParaPr>
+                      <m:jc m:val="centerGroup"/>
+                    </m:oMathParaPr>
+                    <m:oMath xmlns:m="http://schemas.openxmlformats.org/officeDocument/2006/math">
+                      <m:r>
+                        <a:rPr kumimoji="1" lang="en-US" altLang="ja-JP" sz="2400" b="0" i="1" smtClean="0">
+                          <a:latin typeface="Cambria Math" panose="02040503050406030204" pitchFamily="18" charset="0"/>
+                        </a:rPr>
+                        <m:t>𝑎</m:t>
+                      </m:r>
+                    </m:oMath>
+                  </m:oMathPara>
+                </a14:m>
+                <a:endParaRPr kumimoji="1" lang="ja-JP" altLang="en-US" sz="2400"/>
+              </a:p>
+            </p:txBody>
+          </p:sp>
+        </mc:Choice>
+        <mc:Fallback>
+          <p:sp>
+            <p:nvSpPr>
+              <p:cNvPr id="9" name="テキスト ボックス 8">
+                <a:extLst>
+                  <a:ext uri="{FF2B5EF4-FFF2-40B4-BE49-F238E27FC236}">
+                    <a16:creationId xmlns:a16="http://schemas.microsoft.com/office/drawing/2014/main" id="{9A0CB884-743A-439F-9A6D-8BD036B82724}"/>
+                  </a:ext>
+                </a:extLst>
+              </p:cNvPr>
+              <p:cNvSpPr txBox="1">
+                <a:spLocks noRot="1" noChangeAspect="1" noMove="1" noResize="1" noEditPoints="1" noAdjustHandles="1" noChangeArrowheads="1" noChangeShapeType="1" noTextEdit="1"/>
+              </p:cNvSpPr>
+              <p:nvPr/>
+            </p:nvSpPr>
+            <p:spPr>
+              <a:xfrm>
+                <a:off x="4683760" y="3359868"/>
+                <a:ext cx="335282" cy="369332"/>
+              </a:xfrm>
+              <a:prstGeom prst="rect">
+                <a:avLst/>
+              </a:prstGeom>
+              <a:blipFill>
+                <a:blip r:embed="rId3"/>
+                <a:stretch>
+                  <a:fillRect/>
+                </a:stretch>
+              </a:blipFill>
+            </p:spPr>
+            <p:txBody>
+              <a:bodyPr/>
+              <a:lstStyle/>
+              <a:p>
+                <a:r>
+                  <a:rPr lang="ja-JP" altLang="en-US">
+                    <a:noFill/>
+                  </a:rPr>
+                  <a:t> </a:t>
+                </a:r>
+              </a:p>
+            </p:txBody>
+          </p:sp>
+        </mc:Fallback>
+      </mc:AlternateContent>
+      <mc:AlternateContent xmlns:mc="http://schemas.openxmlformats.org/markup-compatibility/2006">
+        <mc:Choice xmlns:a14="http://schemas.microsoft.com/office/drawing/2010/main" Requires="a14">
+          <p:sp>
+            <p:nvSpPr>
+              <p:cNvPr id="10" name="テキスト ボックス 9">
+                <a:extLst>
+                  <a:ext uri="{FF2B5EF4-FFF2-40B4-BE49-F238E27FC236}">
+                    <a16:creationId xmlns:a16="http://schemas.microsoft.com/office/drawing/2014/main" id="{3699CE7A-F234-4B86-87B3-85B6C9296C3B}"/>
+                  </a:ext>
+                </a:extLst>
+              </p:cNvPr>
+              <p:cNvSpPr txBox="1"/>
+              <p:nvPr/>
+            </p:nvSpPr>
+            <p:spPr>
+              <a:xfrm>
+                <a:off x="3800859" y="3359868"/>
+                <a:ext cx="335282" cy="369332"/>
+              </a:xfrm>
+              <a:prstGeom prst="rect">
+                <a:avLst/>
+              </a:prstGeom>
+              <a:noFill/>
+            </p:spPr>
+            <p:txBody>
+              <a:bodyPr wrap="square" lIns="0" tIns="0" rIns="0" bIns="0" rtlCol="0">
+                <a:spAutoFit/>
+              </a:bodyPr>
+              <a:lstStyle/>
+              <a:p>
+                <a14:m>
+                  <m:oMathPara xmlns:m="http://schemas.openxmlformats.org/officeDocument/2006/math">
+                    <m:oMathParaPr>
+                      <m:jc m:val="centerGroup"/>
+                    </m:oMathParaPr>
+                    <m:oMath xmlns:m="http://schemas.openxmlformats.org/officeDocument/2006/math">
+                      <m:r>
+                        <a:rPr kumimoji="1" lang="en-US" altLang="ja-JP" sz="2400" b="0" i="1" smtClean="0">
+                          <a:latin typeface="Cambria Math" panose="02040503050406030204" pitchFamily="18" charset="0"/>
+                        </a:rPr>
+                        <m:t>𝑛</m:t>
+                      </m:r>
+                    </m:oMath>
+                  </m:oMathPara>
+                </a14:m>
+                <a:endParaRPr kumimoji="1" lang="ja-JP" altLang="en-US" sz="2400"/>
+              </a:p>
+            </p:txBody>
+          </p:sp>
+        </mc:Choice>
+        <mc:Fallback>
+          <p:sp>
+            <p:nvSpPr>
+              <p:cNvPr id="10" name="テキスト ボックス 9">
+                <a:extLst>
+                  <a:ext uri="{FF2B5EF4-FFF2-40B4-BE49-F238E27FC236}">
+                    <a16:creationId xmlns:a16="http://schemas.microsoft.com/office/drawing/2014/main" id="{3699CE7A-F234-4B86-87B3-85B6C9296C3B}"/>
+                  </a:ext>
+                </a:extLst>
+              </p:cNvPr>
+              <p:cNvSpPr txBox="1">
+                <a:spLocks noRot="1" noChangeAspect="1" noMove="1" noResize="1" noEditPoints="1" noAdjustHandles="1" noChangeArrowheads="1" noChangeShapeType="1" noTextEdit="1"/>
+              </p:cNvSpPr>
+              <p:nvPr/>
+            </p:nvSpPr>
+            <p:spPr>
+              <a:xfrm>
+                <a:off x="3800859" y="3359868"/>
+                <a:ext cx="335282" cy="369332"/>
+              </a:xfrm>
+              <a:prstGeom prst="rect">
+                <a:avLst/>
+              </a:prstGeom>
+              <a:blipFill>
+                <a:blip r:embed="rId4"/>
+                <a:stretch>
+                  <a:fillRect/>
+                </a:stretch>
+              </a:blipFill>
+            </p:spPr>
+            <p:txBody>
+              <a:bodyPr/>
+              <a:lstStyle/>
+              <a:p>
+                <a:r>
+                  <a:rPr lang="ja-JP" altLang="en-US">
+                    <a:noFill/>
+                  </a:rPr>
+                  <a:t> </a:t>
+                </a:r>
+              </a:p>
+            </p:txBody>
+          </p:sp>
+        </mc:Fallback>
+      </mc:AlternateContent>
+      <p:sp>
+        <p:nvSpPr>
+          <p:cNvPr id="11" name="テキスト ボックス 10">
+            <a:extLst>
+              <a:ext uri="{FF2B5EF4-FFF2-40B4-BE49-F238E27FC236}">
+                <a16:creationId xmlns:a16="http://schemas.microsoft.com/office/drawing/2014/main" id="{4C09E713-9C19-4386-9A23-3F42F57EC717}"/>
+              </a:ext>
+            </a:extLst>
+          </p:cNvPr>
+          <p:cNvSpPr txBox="1"/>
+          <p:nvPr/>
+        </p:nvSpPr>
+        <p:spPr>
+          <a:xfrm>
+            <a:off x="2367280" y="2116724"/>
+            <a:ext cx="1259841" cy="338554"/>
+          </a:xfrm>
+          <a:prstGeom prst="rect">
+            <a:avLst/>
+          </a:prstGeom>
+          <a:noFill/>
+          <a:ln>
+            <a:solidFill>
+              <a:schemeClr val="bg2">
+                <a:lumMod val="50000"/>
+              </a:schemeClr>
+            </a:solidFill>
+          </a:ln>
+        </p:spPr>
+        <p:txBody>
+          <a:bodyPr wrap="square" rtlCol="0">
+            <a:spAutoFit/>
+          </a:bodyPr>
+          <a:lstStyle/>
+          <a:p>
+            <a:r>
+              <a:rPr kumimoji="1" lang="ja-JP" altLang="en-US" sz="1600"/>
+              <a:t>求める値　　</a:t>
+            </a:r>
+          </a:p>
+        </p:txBody>
+      </p:sp>
+    </p:spTree>
+    <p:extLst>
+      <p:ext uri="{BB962C8B-B14F-4D97-AF65-F5344CB8AC3E}">
+        <p14:creationId xmlns:p14="http://schemas.microsoft.com/office/powerpoint/2010/main" val="3278902167"/>
       </p:ext>
     </p:extLst>
   </p:cSld>

--- a/images/calv_variable/図素材.pptx
+++ b/images/calv_variable/図素材.pptx
@@ -5,15 +5,19 @@
     <p:sldMasterId id="2147483660" r:id="rId1"/>
   </p:sldMasterIdLst>
   <p:notesMasterIdLst>
-    <p:notesMasterId r:id="rId5"/>
+    <p:notesMasterId r:id="rId9"/>
   </p:notesMasterIdLst>
   <p:handoutMasterIdLst>
-    <p:handoutMasterId r:id="rId6"/>
+    <p:handoutMasterId r:id="rId10"/>
   </p:handoutMasterIdLst>
   <p:sldIdLst>
     <p:sldId id="598" r:id="rId2"/>
     <p:sldId id="599" r:id="rId3"/>
     <p:sldId id="600" r:id="rId4"/>
+    <p:sldId id="304" r:id="rId5"/>
+    <p:sldId id="603" r:id="rId6"/>
+    <p:sldId id="604" r:id="rId7"/>
+    <p:sldId id="601" r:id="rId8"/>
   </p:sldIdLst>
   <p:sldSz cx="9144000" cy="6858000" type="screen4x3"/>
   <p:notesSz cx="6858000" cy="9144000"/>
@@ -217,7 +221,7 @@
           <a:p>
             <a:fld id="{C0D9501B-69D0-4000-9A67-A4069798CF04}" type="datetimeFigureOut">
               <a:rPr kumimoji="1" lang="ja-JP" altLang="en-US" smtClean="0"/>
-              <a:t>2022/4/25</a:t>
+              <a:t>2022/4/26</a:t>
             </a:fld>
             <a:endParaRPr kumimoji="1" lang="ja-JP" altLang="en-US"/>
           </a:p>
@@ -395,7 +399,7 @@
           <a:p>
             <a:fld id="{E1D20702-79C6-4D55-B0C7-6A4E995866BD}" type="datetimeFigureOut">
               <a:rPr kumimoji="1" lang="ja-JP" altLang="en-US" smtClean="0"/>
-              <a:t>2022/4/25</a:t>
+              <a:t>2022/4/26</a:t>
             </a:fld>
             <a:endParaRPr kumimoji="1" lang="ja-JP" altLang="en-US"/>
           </a:p>
@@ -695,6 +699,250 @@
 </p:notesMaster>
 </file>
 
+<file path=ppt/notesSlides/notesSlide1.xml><?xml version="1.0" encoding="utf-8"?>
+<p:notes xmlns:a="http://schemas.openxmlformats.org/drawingml/2006/main" xmlns:r="http://schemas.openxmlformats.org/officeDocument/2006/relationships" xmlns:p="http://schemas.openxmlformats.org/presentationml/2006/main">
+  <p:cSld>
+    <p:spTree>
+      <p:nvGrpSpPr>
+        <p:cNvPr id="1" name=""/>
+        <p:cNvGrpSpPr/>
+        <p:nvPr/>
+      </p:nvGrpSpPr>
+      <p:grpSpPr>
+        <a:xfrm>
+          <a:off x="0" y="0"/>
+          <a:ext cx="0" cy="0"/>
+          <a:chOff x="0" y="0"/>
+          <a:chExt cx="0" cy="0"/>
+        </a:xfrm>
+      </p:grpSpPr>
+      <p:sp>
+        <p:nvSpPr>
+          <p:cNvPr id="2" name="スライド イメージ プレースホルダー 1"/>
+          <p:cNvSpPr>
+            <a:spLocks noGrp="1" noRot="1" noChangeAspect="1"/>
+          </p:cNvSpPr>
+          <p:nvPr>
+            <p:ph type="sldImg"/>
+          </p:nvPr>
+        </p:nvSpPr>
+        <p:spPr/>
+      </p:sp>
+      <p:sp>
+        <p:nvSpPr>
+          <p:cNvPr id="3" name="ノート プレースホルダー 2"/>
+          <p:cNvSpPr>
+            <a:spLocks noGrp="1"/>
+          </p:cNvSpPr>
+          <p:nvPr>
+            <p:ph type="body" idx="1"/>
+          </p:nvPr>
+        </p:nvSpPr>
+        <p:spPr/>
+        <p:txBody>
+          <a:bodyPr/>
+          <a:lstStyle/>
+          <a:p>
+            <a:endParaRPr kumimoji="1" lang="ja-JP" altLang="en-US" dirty="0"/>
+          </a:p>
+        </p:txBody>
+      </p:sp>
+    </p:spTree>
+    <p:extLst>
+      <p:ext uri="{BB962C8B-B14F-4D97-AF65-F5344CB8AC3E}">
+        <p14:creationId xmlns:p14="http://schemas.microsoft.com/office/powerpoint/2010/main" val="1721158693"/>
+      </p:ext>
+    </p:extLst>
+  </p:cSld>
+  <p:clrMapOvr>
+    <a:masterClrMapping/>
+  </p:clrMapOvr>
+</p:notes>
+</file>
+
+<file path=ppt/notesSlides/notesSlide2.xml><?xml version="1.0" encoding="utf-8"?>
+<p:notes xmlns:a="http://schemas.openxmlformats.org/drawingml/2006/main" xmlns:r="http://schemas.openxmlformats.org/officeDocument/2006/relationships" xmlns:p="http://schemas.openxmlformats.org/presentationml/2006/main">
+  <p:cSld>
+    <p:spTree>
+      <p:nvGrpSpPr>
+        <p:cNvPr id="1" name=""/>
+        <p:cNvGrpSpPr/>
+        <p:nvPr/>
+      </p:nvGrpSpPr>
+      <p:grpSpPr>
+        <a:xfrm>
+          <a:off x="0" y="0"/>
+          <a:ext cx="0" cy="0"/>
+          <a:chOff x="0" y="0"/>
+          <a:chExt cx="0" cy="0"/>
+        </a:xfrm>
+      </p:grpSpPr>
+      <p:sp>
+        <p:nvSpPr>
+          <p:cNvPr id="2" name="スライド イメージ プレースホルダー 1"/>
+          <p:cNvSpPr>
+            <a:spLocks noGrp="1" noRot="1" noChangeAspect="1"/>
+          </p:cNvSpPr>
+          <p:nvPr>
+            <p:ph type="sldImg"/>
+          </p:nvPr>
+        </p:nvSpPr>
+        <p:spPr/>
+      </p:sp>
+      <p:sp>
+        <p:nvSpPr>
+          <p:cNvPr id="3" name="ノート プレースホルダー 2"/>
+          <p:cNvSpPr>
+            <a:spLocks noGrp="1"/>
+          </p:cNvSpPr>
+          <p:nvPr>
+            <p:ph type="body" idx="1"/>
+          </p:nvPr>
+        </p:nvSpPr>
+        <p:spPr/>
+        <p:txBody>
+          <a:bodyPr/>
+          <a:lstStyle/>
+          <a:p>
+            <a:endParaRPr kumimoji="1" lang="ja-JP" altLang="en-US" dirty="0"/>
+          </a:p>
+        </p:txBody>
+      </p:sp>
+    </p:spTree>
+    <p:extLst>
+      <p:ext uri="{BB962C8B-B14F-4D97-AF65-F5344CB8AC3E}">
+        <p14:creationId xmlns:p14="http://schemas.microsoft.com/office/powerpoint/2010/main" val="1700688445"/>
+      </p:ext>
+    </p:extLst>
+  </p:cSld>
+  <p:clrMapOvr>
+    <a:masterClrMapping/>
+  </p:clrMapOvr>
+</p:notes>
+</file>
+
+<file path=ppt/notesSlides/notesSlide3.xml><?xml version="1.0" encoding="utf-8"?>
+<p:notes xmlns:a="http://schemas.openxmlformats.org/drawingml/2006/main" xmlns:r="http://schemas.openxmlformats.org/officeDocument/2006/relationships" xmlns:p="http://schemas.openxmlformats.org/presentationml/2006/main">
+  <p:cSld>
+    <p:spTree>
+      <p:nvGrpSpPr>
+        <p:cNvPr id="1" name=""/>
+        <p:cNvGrpSpPr/>
+        <p:nvPr/>
+      </p:nvGrpSpPr>
+      <p:grpSpPr>
+        <a:xfrm>
+          <a:off x="0" y="0"/>
+          <a:ext cx="0" cy="0"/>
+          <a:chOff x="0" y="0"/>
+          <a:chExt cx="0" cy="0"/>
+        </a:xfrm>
+      </p:grpSpPr>
+      <p:sp>
+        <p:nvSpPr>
+          <p:cNvPr id="2" name="スライド イメージ プレースホルダー 1"/>
+          <p:cNvSpPr>
+            <a:spLocks noGrp="1" noRot="1" noChangeAspect="1"/>
+          </p:cNvSpPr>
+          <p:nvPr>
+            <p:ph type="sldImg"/>
+          </p:nvPr>
+        </p:nvSpPr>
+        <p:spPr/>
+      </p:sp>
+      <p:sp>
+        <p:nvSpPr>
+          <p:cNvPr id="3" name="ノート プレースホルダー 2"/>
+          <p:cNvSpPr>
+            <a:spLocks noGrp="1"/>
+          </p:cNvSpPr>
+          <p:nvPr>
+            <p:ph type="body" idx="1"/>
+          </p:nvPr>
+        </p:nvSpPr>
+        <p:spPr/>
+        <p:txBody>
+          <a:bodyPr/>
+          <a:lstStyle/>
+          <a:p>
+            <a:endParaRPr kumimoji="1" lang="ja-JP" altLang="en-US" dirty="0"/>
+          </a:p>
+        </p:txBody>
+      </p:sp>
+    </p:spTree>
+    <p:extLst>
+      <p:ext uri="{BB962C8B-B14F-4D97-AF65-F5344CB8AC3E}">
+        <p14:creationId xmlns:p14="http://schemas.microsoft.com/office/powerpoint/2010/main" val="2816461695"/>
+      </p:ext>
+    </p:extLst>
+  </p:cSld>
+  <p:clrMapOvr>
+    <a:masterClrMapping/>
+  </p:clrMapOvr>
+</p:notes>
+</file>
+
+<file path=ppt/notesSlides/notesSlide4.xml><?xml version="1.0" encoding="utf-8"?>
+<p:notes xmlns:a="http://schemas.openxmlformats.org/drawingml/2006/main" xmlns:r="http://schemas.openxmlformats.org/officeDocument/2006/relationships" xmlns:p="http://schemas.openxmlformats.org/presentationml/2006/main">
+  <p:cSld>
+    <p:spTree>
+      <p:nvGrpSpPr>
+        <p:cNvPr id="1" name=""/>
+        <p:cNvGrpSpPr/>
+        <p:nvPr/>
+      </p:nvGrpSpPr>
+      <p:grpSpPr>
+        <a:xfrm>
+          <a:off x="0" y="0"/>
+          <a:ext cx="0" cy="0"/>
+          <a:chOff x="0" y="0"/>
+          <a:chExt cx="0" cy="0"/>
+        </a:xfrm>
+      </p:grpSpPr>
+      <p:sp>
+        <p:nvSpPr>
+          <p:cNvPr id="2" name="スライド イメージ プレースホルダー 1"/>
+          <p:cNvSpPr>
+            <a:spLocks noGrp="1" noRot="1" noChangeAspect="1"/>
+          </p:cNvSpPr>
+          <p:nvPr>
+            <p:ph type="sldImg"/>
+          </p:nvPr>
+        </p:nvSpPr>
+        <p:spPr/>
+      </p:sp>
+      <p:sp>
+        <p:nvSpPr>
+          <p:cNvPr id="3" name="ノート プレースホルダー 2"/>
+          <p:cNvSpPr>
+            <a:spLocks noGrp="1"/>
+          </p:cNvSpPr>
+          <p:nvPr>
+            <p:ph type="body" idx="1"/>
+          </p:nvPr>
+        </p:nvSpPr>
+        <p:spPr/>
+        <p:txBody>
+          <a:bodyPr/>
+          <a:lstStyle/>
+          <a:p>
+            <a:endParaRPr kumimoji="1" lang="ja-JP" altLang="en-US" dirty="0"/>
+          </a:p>
+        </p:txBody>
+      </p:sp>
+    </p:spTree>
+    <p:extLst>
+      <p:ext uri="{BB962C8B-B14F-4D97-AF65-F5344CB8AC3E}">
+        <p14:creationId xmlns:p14="http://schemas.microsoft.com/office/powerpoint/2010/main" val="2921884872"/>
+      </p:ext>
+    </p:extLst>
+  </p:cSld>
+  <p:clrMapOvr>
+    <a:masterClrMapping/>
+  </p:clrMapOvr>
+</p:notes>
+</file>
+
 <file path=ppt/slideLayouts/slideLayout1.xml><?xml version="1.0" encoding="utf-8"?>
 <p:sldLayout xmlns:a="http://schemas.openxmlformats.org/drawingml/2006/main" xmlns:r="http://schemas.openxmlformats.org/officeDocument/2006/relationships" xmlns:p="http://schemas.openxmlformats.org/presentationml/2006/main" type="title" preserve="1">
   <p:cSld name="タイトル スライド">
@@ -1858,6 +2106,281 @@
 </p:sldLayout>
 </file>
 
+<file path=ppt/slideLayouts/slideLayout8.xml><?xml version="1.0" encoding="utf-8"?>
+<p:sldLayout xmlns:a="http://schemas.openxmlformats.org/drawingml/2006/main" xmlns:r="http://schemas.openxmlformats.org/officeDocument/2006/relationships" xmlns:p="http://schemas.openxmlformats.org/presentationml/2006/main" userDrawn="1">
+  <p:cSld name="1_タイトルとコンテンツ">
+    <p:spTree>
+      <p:nvGrpSpPr>
+        <p:cNvPr id="1" name=""/>
+        <p:cNvGrpSpPr/>
+        <p:nvPr/>
+      </p:nvGrpSpPr>
+      <p:grpSpPr>
+        <a:xfrm>
+          <a:off x="0" y="0"/>
+          <a:ext cx="0" cy="0"/>
+          <a:chOff x="0" y="0"/>
+          <a:chExt cx="0" cy="0"/>
+        </a:xfrm>
+      </p:grpSpPr>
+      <p:sp>
+        <p:nvSpPr>
+          <p:cNvPr id="9" name="タイトル 8">
+            <a:extLst>
+              <a:ext uri="{FF2B5EF4-FFF2-40B4-BE49-F238E27FC236}">
+                <a16:creationId xmlns:a16="http://schemas.microsoft.com/office/drawing/2014/main" id="{45694C7F-529E-430C-AB4C-EB83672C4707}"/>
+              </a:ext>
+            </a:extLst>
+          </p:cNvPr>
+          <p:cNvSpPr>
+            <a:spLocks noGrp="1"/>
+          </p:cNvSpPr>
+          <p:nvPr>
+            <p:ph type="title"/>
+          </p:nvPr>
+        </p:nvSpPr>
+        <p:spPr>
+          <a:solidFill>
+            <a:srgbClr val="008080"/>
+          </a:solidFill>
+        </p:spPr>
+        <p:txBody>
+          <a:bodyPr/>
+          <a:lstStyle/>
+          <a:p>
+            <a:r>
+              <a:rPr kumimoji="1" lang="ja-JP" altLang="en-US"/>
+              <a:t>マスター タイトルの書式設定</a:t>
+            </a:r>
+          </a:p>
+        </p:txBody>
+      </p:sp>
+      <p:sp>
+        <p:nvSpPr>
+          <p:cNvPr id="16" name="コンテンツ プレースホルダー 15">
+            <a:extLst>
+              <a:ext uri="{FF2B5EF4-FFF2-40B4-BE49-F238E27FC236}">
+                <a16:creationId xmlns:a16="http://schemas.microsoft.com/office/drawing/2014/main" id="{8D8E11B8-5388-4C45-B8E5-FC7D9AEE4CE1}"/>
+              </a:ext>
+            </a:extLst>
+          </p:cNvPr>
+          <p:cNvSpPr>
+            <a:spLocks noGrp="1"/>
+          </p:cNvSpPr>
+          <p:nvPr>
+            <p:ph sz="quarter" idx="13"/>
+          </p:nvPr>
+        </p:nvSpPr>
+        <p:spPr>
+          <a:xfrm>
+            <a:off x="628650" y="1330037"/>
+            <a:ext cx="7886700" cy="4853277"/>
+          </a:xfrm>
+        </p:spPr>
+        <p:txBody>
+          <a:bodyPr/>
+          <a:lstStyle>
+            <a:lvl1pPr>
+              <a:spcBef>
+                <a:spcPts val="1200"/>
+              </a:spcBef>
+              <a:spcAft>
+                <a:spcPts val="0"/>
+              </a:spcAft>
+              <a:defRPr/>
+            </a:lvl1pPr>
+            <a:lvl2pPr>
+              <a:spcBef>
+                <a:spcPts val="1200"/>
+              </a:spcBef>
+              <a:spcAft>
+                <a:spcPts val="0"/>
+              </a:spcAft>
+              <a:defRPr/>
+            </a:lvl2pPr>
+            <a:lvl3pPr>
+              <a:spcBef>
+                <a:spcPts val="300"/>
+              </a:spcBef>
+              <a:spcAft>
+                <a:spcPts val="300"/>
+              </a:spcAft>
+              <a:defRPr/>
+            </a:lvl3pPr>
+            <a:lvl4pPr>
+              <a:lnSpc>
+                <a:spcPct val="100000"/>
+              </a:lnSpc>
+              <a:spcBef>
+                <a:spcPts val="300"/>
+              </a:spcBef>
+              <a:spcAft>
+                <a:spcPts val="300"/>
+              </a:spcAft>
+              <a:defRPr/>
+            </a:lvl4pPr>
+          </a:lstStyle>
+          <a:p>
+            <a:pPr lvl="0"/>
+            <a:r>
+              <a:rPr kumimoji="1" lang="ja-JP" altLang="en-US" dirty="0"/>
+              <a:t>マスター テキストの書式設定</a:t>
+            </a:r>
+          </a:p>
+          <a:p>
+            <a:pPr lvl="1"/>
+            <a:r>
+              <a:rPr kumimoji="1" lang="ja-JP" altLang="en-US" dirty="0"/>
+              <a:t>第 </a:t>
+            </a:r>
+            <a:r>
+              <a:rPr kumimoji="1" lang="en-US" altLang="ja-JP" dirty="0"/>
+              <a:t>2 </a:t>
+            </a:r>
+            <a:r>
+              <a:rPr kumimoji="1" lang="ja-JP" altLang="en-US" dirty="0"/>
+              <a:t>レベル</a:t>
+            </a:r>
+          </a:p>
+          <a:p>
+            <a:pPr lvl="2"/>
+            <a:r>
+              <a:rPr kumimoji="1" lang="ja-JP" altLang="en-US" dirty="0"/>
+              <a:t>第 </a:t>
+            </a:r>
+            <a:r>
+              <a:rPr kumimoji="1" lang="en-US" altLang="ja-JP" dirty="0"/>
+              <a:t>3 </a:t>
+            </a:r>
+            <a:r>
+              <a:rPr kumimoji="1" lang="ja-JP" altLang="en-US" dirty="0"/>
+              <a:t>レベル</a:t>
+            </a:r>
+          </a:p>
+          <a:p>
+            <a:pPr lvl="3"/>
+            <a:r>
+              <a:rPr kumimoji="1" lang="ja-JP" altLang="en-US" dirty="0"/>
+              <a:t>第 </a:t>
+            </a:r>
+            <a:r>
+              <a:rPr kumimoji="1" lang="en-US" altLang="ja-JP" dirty="0"/>
+              <a:t>4 </a:t>
+            </a:r>
+            <a:r>
+              <a:rPr kumimoji="1" lang="ja-JP" altLang="en-US" dirty="0"/>
+              <a:t>レベル</a:t>
+            </a:r>
+          </a:p>
+          <a:p>
+            <a:pPr lvl="4"/>
+            <a:r>
+              <a:rPr kumimoji="1" lang="ja-JP" altLang="en-US" dirty="0"/>
+              <a:t>第 </a:t>
+            </a:r>
+            <a:r>
+              <a:rPr kumimoji="1" lang="en-US" altLang="ja-JP" dirty="0"/>
+              <a:t>5 </a:t>
+            </a:r>
+            <a:r>
+              <a:rPr kumimoji="1" lang="ja-JP" altLang="en-US" dirty="0"/>
+              <a:t>レベル</a:t>
+            </a:r>
+          </a:p>
+        </p:txBody>
+      </p:sp>
+      <p:sp>
+        <p:nvSpPr>
+          <p:cNvPr id="3" name="日付プレースホルダー 2">
+            <a:extLst>
+              <a:ext uri="{FF2B5EF4-FFF2-40B4-BE49-F238E27FC236}">
+                <a16:creationId xmlns:a16="http://schemas.microsoft.com/office/drawing/2014/main" id="{FD2B37E3-065C-4362-8FD3-E518657DCE8B}"/>
+              </a:ext>
+            </a:extLst>
+          </p:cNvPr>
+          <p:cNvSpPr>
+            <a:spLocks noGrp="1"/>
+          </p:cNvSpPr>
+          <p:nvPr>
+            <p:ph type="dt" sz="half" idx="14"/>
+          </p:nvPr>
+        </p:nvSpPr>
+        <p:spPr/>
+        <p:txBody>
+          <a:bodyPr/>
+          <a:lstStyle/>
+          <a:p>
+            <a:endParaRPr kumimoji="1" lang="ja-JP" altLang="en-US"/>
+          </a:p>
+        </p:txBody>
+      </p:sp>
+      <p:sp>
+        <p:nvSpPr>
+          <p:cNvPr id="4" name="フッター プレースホルダー 3">
+            <a:extLst>
+              <a:ext uri="{FF2B5EF4-FFF2-40B4-BE49-F238E27FC236}">
+                <a16:creationId xmlns:a16="http://schemas.microsoft.com/office/drawing/2014/main" id="{0C93FB51-EC03-47B1-A056-A092826493CC}"/>
+              </a:ext>
+            </a:extLst>
+          </p:cNvPr>
+          <p:cNvSpPr>
+            <a:spLocks noGrp="1"/>
+          </p:cNvSpPr>
+          <p:nvPr>
+            <p:ph type="ftr" sz="quarter" idx="15"/>
+          </p:nvPr>
+        </p:nvSpPr>
+        <p:spPr/>
+        <p:txBody>
+          <a:bodyPr/>
+          <a:lstStyle/>
+          <a:p>
+            <a:endParaRPr kumimoji="1" lang="ja-JP" altLang="en-US"/>
+          </a:p>
+        </p:txBody>
+      </p:sp>
+      <p:sp>
+        <p:nvSpPr>
+          <p:cNvPr id="7" name="スライド番号プレースホルダー 6">
+            <a:extLst>
+              <a:ext uri="{FF2B5EF4-FFF2-40B4-BE49-F238E27FC236}">
+                <a16:creationId xmlns:a16="http://schemas.microsoft.com/office/drawing/2014/main" id="{85698D13-3DE8-49F2-BD4B-8F0F2733D365}"/>
+              </a:ext>
+            </a:extLst>
+          </p:cNvPr>
+          <p:cNvSpPr>
+            <a:spLocks noGrp="1"/>
+          </p:cNvSpPr>
+          <p:nvPr>
+            <p:ph type="sldNum" sz="quarter" idx="16"/>
+          </p:nvPr>
+        </p:nvSpPr>
+        <p:spPr/>
+        <p:txBody>
+          <a:bodyPr/>
+          <a:lstStyle/>
+          <a:p>
+            <a:fld id="{54E8F7FD-0FB9-42CD-ACB3-7754F601E11E}" type="slidenum">
+              <a:rPr kumimoji="1" lang="ja-JP" altLang="en-US" smtClean="0"/>
+              <a:t>‹#›</a:t>
+            </a:fld>
+            <a:endParaRPr kumimoji="1" lang="ja-JP" altLang="en-US"/>
+          </a:p>
+        </p:txBody>
+      </p:sp>
+    </p:spTree>
+    <p:extLst>
+      <p:ext uri="{BB962C8B-B14F-4D97-AF65-F5344CB8AC3E}">
+        <p14:creationId xmlns:p14="http://schemas.microsoft.com/office/powerpoint/2010/main" val="1891835315"/>
+      </p:ext>
+    </p:extLst>
+  </p:cSld>
+  <p:clrMapOvr>
+    <a:masterClrMapping/>
+  </p:clrMapOvr>
+</p:sldLayout>
+</file>
+
 <file path=ppt/slideMasters/slideMaster1.xml><?xml version="1.0" encoding="utf-8"?>
 <p:sldMaster xmlns:a="http://schemas.openxmlformats.org/drawingml/2006/main" xmlns:r="http://schemas.openxmlformats.org/officeDocument/2006/relationships" xmlns:p="http://schemas.openxmlformats.org/presentationml/2006/main" preserve="1">
   <p:cSld>
@@ -2104,6 +2627,7 @@
     <p:sldLayoutId id="2147483665" r:id="rId5"/>
     <p:sldLayoutId id="2147483666" r:id="rId6"/>
     <p:sldLayoutId id="2147483667" r:id="rId7"/>
+    <p:sldLayoutId id="2147483669" r:id="rId8"/>
   </p:sldLayoutIdLst>
   <p:hf hdr="0" dt="0"/>
   <p:txStyles>
@@ -4113,8 +4637,8 @@
           </a:fontRef>
         </p:style>
       </p:cxnSp>
-      <mc:AlternateContent xmlns:mc="http://schemas.openxmlformats.org/markup-compatibility/2006">
-        <mc:Choice xmlns:a14="http://schemas.microsoft.com/office/drawing/2010/main" Requires="a14">
+      <mc:AlternateContent xmlns:mc="http://schemas.openxmlformats.org/markup-compatibility/2006" xmlns:a14="http://schemas.microsoft.com/office/drawing/2010/main">
+        <mc:Choice Requires="a14">
           <p:sp>
             <p:nvSpPr>
               <p:cNvPr id="30" name="テキスト ボックス 29">
@@ -4143,6 +4667,7 @@
               </a:bodyPr>
               <a:lstStyle/>
               <a:p>
+                <a:pPr/>
                 <a14:m>
                   <m:oMathPara xmlns:m="http://schemas.openxmlformats.org/officeDocument/2006/math">
                     <m:oMathParaPr>
@@ -4182,7 +4707,7 @@
             </p:txBody>
           </p:sp>
         </mc:Choice>
-        <mc:Fallback>
+        <mc:Fallback xmlns="">
           <p:sp>
             <p:nvSpPr>
               <p:cNvPr id="30" name="テキスト ボックス 29">
@@ -4273,8 +4798,8 @@
           </a:fontRef>
         </p:style>
       </p:cxnSp>
-      <mc:AlternateContent xmlns:mc="http://schemas.openxmlformats.org/markup-compatibility/2006">
-        <mc:Choice xmlns:a14="http://schemas.microsoft.com/office/drawing/2010/main" Requires="a14">
+      <mc:AlternateContent xmlns:mc="http://schemas.openxmlformats.org/markup-compatibility/2006" xmlns:a14="http://schemas.microsoft.com/office/drawing/2010/main">
+        <mc:Choice Requires="a14">
           <p:sp>
             <p:nvSpPr>
               <p:cNvPr id="37" name="テキスト ボックス 36">
@@ -4303,6 +4828,7 @@
               </a:bodyPr>
               <a:lstStyle/>
               <a:p>
+                <a:pPr/>
                 <a14:m>
                   <m:oMathPara xmlns:m="http://schemas.openxmlformats.org/officeDocument/2006/math">
                     <m:oMathParaPr>
@@ -4312,7 +4838,7 @@
                       <m:f>
                         <m:fPr>
                           <m:ctrlPr>
-                            <a:rPr kumimoji="1" lang="en-US" altLang="ja-JP" sz="1600" smtClean="0">
+                            <a:rPr kumimoji="1" lang="en-US" altLang="ja-JP" sz="1600" i="1" smtClean="0">
                               <a:latin typeface="Cambria Math" panose="02040503050406030204" pitchFamily="18" charset="0"/>
                             </a:rPr>
                           </m:ctrlPr>
@@ -4342,7 +4868,7 @@
             </p:txBody>
           </p:sp>
         </mc:Choice>
-        <mc:Fallback>
+        <mc:Fallback xmlns="">
           <p:sp>
             <p:nvSpPr>
               <p:cNvPr id="37" name="テキスト ボックス 36">
@@ -4681,8 +5207,8 @@
           </a:p>
         </p:txBody>
       </p:sp>
-      <mc:AlternateContent xmlns:mc="http://schemas.openxmlformats.org/markup-compatibility/2006">
-        <mc:Choice xmlns:a14="http://schemas.microsoft.com/office/drawing/2010/main" Requires="a14">
+      <mc:AlternateContent xmlns:mc="http://schemas.openxmlformats.org/markup-compatibility/2006" xmlns:a14="http://schemas.microsoft.com/office/drawing/2010/main">
+        <mc:Choice Requires="a14">
           <p:sp>
             <p:nvSpPr>
               <p:cNvPr id="8" name="テキスト ボックス 7">
@@ -4711,6 +5237,7 @@
               </a:bodyPr>
               <a:lstStyle/>
               <a:p>
+                <a:pPr/>
                 <a14:m>
                   <m:oMathPara xmlns:m="http://schemas.openxmlformats.org/officeDocument/2006/math">
                     <m:oMathParaPr>
@@ -4731,7 +5258,7 @@
             </p:txBody>
           </p:sp>
         </mc:Choice>
-        <mc:Fallback>
+        <mc:Fallback xmlns="">
           <p:sp>
             <p:nvSpPr>
               <p:cNvPr id="8" name="テキスト ボックス 7">
@@ -4776,8 +5303,8 @@
           </p:sp>
         </mc:Fallback>
       </mc:AlternateContent>
-      <mc:AlternateContent xmlns:mc="http://schemas.openxmlformats.org/markup-compatibility/2006">
-        <mc:Choice xmlns:a14="http://schemas.microsoft.com/office/drawing/2010/main" Requires="a14">
+      <mc:AlternateContent xmlns:mc="http://schemas.openxmlformats.org/markup-compatibility/2006" xmlns:a14="http://schemas.microsoft.com/office/drawing/2010/main">
+        <mc:Choice Requires="a14">
           <p:sp>
             <p:nvSpPr>
               <p:cNvPr id="9" name="テキスト ボックス 8">
@@ -4806,6 +5333,7 @@
               </a:bodyPr>
               <a:lstStyle/>
               <a:p>
+                <a:pPr/>
                 <a14:m>
                   <m:oMathPara xmlns:m="http://schemas.openxmlformats.org/officeDocument/2006/math">
                     <m:oMathParaPr>
@@ -4826,7 +5354,7 @@
             </p:txBody>
           </p:sp>
         </mc:Choice>
-        <mc:Fallback>
+        <mc:Fallback xmlns="">
           <p:sp>
             <p:nvSpPr>
               <p:cNvPr id="9" name="テキスト ボックス 8">
@@ -4871,8 +5399,8 @@
           </p:sp>
         </mc:Fallback>
       </mc:AlternateContent>
-      <mc:AlternateContent xmlns:mc="http://schemas.openxmlformats.org/markup-compatibility/2006">
-        <mc:Choice xmlns:a14="http://schemas.microsoft.com/office/drawing/2010/main" Requires="a14">
+      <mc:AlternateContent xmlns:mc="http://schemas.openxmlformats.org/markup-compatibility/2006" xmlns:a14="http://schemas.microsoft.com/office/drawing/2010/main">
+        <mc:Choice Requires="a14">
           <p:sp>
             <p:nvSpPr>
               <p:cNvPr id="10" name="テキスト ボックス 9">
@@ -4901,6 +5429,7 @@
               </a:bodyPr>
               <a:lstStyle/>
               <a:p>
+                <a:pPr/>
                 <a14:m>
                   <m:oMathPara xmlns:m="http://schemas.openxmlformats.org/officeDocument/2006/math">
                     <m:oMathParaPr>
@@ -4921,7 +5450,7 @@
             </p:txBody>
           </p:sp>
         </mc:Choice>
-        <mc:Fallback>
+        <mc:Fallback xmlns="">
           <p:sp>
             <p:nvSpPr>
               <p:cNvPr id="10" name="テキスト ボックス 9">
@@ -5012,6 +5541,4332 @@
     <p:extLst>
       <p:ext uri="{BB962C8B-B14F-4D97-AF65-F5344CB8AC3E}">
         <p14:creationId xmlns:p14="http://schemas.microsoft.com/office/powerpoint/2010/main" val="3278902167"/>
+      </p:ext>
+    </p:extLst>
+  </p:cSld>
+  <p:clrMapOvr>
+    <a:masterClrMapping/>
+  </p:clrMapOvr>
+</p:sld>
+</file>
+
+<file path=ppt/slides/slide4.xml><?xml version="1.0" encoding="utf-8"?>
+<p:sld xmlns:a="http://schemas.openxmlformats.org/drawingml/2006/main" xmlns:r="http://schemas.openxmlformats.org/officeDocument/2006/relationships" xmlns:p="http://schemas.openxmlformats.org/presentationml/2006/main">
+  <p:cSld>
+    <p:spTree>
+      <p:nvGrpSpPr>
+        <p:cNvPr id="1" name=""/>
+        <p:cNvGrpSpPr/>
+        <p:nvPr/>
+      </p:nvGrpSpPr>
+      <p:grpSpPr>
+        <a:xfrm>
+          <a:off x="0" y="0"/>
+          <a:ext cx="0" cy="0"/>
+          <a:chOff x="0" y="0"/>
+          <a:chExt cx="0" cy="0"/>
+        </a:xfrm>
+      </p:grpSpPr>
+      <p:sp>
+        <p:nvSpPr>
+          <p:cNvPr id="4" name="タイトル 3">
+            <a:extLst>
+              <a:ext uri="{FF2B5EF4-FFF2-40B4-BE49-F238E27FC236}">
+                <a16:creationId xmlns:a16="http://schemas.microsoft.com/office/drawing/2014/main" id="{A95901B0-501D-484B-88A5-91DBAEB9FB7A}"/>
+              </a:ext>
+            </a:extLst>
+          </p:cNvPr>
+          <p:cNvSpPr>
+            <a:spLocks noGrp="1"/>
+          </p:cNvSpPr>
+          <p:nvPr>
+            <p:ph type="title"/>
+          </p:nvPr>
+        </p:nvSpPr>
+        <p:spPr/>
+        <p:txBody>
+          <a:bodyPr/>
+          <a:lstStyle/>
+          <a:p>
+            <a:r>
+              <a:rPr lang="ja-JP" altLang="en-US" dirty="0"/>
+              <a:t>三角関数</a:t>
+            </a:r>
+          </a:p>
+        </p:txBody>
+      </p:sp>
+      <p:pic>
+        <p:nvPicPr>
+          <p:cNvPr id="18" name="図 17">
+            <a:extLst>
+              <a:ext uri="{FF2B5EF4-FFF2-40B4-BE49-F238E27FC236}">
+                <a16:creationId xmlns:a16="http://schemas.microsoft.com/office/drawing/2014/main" id="{392DD003-BB43-4330-8CB9-CCDC222B87D7}"/>
+              </a:ext>
+            </a:extLst>
+          </p:cNvPr>
+          <p:cNvPicPr>
+            <a:picLocks noChangeAspect="1"/>
+          </p:cNvPicPr>
+          <p:nvPr/>
+        </p:nvPicPr>
+        <p:blipFill rotWithShape="1">
+          <a:blip r:embed="rId3"/>
+          <a:srcRect l="10542" t="31601" r="12089" b="15836"/>
+          <a:stretch/>
+        </p:blipFill>
+        <p:spPr>
+          <a:xfrm>
+            <a:off x="1351943" y="2987040"/>
+            <a:ext cx="2177779" cy="1737360"/>
+          </a:xfrm>
+          <a:prstGeom prst="rect">
+            <a:avLst/>
+          </a:prstGeom>
+          <a:ln>
+            <a:solidFill>
+              <a:schemeClr val="tx1"/>
+            </a:solidFill>
+          </a:ln>
+        </p:spPr>
+      </p:pic>
+      <p:cxnSp>
+        <p:nvCxnSpPr>
+          <p:cNvPr id="8" name="直線矢印コネクタ 7">
+            <a:extLst>
+              <a:ext uri="{FF2B5EF4-FFF2-40B4-BE49-F238E27FC236}">
+                <a16:creationId xmlns:a16="http://schemas.microsoft.com/office/drawing/2014/main" id="{15FF0CF5-4137-442A-99CB-6751A6FFEE66}"/>
+              </a:ext>
+            </a:extLst>
+          </p:cNvPr>
+          <p:cNvCxnSpPr>
+            <a:cxnSpLocks/>
+          </p:cNvCxnSpPr>
+          <p:nvPr/>
+        </p:nvCxnSpPr>
+        <p:spPr>
+          <a:xfrm>
+            <a:off x="1331623" y="3855720"/>
+            <a:ext cx="2356789" cy="19506"/>
+          </a:xfrm>
+          <a:prstGeom prst="straightConnector1">
+            <a:avLst/>
+          </a:prstGeom>
+          <a:ln w="38100">
+            <a:solidFill>
+              <a:srgbClr val="0070C0"/>
+            </a:solidFill>
+            <a:headEnd type="none" w="med" len="med"/>
+            <a:tailEnd type="arrow" w="med" len="med"/>
+          </a:ln>
+        </p:spPr>
+        <p:style>
+          <a:lnRef idx="1">
+            <a:schemeClr val="accent1"/>
+          </a:lnRef>
+          <a:fillRef idx="0">
+            <a:schemeClr val="accent1"/>
+          </a:fillRef>
+          <a:effectRef idx="0">
+            <a:schemeClr val="accent1"/>
+          </a:effectRef>
+          <a:fontRef idx="minor">
+            <a:schemeClr val="tx1"/>
+          </a:fontRef>
+        </p:style>
+      </p:cxnSp>
+      <p:cxnSp>
+        <p:nvCxnSpPr>
+          <p:cNvPr id="31" name="直線矢印コネクタ 30">
+            <a:extLst>
+              <a:ext uri="{FF2B5EF4-FFF2-40B4-BE49-F238E27FC236}">
+                <a16:creationId xmlns:a16="http://schemas.microsoft.com/office/drawing/2014/main" id="{11194170-ECB1-4AB0-8BCC-8366A084D649}"/>
+              </a:ext>
+            </a:extLst>
+          </p:cNvPr>
+          <p:cNvCxnSpPr>
+            <a:cxnSpLocks/>
+          </p:cNvCxnSpPr>
+          <p:nvPr/>
+        </p:nvCxnSpPr>
+        <p:spPr>
+          <a:xfrm flipV="1">
+            <a:off x="1351943" y="2710619"/>
+            <a:ext cx="0" cy="2335431"/>
+          </a:xfrm>
+          <a:prstGeom prst="straightConnector1">
+            <a:avLst/>
+          </a:prstGeom>
+          <a:ln w="38100">
+            <a:solidFill>
+              <a:srgbClr val="FF0000"/>
+            </a:solidFill>
+            <a:headEnd type="none" w="med" len="med"/>
+            <a:tailEnd type="arrow" w="med" len="med"/>
+          </a:ln>
+        </p:spPr>
+        <p:style>
+          <a:lnRef idx="1">
+            <a:schemeClr val="accent1"/>
+          </a:lnRef>
+          <a:fillRef idx="0">
+            <a:schemeClr val="accent1"/>
+          </a:fillRef>
+          <a:effectRef idx="0">
+            <a:schemeClr val="accent1"/>
+          </a:effectRef>
+          <a:fontRef idx="minor">
+            <a:schemeClr val="tx1"/>
+          </a:fontRef>
+        </p:style>
+      </p:cxnSp>
+      <mc:AlternateContent xmlns:mc="http://schemas.openxmlformats.org/markup-compatibility/2006">
+        <mc:Choice xmlns:a14="http://schemas.microsoft.com/office/drawing/2010/main" Requires="a14">
+          <p:sp>
+            <p:nvSpPr>
+              <p:cNvPr id="34" name="テキスト ボックス 33">
+                <a:extLst>
+                  <a:ext uri="{FF2B5EF4-FFF2-40B4-BE49-F238E27FC236}">
+                    <a16:creationId xmlns:a16="http://schemas.microsoft.com/office/drawing/2014/main" id="{9FD8C8DE-11FA-4793-A7AF-65B309875C53}"/>
+                  </a:ext>
+                </a:extLst>
+              </p:cNvPr>
+              <p:cNvSpPr txBox="1"/>
+              <p:nvPr/>
+            </p:nvSpPr>
+            <p:spPr>
+              <a:xfrm>
+                <a:off x="850688" y="2848540"/>
+                <a:ext cx="357470" cy="276999"/>
+              </a:xfrm>
+              <a:prstGeom prst="rect">
+                <a:avLst/>
+              </a:prstGeom>
+              <a:noFill/>
+            </p:spPr>
+            <p:txBody>
+              <a:bodyPr wrap="none" lIns="0" tIns="0" rIns="0" bIns="0" rtlCol="0">
+                <a:spAutoFit/>
+              </a:bodyPr>
+              <a:lstStyle/>
+              <a:p>
+                <a14:m>
+                  <m:oMathPara xmlns:m="http://schemas.openxmlformats.org/officeDocument/2006/math">
+                    <m:oMathParaPr>
+                      <m:jc m:val="centerGroup"/>
+                    </m:oMathParaPr>
+                    <m:oMath xmlns:m="http://schemas.openxmlformats.org/officeDocument/2006/math">
+                      <m:r>
+                        <a:rPr kumimoji="1" lang="en-US" altLang="ja-JP" b="0" i="1" smtClean="0">
+                          <a:latin typeface="Cambria Math" panose="02040503050406030204" pitchFamily="18" charset="0"/>
+                        </a:rPr>
+                        <m:t>1.0</m:t>
+                      </m:r>
+                    </m:oMath>
+                  </m:oMathPara>
+                </a14:m>
+                <a:endParaRPr kumimoji="1" lang="ja-JP" altLang="en-US"/>
+              </a:p>
+            </p:txBody>
+          </p:sp>
+        </mc:Choice>
+        <mc:Fallback>
+          <p:sp>
+            <p:nvSpPr>
+              <p:cNvPr id="34" name="テキスト ボックス 33">
+                <a:extLst>
+                  <a:ext uri="{FF2B5EF4-FFF2-40B4-BE49-F238E27FC236}">
+                    <a16:creationId xmlns:a16="http://schemas.microsoft.com/office/drawing/2014/main" id="{9FD8C8DE-11FA-4793-A7AF-65B309875C53}"/>
+                  </a:ext>
+                </a:extLst>
+              </p:cNvPr>
+              <p:cNvSpPr txBox="1">
+                <a:spLocks noRot="1" noChangeAspect="1" noMove="1" noResize="1" noEditPoints="1" noAdjustHandles="1" noChangeArrowheads="1" noChangeShapeType="1" noTextEdit="1"/>
+              </p:cNvSpPr>
+              <p:nvPr/>
+            </p:nvSpPr>
+            <p:spPr>
+              <a:xfrm>
+                <a:off x="850688" y="2848540"/>
+                <a:ext cx="357470" cy="276999"/>
+              </a:xfrm>
+              <a:prstGeom prst="rect">
+                <a:avLst/>
+              </a:prstGeom>
+              <a:blipFill>
+                <a:blip r:embed="rId4"/>
+                <a:stretch>
+                  <a:fillRect l="-15517" r="-17241" b="-6522"/>
+                </a:stretch>
+              </a:blipFill>
+            </p:spPr>
+            <p:txBody>
+              <a:bodyPr/>
+              <a:lstStyle/>
+              <a:p>
+                <a:r>
+                  <a:rPr lang="ja-JP" altLang="en-US">
+                    <a:noFill/>
+                  </a:rPr>
+                  <a:t> </a:t>
+                </a:r>
+              </a:p>
+            </p:txBody>
+          </p:sp>
+        </mc:Fallback>
+      </mc:AlternateContent>
+      <mc:AlternateContent xmlns:mc="http://schemas.openxmlformats.org/markup-compatibility/2006">
+        <mc:Choice xmlns:a14="http://schemas.microsoft.com/office/drawing/2010/main" Requires="a14">
+          <p:sp>
+            <p:nvSpPr>
+              <p:cNvPr id="35" name="テキスト ボックス 34">
+                <a:extLst>
+                  <a:ext uri="{FF2B5EF4-FFF2-40B4-BE49-F238E27FC236}">
+                    <a16:creationId xmlns:a16="http://schemas.microsoft.com/office/drawing/2014/main" id="{C0140DEF-722F-478D-AE1C-0D6C26154B4F}"/>
+                  </a:ext>
+                </a:extLst>
+              </p:cNvPr>
+              <p:cNvSpPr txBox="1"/>
+              <p:nvPr/>
+            </p:nvSpPr>
+            <p:spPr>
+              <a:xfrm>
+                <a:off x="700850" y="4585900"/>
+                <a:ext cx="530594" cy="276999"/>
+              </a:xfrm>
+              <a:prstGeom prst="rect">
+                <a:avLst/>
+              </a:prstGeom>
+              <a:noFill/>
+            </p:spPr>
+            <p:txBody>
+              <a:bodyPr wrap="none" lIns="0" tIns="0" rIns="0" bIns="0" rtlCol="0">
+                <a:spAutoFit/>
+              </a:bodyPr>
+              <a:lstStyle/>
+              <a:p>
+                <a14:m>
+                  <m:oMathPara xmlns:m="http://schemas.openxmlformats.org/officeDocument/2006/math">
+                    <m:oMathParaPr>
+                      <m:jc m:val="centerGroup"/>
+                    </m:oMathParaPr>
+                    <m:oMath xmlns:m="http://schemas.openxmlformats.org/officeDocument/2006/math">
+                      <m:r>
+                        <a:rPr kumimoji="1" lang="en-US" altLang="ja-JP" b="0" i="1" smtClean="0">
+                          <a:latin typeface="Cambria Math" panose="02040503050406030204" pitchFamily="18" charset="0"/>
+                        </a:rPr>
+                        <m:t>−1.0</m:t>
+                      </m:r>
+                    </m:oMath>
+                  </m:oMathPara>
+                </a14:m>
+                <a:endParaRPr kumimoji="1" lang="ja-JP" altLang="en-US"/>
+              </a:p>
+            </p:txBody>
+          </p:sp>
+        </mc:Choice>
+        <mc:Fallback>
+          <p:sp>
+            <p:nvSpPr>
+              <p:cNvPr id="35" name="テキスト ボックス 34">
+                <a:extLst>
+                  <a:ext uri="{FF2B5EF4-FFF2-40B4-BE49-F238E27FC236}">
+                    <a16:creationId xmlns:a16="http://schemas.microsoft.com/office/drawing/2014/main" id="{C0140DEF-722F-478D-AE1C-0D6C26154B4F}"/>
+                  </a:ext>
+                </a:extLst>
+              </p:cNvPr>
+              <p:cNvSpPr txBox="1">
+                <a:spLocks noRot="1" noChangeAspect="1" noMove="1" noResize="1" noEditPoints="1" noAdjustHandles="1" noChangeArrowheads="1" noChangeShapeType="1" noTextEdit="1"/>
+              </p:cNvSpPr>
+              <p:nvPr/>
+            </p:nvSpPr>
+            <p:spPr>
+              <a:xfrm>
+                <a:off x="700850" y="4585900"/>
+                <a:ext cx="530594" cy="276999"/>
+              </a:xfrm>
+              <a:prstGeom prst="rect">
+                <a:avLst/>
+              </a:prstGeom>
+              <a:blipFill>
+                <a:blip r:embed="rId5"/>
+                <a:stretch>
+                  <a:fillRect l="-2299" r="-10345" b="-6522"/>
+                </a:stretch>
+              </a:blipFill>
+            </p:spPr>
+            <p:txBody>
+              <a:bodyPr/>
+              <a:lstStyle/>
+              <a:p>
+                <a:r>
+                  <a:rPr lang="ja-JP" altLang="en-US">
+                    <a:noFill/>
+                  </a:rPr>
+                  <a:t> </a:t>
+                </a:r>
+              </a:p>
+            </p:txBody>
+          </p:sp>
+        </mc:Fallback>
+      </mc:AlternateContent>
+      <mc:AlternateContent xmlns:mc="http://schemas.openxmlformats.org/markup-compatibility/2006">
+        <mc:Choice xmlns:a14="http://schemas.microsoft.com/office/drawing/2010/main" Requires="a14">
+          <p:sp>
+            <p:nvSpPr>
+              <p:cNvPr id="40" name="テキスト ボックス 39">
+                <a:extLst>
+                  <a:ext uri="{FF2B5EF4-FFF2-40B4-BE49-F238E27FC236}">
+                    <a16:creationId xmlns:a16="http://schemas.microsoft.com/office/drawing/2014/main" id="{43D48D09-BC94-4946-B41E-DB7A06910331}"/>
+                  </a:ext>
+                </a:extLst>
+              </p:cNvPr>
+              <p:cNvSpPr txBox="1"/>
+              <p:nvPr/>
+            </p:nvSpPr>
+            <p:spPr>
+              <a:xfrm>
+                <a:off x="1096397" y="3727488"/>
+                <a:ext cx="214033" cy="276999"/>
+              </a:xfrm>
+              <a:prstGeom prst="rect">
+                <a:avLst/>
+              </a:prstGeom>
+              <a:noFill/>
+            </p:spPr>
+            <p:txBody>
+              <a:bodyPr wrap="none" lIns="0" tIns="0" rIns="0" bIns="0" rtlCol="0">
+                <a:spAutoFit/>
+              </a:bodyPr>
+              <a:lstStyle/>
+              <a:p>
+                <a14:m>
+                  <m:oMathPara xmlns:m="http://schemas.openxmlformats.org/officeDocument/2006/math">
+                    <m:oMathParaPr>
+                      <m:jc m:val="centerGroup"/>
+                    </m:oMathParaPr>
+                    <m:oMath xmlns:m="http://schemas.openxmlformats.org/officeDocument/2006/math">
+                      <m:r>
+                        <a:rPr kumimoji="1" lang="en-US" altLang="ja-JP" b="0" i="1" smtClean="0">
+                          <a:latin typeface="Cambria Math" panose="02040503050406030204" pitchFamily="18" charset="0"/>
+                        </a:rPr>
+                        <m:t>𝑂</m:t>
+                      </m:r>
+                    </m:oMath>
+                  </m:oMathPara>
+                </a14:m>
+                <a:endParaRPr kumimoji="1" lang="ja-JP" altLang="en-US"/>
+              </a:p>
+            </p:txBody>
+          </p:sp>
+        </mc:Choice>
+        <mc:Fallback>
+          <p:sp>
+            <p:nvSpPr>
+              <p:cNvPr id="40" name="テキスト ボックス 39">
+                <a:extLst>
+                  <a:ext uri="{FF2B5EF4-FFF2-40B4-BE49-F238E27FC236}">
+                    <a16:creationId xmlns:a16="http://schemas.microsoft.com/office/drawing/2014/main" id="{43D48D09-BC94-4946-B41E-DB7A06910331}"/>
+                  </a:ext>
+                </a:extLst>
+              </p:cNvPr>
+              <p:cNvSpPr txBox="1">
+                <a:spLocks noRot="1" noChangeAspect="1" noMove="1" noResize="1" noEditPoints="1" noAdjustHandles="1" noChangeArrowheads="1" noChangeShapeType="1" noTextEdit="1"/>
+              </p:cNvSpPr>
+              <p:nvPr/>
+            </p:nvSpPr>
+            <p:spPr>
+              <a:xfrm>
+                <a:off x="1096397" y="3727488"/>
+                <a:ext cx="214033" cy="276999"/>
+              </a:xfrm>
+              <a:prstGeom prst="rect">
+                <a:avLst/>
+              </a:prstGeom>
+              <a:blipFill>
+                <a:blip r:embed="rId6"/>
+                <a:stretch>
+                  <a:fillRect l="-28571" r="-22857" b="-6522"/>
+                </a:stretch>
+              </a:blipFill>
+            </p:spPr>
+            <p:txBody>
+              <a:bodyPr/>
+              <a:lstStyle/>
+              <a:p>
+                <a:r>
+                  <a:rPr lang="ja-JP" altLang="en-US">
+                    <a:noFill/>
+                  </a:rPr>
+                  <a:t> </a:t>
+                </a:r>
+              </a:p>
+            </p:txBody>
+          </p:sp>
+        </mc:Fallback>
+      </mc:AlternateContent>
+      <mc:AlternateContent xmlns:mc="http://schemas.openxmlformats.org/markup-compatibility/2006">
+        <mc:Choice xmlns:a14="http://schemas.microsoft.com/office/drawing/2010/main" Requires="a14">
+          <p:sp>
+            <p:nvSpPr>
+              <p:cNvPr id="47" name="テキスト ボックス 46">
+                <a:extLst>
+                  <a:ext uri="{FF2B5EF4-FFF2-40B4-BE49-F238E27FC236}">
+                    <a16:creationId xmlns:a16="http://schemas.microsoft.com/office/drawing/2014/main" id="{821D3863-51D9-46E3-BAA0-A59B8E8897FB}"/>
+                  </a:ext>
+                </a:extLst>
+              </p:cNvPr>
+              <p:cNvSpPr txBox="1"/>
+              <p:nvPr/>
+            </p:nvSpPr>
+            <p:spPr>
+              <a:xfrm>
+                <a:off x="1086237" y="2403945"/>
+                <a:ext cx="571760" cy="307777"/>
+              </a:xfrm>
+              <a:prstGeom prst="rect">
+                <a:avLst/>
+              </a:prstGeom>
+              <a:noFill/>
+            </p:spPr>
+            <p:txBody>
+              <a:bodyPr wrap="none" lIns="0" tIns="0" rIns="0" bIns="0" rtlCol="0">
+                <a:spAutoFit/>
+              </a:bodyPr>
+              <a:lstStyle/>
+              <a:p>
+                <a14:m>
+                  <m:oMathPara xmlns:m="http://schemas.openxmlformats.org/officeDocument/2006/math">
+                    <m:oMathParaPr>
+                      <m:jc m:val="centerGroup"/>
+                    </m:oMathParaPr>
+                    <m:oMath xmlns:m="http://schemas.openxmlformats.org/officeDocument/2006/math">
+                      <m:func>
+                        <m:funcPr>
+                          <m:ctrlPr>
+                            <a:rPr kumimoji="1" lang="en-US" altLang="ja-JP" sz="2000" i="1" smtClean="0">
+                              <a:solidFill>
+                                <a:srgbClr val="FF0000"/>
+                              </a:solidFill>
+                              <a:latin typeface="Cambria Math" panose="02040503050406030204" pitchFamily="18" charset="0"/>
+                            </a:rPr>
+                          </m:ctrlPr>
+                        </m:funcPr>
+                        <m:fName>
+                          <m:r>
+                            <m:rPr>
+                              <m:sty m:val="p"/>
+                            </m:rPr>
+                            <a:rPr kumimoji="1" lang="en-US" altLang="ja-JP" sz="2000" i="0" smtClean="0">
+                              <a:solidFill>
+                                <a:srgbClr val="FF0000"/>
+                              </a:solidFill>
+                              <a:latin typeface="Cambria Math" panose="02040503050406030204" pitchFamily="18" charset="0"/>
+                            </a:rPr>
+                            <m:t>sin</m:t>
+                          </m:r>
+                        </m:fName>
+                        <m:e>
+                          <m:r>
+                            <m:rPr>
+                              <m:sty m:val="p"/>
+                            </m:rPr>
+                            <a:rPr lang="en-US" altLang="ja-JP" sz="2000" i="1">
+                              <a:solidFill>
+                                <a:srgbClr val="FF0000"/>
+                              </a:solidFill>
+                              <a:latin typeface="Cambria Math" panose="02040503050406030204" pitchFamily="18" charset="0"/>
+                            </a:rPr>
+                            <m:t>α</m:t>
+                          </m:r>
+                        </m:e>
+                      </m:func>
+                    </m:oMath>
+                  </m:oMathPara>
+                </a14:m>
+                <a:endParaRPr kumimoji="1" lang="ja-JP" altLang="en-US" sz="2000">
+                  <a:solidFill>
+                    <a:srgbClr val="FF0000"/>
+                  </a:solidFill>
+                </a:endParaRPr>
+              </a:p>
+            </p:txBody>
+          </p:sp>
+        </mc:Choice>
+        <mc:Fallback>
+          <p:sp>
+            <p:nvSpPr>
+              <p:cNvPr id="47" name="テキスト ボックス 46">
+                <a:extLst>
+                  <a:ext uri="{FF2B5EF4-FFF2-40B4-BE49-F238E27FC236}">
+                    <a16:creationId xmlns:a16="http://schemas.microsoft.com/office/drawing/2014/main" id="{821D3863-51D9-46E3-BAA0-A59B8E8897FB}"/>
+                  </a:ext>
+                </a:extLst>
+              </p:cNvPr>
+              <p:cNvSpPr txBox="1">
+                <a:spLocks noRot="1" noChangeAspect="1" noMove="1" noResize="1" noEditPoints="1" noAdjustHandles="1" noChangeArrowheads="1" noChangeShapeType="1" noTextEdit="1"/>
+              </p:cNvSpPr>
+              <p:nvPr/>
+            </p:nvSpPr>
+            <p:spPr>
+              <a:xfrm>
+                <a:off x="1086237" y="2403945"/>
+                <a:ext cx="571760" cy="307777"/>
+              </a:xfrm>
+              <a:prstGeom prst="rect">
+                <a:avLst/>
+              </a:prstGeom>
+              <a:blipFill>
+                <a:blip r:embed="rId7"/>
+                <a:stretch>
+                  <a:fillRect l="-9574" r="-6383" b="-5882"/>
+                </a:stretch>
+              </a:blipFill>
+            </p:spPr>
+            <p:txBody>
+              <a:bodyPr/>
+              <a:lstStyle/>
+              <a:p>
+                <a:r>
+                  <a:rPr lang="ja-JP" altLang="en-US">
+                    <a:noFill/>
+                  </a:rPr>
+                  <a:t> </a:t>
+                </a:r>
+              </a:p>
+            </p:txBody>
+          </p:sp>
+        </mc:Fallback>
+      </mc:AlternateContent>
+      <mc:AlternateContent xmlns:mc="http://schemas.openxmlformats.org/markup-compatibility/2006">
+        <mc:Choice xmlns:a14="http://schemas.microsoft.com/office/drawing/2010/main" Requires="a14">
+          <p:sp>
+            <p:nvSpPr>
+              <p:cNvPr id="49" name="テキスト ボックス 48">
+                <a:extLst>
+                  <a:ext uri="{FF2B5EF4-FFF2-40B4-BE49-F238E27FC236}">
+                    <a16:creationId xmlns:a16="http://schemas.microsoft.com/office/drawing/2014/main" id="{27FD99A7-C674-4489-872D-8687459BAB89}"/>
+                  </a:ext>
+                </a:extLst>
+              </p:cNvPr>
+              <p:cNvSpPr txBox="1"/>
+              <p:nvPr/>
+            </p:nvSpPr>
+            <p:spPr>
+              <a:xfrm>
+                <a:off x="3668092" y="3655475"/>
+                <a:ext cx="380553" cy="738664"/>
+              </a:xfrm>
+              <a:prstGeom prst="rect">
+                <a:avLst/>
+              </a:prstGeom>
+              <a:noFill/>
+            </p:spPr>
+            <p:txBody>
+              <a:bodyPr wrap="none" lIns="0" tIns="0" rIns="0" bIns="0" rtlCol="0">
+                <a:spAutoFit/>
+              </a:bodyPr>
+              <a:lstStyle/>
+              <a:p>
+                <a14:m>
+                  <m:oMathPara xmlns:m="http://schemas.openxmlformats.org/officeDocument/2006/math">
+                    <m:oMathParaPr>
+                      <m:jc m:val="centerGroup"/>
+                    </m:oMathParaPr>
+                    <m:oMath xmlns:m="http://schemas.openxmlformats.org/officeDocument/2006/math">
+                      <m:r>
+                        <a:rPr kumimoji="1" lang="ja-JP" altLang="en-US" sz="2400" b="0" i="1" smtClean="0">
+                          <a:solidFill>
+                            <a:srgbClr val="0070C0"/>
+                          </a:solidFill>
+                          <a:latin typeface="Cambria Math" panose="02040503050406030204" pitchFamily="18" charset="0"/>
+                        </a:rPr>
+                        <m:t>𝛼</m:t>
+                      </m:r>
+                      <m:r>
+                        <a:rPr kumimoji="1" lang="en-US" altLang="ja-JP" sz="2400" b="0" i="1" smtClean="0">
+                          <a:solidFill>
+                            <a:srgbClr val="0070C0"/>
+                          </a:solidFill>
+                          <a:latin typeface="Cambria Math" panose="02040503050406030204" pitchFamily="18" charset="0"/>
+                        </a:rPr>
+                        <m:t> </m:t>
+                      </m:r>
+                    </m:oMath>
+                  </m:oMathPara>
+                </a14:m>
+                <a:endParaRPr kumimoji="1" lang="en-US" altLang="ja-JP" sz="2400" b="0">
+                  <a:solidFill>
+                    <a:srgbClr val="0070C0"/>
+                  </a:solidFill>
+                </a:endParaRPr>
+              </a:p>
+              <a:p>
+                <a:endParaRPr kumimoji="1" lang="ja-JP" altLang="en-US" sz="2400">
+                  <a:solidFill>
+                    <a:srgbClr val="0070C0"/>
+                  </a:solidFill>
+                </a:endParaRPr>
+              </a:p>
+            </p:txBody>
+          </p:sp>
+        </mc:Choice>
+        <mc:Fallback>
+          <p:sp>
+            <p:nvSpPr>
+              <p:cNvPr id="49" name="テキスト ボックス 48">
+                <a:extLst>
+                  <a:ext uri="{FF2B5EF4-FFF2-40B4-BE49-F238E27FC236}">
+                    <a16:creationId xmlns:a16="http://schemas.microsoft.com/office/drawing/2014/main" id="{27FD99A7-C674-4489-872D-8687459BAB89}"/>
+                  </a:ext>
+                </a:extLst>
+              </p:cNvPr>
+              <p:cNvSpPr txBox="1">
+                <a:spLocks noRot="1" noChangeAspect="1" noMove="1" noResize="1" noEditPoints="1" noAdjustHandles="1" noChangeArrowheads="1" noChangeShapeType="1" noTextEdit="1"/>
+              </p:cNvSpPr>
+              <p:nvPr/>
+            </p:nvSpPr>
+            <p:spPr>
+              <a:xfrm>
+                <a:off x="3668092" y="3655475"/>
+                <a:ext cx="380553" cy="738664"/>
+              </a:xfrm>
+              <a:prstGeom prst="rect">
+                <a:avLst/>
+              </a:prstGeom>
+              <a:blipFill>
+                <a:blip r:embed="rId8"/>
+                <a:stretch>
+                  <a:fillRect l="-4839"/>
+                </a:stretch>
+              </a:blipFill>
+            </p:spPr>
+            <p:txBody>
+              <a:bodyPr/>
+              <a:lstStyle/>
+              <a:p>
+                <a:r>
+                  <a:rPr lang="ja-JP" altLang="en-US">
+                    <a:noFill/>
+                  </a:rPr>
+                  <a:t> </a:t>
+                </a:r>
+              </a:p>
+            </p:txBody>
+          </p:sp>
+        </mc:Fallback>
+      </mc:AlternateContent>
+      <mc:AlternateContent xmlns:mc="http://schemas.openxmlformats.org/markup-compatibility/2006">
+        <mc:Choice xmlns:a14="http://schemas.microsoft.com/office/drawing/2010/main" Requires="a14">
+          <p:sp>
+            <p:nvSpPr>
+              <p:cNvPr id="55" name="テキスト ボックス 54">
+                <a:extLst>
+                  <a:ext uri="{FF2B5EF4-FFF2-40B4-BE49-F238E27FC236}">
+                    <a16:creationId xmlns:a16="http://schemas.microsoft.com/office/drawing/2014/main" id="{F604F6F6-ABB9-4696-86A1-09F9F54106AB}"/>
+                  </a:ext>
+                </a:extLst>
+              </p:cNvPr>
+              <p:cNvSpPr txBox="1"/>
+              <p:nvPr/>
+            </p:nvSpPr>
+            <p:spPr>
+              <a:xfrm>
+                <a:off x="2066279" y="4907549"/>
+                <a:ext cx="793487" cy="553998"/>
+              </a:xfrm>
+              <a:prstGeom prst="rect">
+                <a:avLst/>
+              </a:prstGeom>
+              <a:noFill/>
+            </p:spPr>
+            <p:txBody>
+              <a:bodyPr wrap="none" lIns="0" tIns="0" rIns="0" bIns="0" rtlCol="0">
+                <a:spAutoFit/>
+              </a:bodyPr>
+              <a:lstStyle/>
+              <a:p>
+                <a14:m>
+                  <m:oMathPara xmlns:m="http://schemas.openxmlformats.org/officeDocument/2006/math">
+                    <m:oMathParaPr>
+                      <m:jc m:val="centerGroup"/>
+                    </m:oMathParaPr>
+                    <m:oMath xmlns:m="http://schemas.openxmlformats.org/officeDocument/2006/math">
+                      <m:r>
+                        <a:rPr kumimoji="1" lang="ja-JP" altLang="en-US" b="0" i="1" smtClean="0">
+                          <a:latin typeface="Cambria Math" panose="02040503050406030204" pitchFamily="18" charset="0"/>
+                        </a:rPr>
+                        <m:t>𝜋</m:t>
+                      </m:r>
+                    </m:oMath>
+                  </m:oMathPara>
+                </a14:m>
+                <a:endParaRPr kumimoji="1" lang="en-US" altLang="ja-JP"/>
+              </a:p>
+              <a:p>
+                <a:r>
+                  <a:rPr lang="en-US" altLang="ja-JP"/>
+                  <a:t>    180°</a:t>
+                </a:r>
+                <a:endParaRPr kumimoji="1" lang="ja-JP" altLang="en-US"/>
+              </a:p>
+            </p:txBody>
+          </p:sp>
+        </mc:Choice>
+        <mc:Fallback>
+          <p:sp>
+            <p:nvSpPr>
+              <p:cNvPr id="55" name="テキスト ボックス 54">
+                <a:extLst>
+                  <a:ext uri="{FF2B5EF4-FFF2-40B4-BE49-F238E27FC236}">
+                    <a16:creationId xmlns:a16="http://schemas.microsoft.com/office/drawing/2014/main" id="{F604F6F6-ABB9-4696-86A1-09F9F54106AB}"/>
+                  </a:ext>
+                </a:extLst>
+              </p:cNvPr>
+              <p:cNvSpPr txBox="1">
+                <a:spLocks noRot="1" noChangeAspect="1" noMove="1" noResize="1" noEditPoints="1" noAdjustHandles="1" noChangeArrowheads="1" noChangeShapeType="1" noTextEdit="1"/>
+              </p:cNvSpPr>
+              <p:nvPr/>
+            </p:nvSpPr>
+            <p:spPr>
+              <a:xfrm>
+                <a:off x="2066279" y="4907549"/>
+                <a:ext cx="793487" cy="553998"/>
+              </a:xfrm>
+              <a:prstGeom prst="rect">
+                <a:avLst/>
+              </a:prstGeom>
+              <a:blipFill>
+                <a:blip r:embed="rId9"/>
+                <a:stretch>
+                  <a:fillRect r="-16923" b="-26374"/>
+                </a:stretch>
+              </a:blipFill>
+            </p:spPr>
+            <p:txBody>
+              <a:bodyPr/>
+              <a:lstStyle/>
+              <a:p>
+                <a:r>
+                  <a:rPr lang="ja-JP" altLang="en-US">
+                    <a:noFill/>
+                  </a:rPr>
+                  <a:t> </a:t>
+                </a:r>
+              </a:p>
+            </p:txBody>
+          </p:sp>
+        </mc:Fallback>
+      </mc:AlternateContent>
+      <mc:AlternateContent xmlns:mc="http://schemas.openxmlformats.org/markup-compatibility/2006">
+        <mc:Choice xmlns:a14="http://schemas.microsoft.com/office/drawing/2010/main" Requires="a14">
+          <p:sp>
+            <p:nvSpPr>
+              <p:cNvPr id="57" name="テキスト ボックス 56">
+                <a:extLst>
+                  <a:ext uri="{FF2B5EF4-FFF2-40B4-BE49-F238E27FC236}">
+                    <a16:creationId xmlns:a16="http://schemas.microsoft.com/office/drawing/2014/main" id="{E4F9E6A0-DD8F-43C8-BA42-513DE37BF664}"/>
+                  </a:ext>
+                </a:extLst>
+              </p:cNvPr>
+              <p:cNvSpPr txBox="1"/>
+              <p:nvPr/>
+            </p:nvSpPr>
+            <p:spPr>
+              <a:xfrm>
+                <a:off x="3123360" y="4919170"/>
+                <a:ext cx="812723" cy="553998"/>
+              </a:xfrm>
+              <a:prstGeom prst="rect">
+                <a:avLst/>
+              </a:prstGeom>
+              <a:noFill/>
+            </p:spPr>
+            <p:txBody>
+              <a:bodyPr wrap="none" lIns="0" tIns="0" rIns="0" bIns="0" rtlCol="0">
+                <a:spAutoFit/>
+              </a:bodyPr>
+              <a:lstStyle/>
+              <a:p>
+                <a14:m>
+                  <m:oMathPara xmlns:m="http://schemas.openxmlformats.org/officeDocument/2006/math">
+                    <m:oMathParaPr>
+                      <m:jc m:val="centerGroup"/>
+                    </m:oMathParaPr>
+                    <m:oMath xmlns:m="http://schemas.openxmlformats.org/officeDocument/2006/math">
+                      <m:r>
+                        <a:rPr kumimoji="1" lang="en-US" altLang="ja-JP" b="0" i="1" smtClean="0">
+                          <a:latin typeface="Cambria Math" panose="02040503050406030204" pitchFamily="18" charset="0"/>
+                        </a:rPr>
+                        <m:t>2</m:t>
+                      </m:r>
+                      <m:r>
+                        <a:rPr kumimoji="1" lang="ja-JP" altLang="en-US" b="0" i="1" smtClean="0">
+                          <a:latin typeface="Cambria Math" panose="02040503050406030204" pitchFamily="18" charset="0"/>
+                        </a:rPr>
+                        <m:t>𝜋</m:t>
+                      </m:r>
+                    </m:oMath>
+                  </m:oMathPara>
+                </a14:m>
+                <a:endParaRPr kumimoji="1" lang="en-US" altLang="ja-JP"/>
+              </a:p>
+              <a:p>
+                <a:r>
+                  <a:rPr lang="ja-JP" altLang="en-US"/>
+                  <a:t>　</a:t>
+                </a:r>
+                <a:r>
+                  <a:rPr lang="en-US" altLang="ja-JP"/>
+                  <a:t>360°</a:t>
+                </a:r>
+                <a:endParaRPr kumimoji="1" lang="ja-JP" altLang="en-US"/>
+              </a:p>
+            </p:txBody>
+          </p:sp>
+        </mc:Choice>
+        <mc:Fallback>
+          <p:sp>
+            <p:nvSpPr>
+              <p:cNvPr id="57" name="テキスト ボックス 56">
+                <a:extLst>
+                  <a:ext uri="{FF2B5EF4-FFF2-40B4-BE49-F238E27FC236}">
+                    <a16:creationId xmlns:a16="http://schemas.microsoft.com/office/drawing/2014/main" id="{E4F9E6A0-DD8F-43C8-BA42-513DE37BF664}"/>
+                  </a:ext>
+                </a:extLst>
+              </p:cNvPr>
+              <p:cNvSpPr txBox="1">
+                <a:spLocks noRot="1" noChangeAspect="1" noMove="1" noResize="1" noEditPoints="1" noAdjustHandles="1" noChangeArrowheads="1" noChangeShapeType="1" noTextEdit="1"/>
+              </p:cNvSpPr>
+              <p:nvPr/>
+            </p:nvSpPr>
+            <p:spPr>
+              <a:xfrm>
+                <a:off x="3123360" y="4919170"/>
+                <a:ext cx="812723" cy="553998"/>
+              </a:xfrm>
+              <a:prstGeom prst="rect">
+                <a:avLst/>
+              </a:prstGeom>
+              <a:blipFill>
+                <a:blip r:embed="rId10"/>
+                <a:stretch>
+                  <a:fillRect r="-16418" b="-25275"/>
+                </a:stretch>
+              </a:blipFill>
+            </p:spPr>
+            <p:txBody>
+              <a:bodyPr/>
+              <a:lstStyle/>
+              <a:p>
+                <a:r>
+                  <a:rPr lang="ja-JP" altLang="en-US">
+                    <a:noFill/>
+                  </a:rPr>
+                  <a:t> </a:t>
+                </a:r>
+              </a:p>
+            </p:txBody>
+          </p:sp>
+        </mc:Fallback>
+      </mc:AlternateContent>
+      <p:cxnSp>
+        <p:nvCxnSpPr>
+          <p:cNvPr id="58" name="直線コネクタ 57">
+            <a:extLst>
+              <a:ext uri="{FF2B5EF4-FFF2-40B4-BE49-F238E27FC236}">
+                <a16:creationId xmlns:a16="http://schemas.microsoft.com/office/drawing/2014/main" id="{1B8471F8-E069-4B55-BB85-5B0D3F3C93F8}"/>
+              </a:ext>
+            </a:extLst>
+          </p:cNvPr>
+          <p:cNvCxnSpPr>
+            <a:cxnSpLocks/>
+          </p:cNvCxnSpPr>
+          <p:nvPr/>
+        </p:nvCxnSpPr>
+        <p:spPr>
+          <a:xfrm>
+            <a:off x="3529722" y="3875226"/>
+            <a:ext cx="0" cy="1032324"/>
+          </a:xfrm>
+          <a:prstGeom prst="line">
+            <a:avLst/>
+          </a:prstGeom>
+          <a:ln w="19050">
+            <a:solidFill>
+              <a:srgbClr val="0070C0"/>
+            </a:solidFill>
+            <a:prstDash val="sysDot"/>
+          </a:ln>
+        </p:spPr>
+        <p:style>
+          <a:lnRef idx="1">
+            <a:schemeClr val="accent1"/>
+          </a:lnRef>
+          <a:fillRef idx="0">
+            <a:schemeClr val="accent1"/>
+          </a:fillRef>
+          <a:effectRef idx="0">
+            <a:schemeClr val="accent1"/>
+          </a:effectRef>
+          <a:fontRef idx="minor">
+            <a:schemeClr val="tx1"/>
+          </a:fontRef>
+        </p:style>
+      </p:cxnSp>
+      <p:cxnSp>
+        <p:nvCxnSpPr>
+          <p:cNvPr id="60" name="直線コネクタ 59">
+            <a:extLst>
+              <a:ext uri="{FF2B5EF4-FFF2-40B4-BE49-F238E27FC236}">
+                <a16:creationId xmlns:a16="http://schemas.microsoft.com/office/drawing/2014/main" id="{3813BABE-7C76-486D-BAB9-79A3D709B7EE}"/>
+              </a:ext>
+            </a:extLst>
+          </p:cNvPr>
+          <p:cNvCxnSpPr>
+            <a:cxnSpLocks/>
+          </p:cNvCxnSpPr>
+          <p:nvPr/>
+        </p:nvCxnSpPr>
+        <p:spPr>
+          <a:xfrm>
+            <a:off x="2467224" y="3886846"/>
+            <a:ext cx="0" cy="1032324"/>
+          </a:xfrm>
+          <a:prstGeom prst="line">
+            <a:avLst/>
+          </a:prstGeom>
+          <a:ln w="19050">
+            <a:solidFill>
+              <a:srgbClr val="0070C0"/>
+            </a:solidFill>
+            <a:prstDash val="sysDot"/>
+          </a:ln>
+        </p:spPr>
+        <p:style>
+          <a:lnRef idx="1">
+            <a:schemeClr val="accent1"/>
+          </a:lnRef>
+          <a:fillRef idx="0">
+            <a:schemeClr val="accent1"/>
+          </a:fillRef>
+          <a:effectRef idx="0">
+            <a:schemeClr val="accent1"/>
+          </a:effectRef>
+          <a:fontRef idx="minor">
+            <a:schemeClr val="tx1"/>
+          </a:fontRef>
+        </p:style>
+      </p:cxnSp>
+    </p:spTree>
+    <p:extLst>
+      <p:ext uri="{BB962C8B-B14F-4D97-AF65-F5344CB8AC3E}">
+        <p14:creationId xmlns:p14="http://schemas.microsoft.com/office/powerpoint/2010/main" val="3977836846"/>
+      </p:ext>
+    </p:extLst>
+  </p:cSld>
+  <p:clrMapOvr>
+    <a:masterClrMapping/>
+  </p:clrMapOvr>
+</p:sld>
+</file>
+
+<file path=ppt/slides/slide5.xml><?xml version="1.0" encoding="utf-8"?>
+<p:sld xmlns:a="http://schemas.openxmlformats.org/drawingml/2006/main" xmlns:r="http://schemas.openxmlformats.org/officeDocument/2006/relationships" xmlns:p="http://schemas.openxmlformats.org/presentationml/2006/main">
+  <p:cSld>
+    <p:spTree>
+      <p:nvGrpSpPr>
+        <p:cNvPr id="1" name=""/>
+        <p:cNvGrpSpPr/>
+        <p:nvPr/>
+      </p:nvGrpSpPr>
+      <p:grpSpPr>
+        <a:xfrm>
+          <a:off x="0" y="0"/>
+          <a:ext cx="0" cy="0"/>
+          <a:chOff x="0" y="0"/>
+          <a:chExt cx="0" cy="0"/>
+        </a:xfrm>
+      </p:grpSpPr>
+      <p:pic>
+        <p:nvPicPr>
+          <p:cNvPr id="19" name="図 18">
+            <a:extLst>
+              <a:ext uri="{FF2B5EF4-FFF2-40B4-BE49-F238E27FC236}">
+                <a16:creationId xmlns:a16="http://schemas.microsoft.com/office/drawing/2014/main" id="{49A257B5-61DC-44D5-B2A8-9D4D15445A3C}"/>
+              </a:ext>
+            </a:extLst>
+          </p:cNvPr>
+          <p:cNvPicPr>
+            <a:picLocks noChangeAspect="1"/>
+          </p:cNvPicPr>
+          <p:nvPr/>
+        </p:nvPicPr>
+        <p:blipFill rotWithShape="1">
+          <a:blip r:embed="rId3"/>
+          <a:srcRect l="10542" t="31832" r="11315" b="14683"/>
+          <a:stretch/>
+        </p:blipFill>
+        <p:spPr>
+          <a:xfrm>
+            <a:off x="1330162" y="2971799"/>
+            <a:ext cx="2199559" cy="1767841"/>
+          </a:xfrm>
+          <a:prstGeom prst="rect">
+            <a:avLst/>
+          </a:prstGeom>
+          <a:ln>
+            <a:solidFill>
+              <a:schemeClr val="tx1"/>
+            </a:solidFill>
+          </a:ln>
+        </p:spPr>
+      </p:pic>
+      <p:sp>
+        <p:nvSpPr>
+          <p:cNvPr id="4" name="タイトル 3">
+            <a:extLst>
+              <a:ext uri="{FF2B5EF4-FFF2-40B4-BE49-F238E27FC236}">
+                <a16:creationId xmlns:a16="http://schemas.microsoft.com/office/drawing/2014/main" id="{A95901B0-501D-484B-88A5-91DBAEB9FB7A}"/>
+              </a:ext>
+            </a:extLst>
+          </p:cNvPr>
+          <p:cNvSpPr>
+            <a:spLocks noGrp="1"/>
+          </p:cNvSpPr>
+          <p:nvPr>
+            <p:ph type="title"/>
+          </p:nvPr>
+        </p:nvSpPr>
+        <p:spPr/>
+        <p:txBody>
+          <a:bodyPr/>
+          <a:lstStyle/>
+          <a:p>
+            <a:r>
+              <a:rPr lang="ja-JP" altLang="en-US" dirty="0"/>
+              <a:t>三角関数</a:t>
+            </a:r>
+          </a:p>
+        </p:txBody>
+      </p:sp>
+      <p:cxnSp>
+        <p:nvCxnSpPr>
+          <p:cNvPr id="8" name="直線矢印コネクタ 7">
+            <a:extLst>
+              <a:ext uri="{FF2B5EF4-FFF2-40B4-BE49-F238E27FC236}">
+                <a16:creationId xmlns:a16="http://schemas.microsoft.com/office/drawing/2014/main" id="{15FF0CF5-4137-442A-99CB-6751A6FFEE66}"/>
+              </a:ext>
+            </a:extLst>
+          </p:cNvPr>
+          <p:cNvCxnSpPr>
+            <a:cxnSpLocks/>
+          </p:cNvCxnSpPr>
+          <p:nvPr/>
+        </p:nvCxnSpPr>
+        <p:spPr>
+          <a:xfrm>
+            <a:off x="1331623" y="3855720"/>
+            <a:ext cx="2356789" cy="19506"/>
+          </a:xfrm>
+          <a:prstGeom prst="straightConnector1">
+            <a:avLst/>
+          </a:prstGeom>
+          <a:ln w="38100">
+            <a:solidFill>
+              <a:srgbClr val="0070C0"/>
+            </a:solidFill>
+            <a:headEnd type="none" w="med" len="med"/>
+            <a:tailEnd type="arrow" w="med" len="med"/>
+          </a:ln>
+        </p:spPr>
+        <p:style>
+          <a:lnRef idx="1">
+            <a:schemeClr val="accent1"/>
+          </a:lnRef>
+          <a:fillRef idx="0">
+            <a:schemeClr val="accent1"/>
+          </a:fillRef>
+          <a:effectRef idx="0">
+            <a:schemeClr val="accent1"/>
+          </a:effectRef>
+          <a:fontRef idx="minor">
+            <a:schemeClr val="tx1"/>
+          </a:fontRef>
+        </p:style>
+      </p:cxnSp>
+      <p:cxnSp>
+        <p:nvCxnSpPr>
+          <p:cNvPr id="31" name="直線矢印コネクタ 30">
+            <a:extLst>
+              <a:ext uri="{FF2B5EF4-FFF2-40B4-BE49-F238E27FC236}">
+                <a16:creationId xmlns:a16="http://schemas.microsoft.com/office/drawing/2014/main" id="{11194170-ECB1-4AB0-8BCC-8366A084D649}"/>
+              </a:ext>
+            </a:extLst>
+          </p:cNvPr>
+          <p:cNvCxnSpPr>
+            <a:cxnSpLocks/>
+          </p:cNvCxnSpPr>
+          <p:nvPr/>
+        </p:nvCxnSpPr>
+        <p:spPr>
+          <a:xfrm flipV="1">
+            <a:off x="1351943" y="2710619"/>
+            <a:ext cx="0" cy="2335431"/>
+          </a:xfrm>
+          <a:prstGeom prst="straightConnector1">
+            <a:avLst/>
+          </a:prstGeom>
+          <a:ln w="38100">
+            <a:solidFill>
+              <a:srgbClr val="FF0000"/>
+            </a:solidFill>
+            <a:headEnd type="none" w="med" len="med"/>
+            <a:tailEnd type="arrow" w="med" len="med"/>
+          </a:ln>
+        </p:spPr>
+        <p:style>
+          <a:lnRef idx="1">
+            <a:schemeClr val="accent1"/>
+          </a:lnRef>
+          <a:fillRef idx="0">
+            <a:schemeClr val="accent1"/>
+          </a:fillRef>
+          <a:effectRef idx="0">
+            <a:schemeClr val="accent1"/>
+          </a:effectRef>
+          <a:fontRef idx="minor">
+            <a:schemeClr val="tx1"/>
+          </a:fontRef>
+        </p:style>
+      </p:cxnSp>
+      <mc:AlternateContent xmlns:mc="http://schemas.openxmlformats.org/markup-compatibility/2006">
+        <mc:Choice xmlns:a14="http://schemas.microsoft.com/office/drawing/2010/main" Requires="a14">
+          <p:sp>
+            <p:nvSpPr>
+              <p:cNvPr id="34" name="テキスト ボックス 33">
+                <a:extLst>
+                  <a:ext uri="{FF2B5EF4-FFF2-40B4-BE49-F238E27FC236}">
+                    <a16:creationId xmlns:a16="http://schemas.microsoft.com/office/drawing/2014/main" id="{9FD8C8DE-11FA-4793-A7AF-65B309875C53}"/>
+                  </a:ext>
+                </a:extLst>
+              </p:cNvPr>
+              <p:cNvSpPr txBox="1"/>
+              <p:nvPr/>
+            </p:nvSpPr>
+            <p:spPr>
+              <a:xfrm>
+                <a:off x="850688" y="2848540"/>
+                <a:ext cx="357470" cy="276999"/>
+              </a:xfrm>
+              <a:prstGeom prst="rect">
+                <a:avLst/>
+              </a:prstGeom>
+              <a:noFill/>
+            </p:spPr>
+            <p:txBody>
+              <a:bodyPr wrap="none" lIns="0" tIns="0" rIns="0" bIns="0" rtlCol="0">
+                <a:spAutoFit/>
+              </a:bodyPr>
+              <a:lstStyle/>
+              <a:p>
+                <a:pPr/>
+                <a14:m>
+                  <m:oMathPara xmlns:m="http://schemas.openxmlformats.org/officeDocument/2006/math">
+                    <m:oMathParaPr>
+                      <m:jc m:val="centerGroup"/>
+                    </m:oMathParaPr>
+                    <m:oMath xmlns:m="http://schemas.openxmlformats.org/officeDocument/2006/math">
+                      <m:r>
+                        <a:rPr kumimoji="1" lang="en-US" altLang="ja-JP" b="0" i="1" smtClean="0">
+                          <a:latin typeface="Cambria Math" panose="02040503050406030204" pitchFamily="18" charset="0"/>
+                        </a:rPr>
+                        <m:t>1.0</m:t>
+                      </m:r>
+                    </m:oMath>
+                  </m:oMathPara>
+                </a14:m>
+                <a:endParaRPr kumimoji="1" lang="ja-JP" altLang="en-US"/>
+              </a:p>
+            </p:txBody>
+          </p:sp>
+        </mc:Choice>
+        <mc:Fallback>
+          <p:sp>
+            <p:nvSpPr>
+              <p:cNvPr id="34" name="テキスト ボックス 33">
+                <a:extLst>
+                  <a:ext uri="{FF2B5EF4-FFF2-40B4-BE49-F238E27FC236}">
+                    <a16:creationId xmlns:a16="http://schemas.microsoft.com/office/drawing/2014/main" id="{9FD8C8DE-11FA-4793-A7AF-65B309875C53}"/>
+                  </a:ext>
+                </a:extLst>
+              </p:cNvPr>
+              <p:cNvSpPr txBox="1">
+                <a:spLocks noRot="1" noChangeAspect="1" noMove="1" noResize="1" noEditPoints="1" noAdjustHandles="1" noChangeArrowheads="1" noChangeShapeType="1" noTextEdit="1"/>
+              </p:cNvSpPr>
+              <p:nvPr/>
+            </p:nvSpPr>
+            <p:spPr>
+              <a:xfrm>
+                <a:off x="850688" y="2848540"/>
+                <a:ext cx="357470" cy="276999"/>
+              </a:xfrm>
+              <a:prstGeom prst="rect">
+                <a:avLst/>
+              </a:prstGeom>
+              <a:blipFill>
+                <a:blip r:embed="rId4"/>
+                <a:stretch>
+                  <a:fillRect l="-15517" r="-17241" b="-6522"/>
+                </a:stretch>
+              </a:blipFill>
+            </p:spPr>
+            <p:txBody>
+              <a:bodyPr/>
+              <a:lstStyle/>
+              <a:p>
+                <a:r>
+                  <a:rPr lang="ja-JP" altLang="en-US">
+                    <a:noFill/>
+                  </a:rPr>
+                  <a:t> </a:t>
+                </a:r>
+              </a:p>
+            </p:txBody>
+          </p:sp>
+        </mc:Fallback>
+      </mc:AlternateContent>
+      <mc:AlternateContent xmlns:mc="http://schemas.openxmlformats.org/markup-compatibility/2006">
+        <mc:Choice xmlns:a14="http://schemas.microsoft.com/office/drawing/2010/main" Requires="a14">
+          <p:sp>
+            <p:nvSpPr>
+              <p:cNvPr id="35" name="テキスト ボックス 34">
+                <a:extLst>
+                  <a:ext uri="{FF2B5EF4-FFF2-40B4-BE49-F238E27FC236}">
+                    <a16:creationId xmlns:a16="http://schemas.microsoft.com/office/drawing/2014/main" id="{C0140DEF-722F-478D-AE1C-0D6C26154B4F}"/>
+                  </a:ext>
+                </a:extLst>
+              </p:cNvPr>
+              <p:cNvSpPr txBox="1"/>
+              <p:nvPr/>
+            </p:nvSpPr>
+            <p:spPr>
+              <a:xfrm>
+                <a:off x="700850" y="4585900"/>
+                <a:ext cx="530594" cy="276999"/>
+              </a:xfrm>
+              <a:prstGeom prst="rect">
+                <a:avLst/>
+              </a:prstGeom>
+              <a:noFill/>
+            </p:spPr>
+            <p:txBody>
+              <a:bodyPr wrap="none" lIns="0" tIns="0" rIns="0" bIns="0" rtlCol="0">
+                <a:spAutoFit/>
+              </a:bodyPr>
+              <a:lstStyle/>
+              <a:p>
+                <a:pPr/>
+                <a14:m>
+                  <m:oMathPara xmlns:m="http://schemas.openxmlformats.org/officeDocument/2006/math">
+                    <m:oMathParaPr>
+                      <m:jc m:val="centerGroup"/>
+                    </m:oMathParaPr>
+                    <m:oMath xmlns:m="http://schemas.openxmlformats.org/officeDocument/2006/math">
+                      <m:r>
+                        <a:rPr kumimoji="1" lang="en-US" altLang="ja-JP" b="0" i="1" smtClean="0">
+                          <a:latin typeface="Cambria Math" panose="02040503050406030204" pitchFamily="18" charset="0"/>
+                        </a:rPr>
+                        <m:t>−1.0</m:t>
+                      </m:r>
+                    </m:oMath>
+                  </m:oMathPara>
+                </a14:m>
+                <a:endParaRPr kumimoji="1" lang="ja-JP" altLang="en-US"/>
+              </a:p>
+            </p:txBody>
+          </p:sp>
+        </mc:Choice>
+        <mc:Fallback>
+          <p:sp>
+            <p:nvSpPr>
+              <p:cNvPr id="35" name="テキスト ボックス 34">
+                <a:extLst>
+                  <a:ext uri="{FF2B5EF4-FFF2-40B4-BE49-F238E27FC236}">
+                    <a16:creationId xmlns:a16="http://schemas.microsoft.com/office/drawing/2014/main" id="{C0140DEF-722F-478D-AE1C-0D6C26154B4F}"/>
+                  </a:ext>
+                </a:extLst>
+              </p:cNvPr>
+              <p:cNvSpPr txBox="1">
+                <a:spLocks noRot="1" noChangeAspect="1" noMove="1" noResize="1" noEditPoints="1" noAdjustHandles="1" noChangeArrowheads="1" noChangeShapeType="1" noTextEdit="1"/>
+              </p:cNvSpPr>
+              <p:nvPr/>
+            </p:nvSpPr>
+            <p:spPr>
+              <a:xfrm>
+                <a:off x="700850" y="4585900"/>
+                <a:ext cx="530594" cy="276999"/>
+              </a:xfrm>
+              <a:prstGeom prst="rect">
+                <a:avLst/>
+              </a:prstGeom>
+              <a:blipFill>
+                <a:blip r:embed="rId5"/>
+                <a:stretch>
+                  <a:fillRect l="-2299" r="-10345" b="-6522"/>
+                </a:stretch>
+              </a:blipFill>
+            </p:spPr>
+            <p:txBody>
+              <a:bodyPr/>
+              <a:lstStyle/>
+              <a:p>
+                <a:r>
+                  <a:rPr lang="ja-JP" altLang="en-US">
+                    <a:noFill/>
+                  </a:rPr>
+                  <a:t> </a:t>
+                </a:r>
+              </a:p>
+            </p:txBody>
+          </p:sp>
+        </mc:Fallback>
+      </mc:AlternateContent>
+      <mc:AlternateContent xmlns:mc="http://schemas.openxmlformats.org/markup-compatibility/2006">
+        <mc:Choice xmlns:a14="http://schemas.microsoft.com/office/drawing/2010/main" Requires="a14">
+          <p:sp>
+            <p:nvSpPr>
+              <p:cNvPr id="40" name="テキスト ボックス 39">
+                <a:extLst>
+                  <a:ext uri="{FF2B5EF4-FFF2-40B4-BE49-F238E27FC236}">
+                    <a16:creationId xmlns:a16="http://schemas.microsoft.com/office/drawing/2014/main" id="{43D48D09-BC94-4946-B41E-DB7A06910331}"/>
+                  </a:ext>
+                </a:extLst>
+              </p:cNvPr>
+              <p:cNvSpPr txBox="1"/>
+              <p:nvPr/>
+            </p:nvSpPr>
+            <p:spPr>
+              <a:xfrm>
+                <a:off x="1096397" y="3727488"/>
+                <a:ext cx="214033" cy="276999"/>
+              </a:xfrm>
+              <a:prstGeom prst="rect">
+                <a:avLst/>
+              </a:prstGeom>
+              <a:noFill/>
+            </p:spPr>
+            <p:txBody>
+              <a:bodyPr wrap="none" lIns="0" tIns="0" rIns="0" bIns="0" rtlCol="0">
+                <a:spAutoFit/>
+              </a:bodyPr>
+              <a:lstStyle/>
+              <a:p>
+                <a:pPr/>
+                <a14:m>
+                  <m:oMathPara xmlns:m="http://schemas.openxmlformats.org/officeDocument/2006/math">
+                    <m:oMathParaPr>
+                      <m:jc m:val="centerGroup"/>
+                    </m:oMathParaPr>
+                    <m:oMath xmlns:m="http://schemas.openxmlformats.org/officeDocument/2006/math">
+                      <m:r>
+                        <a:rPr kumimoji="1" lang="en-US" altLang="ja-JP" b="0" i="1" smtClean="0">
+                          <a:latin typeface="Cambria Math" panose="02040503050406030204" pitchFamily="18" charset="0"/>
+                        </a:rPr>
+                        <m:t>𝑂</m:t>
+                      </m:r>
+                    </m:oMath>
+                  </m:oMathPara>
+                </a14:m>
+                <a:endParaRPr kumimoji="1" lang="ja-JP" altLang="en-US"/>
+              </a:p>
+            </p:txBody>
+          </p:sp>
+        </mc:Choice>
+        <mc:Fallback>
+          <p:sp>
+            <p:nvSpPr>
+              <p:cNvPr id="40" name="テキスト ボックス 39">
+                <a:extLst>
+                  <a:ext uri="{FF2B5EF4-FFF2-40B4-BE49-F238E27FC236}">
+                    <a16:creationId xmlns:a16="http://schemas.microsoft.com/office/drawing/2014/main" id="{43D48D09-BC94-4946-B41E-DB7A06910331}"/>
+                  </a:ext>
+                </a:extLst>
+              </p:cNvPr>
+              <p:cNvSpPr txBox="1">
+                <a:spLocks noRot="1" noChangeAspect="1" noMove="1" noResize="1" noEditPoints="1" noAdjustHandles="1" noChangeArrowheads="1" noChangeShapeType="1" noTextEdit="1"/>
+              </p:cNvSpPr>
+              <p:nvPr/>
+            </p:nvSpPr>
+            <p:spPr>
+              <a:xfrm>
+                <a:off x="1096397" y="3727488"/>
+                <a:ext cx="214033" cy="276999"/>
+              </a:xfrm>
+              <a:prstGeom prst="rect">
+                <a:avLst/>
+              </a:prstGeom>
+              <a:blipFill>
+                <a:blip r:embed="rId6"/>
+                <a:stretch>
+                  <a:fillRect l="-28571" r="-22857" b="-6522"/>
+                </a:stretch>
+              </a:blipFill>
+            </p:spPr>
+            <p:txBody>
+              <a:bodyPr/>
+              <a:lstStyle/>
+              <a:p>
+                <a:r>
+                  <a:rPr lang="ja-JP" altLang="en-US">
+                    <a:noFill/>
+                  </a:rPr>
+                  <a:t> </a:t>
+                </a:r>
+              </a:p>
+            </p:txBody>
+          </p:sp>
+        </mc:Fallback>
+      </mc:AlternateContent>
+      <mc:AlternateContent xmlns:mc="http://schemas.openxmlformats.org/markup-compatibility/2006">
+        <mc:Choice xmlns:a14="http://schemas.microsoft.com/office/drawing/2010/main" Requires="a14">
+          <p:sp>
+            <p:nvSpPr>
+              <p:cNvPr id="47" name="テキスト ボックス 46">
+                <a:extLst>
+                  <a:ext uri="{FF2B5EF4-FFF2-40B4-BE49-F238E27FC236}">
+                    <a16:creationId xmlns:a16="http://schemas.microsoft.com/office/drawing/2014/main" id="{821D3863-51D9-46E3-BAA0-A59B8E8897FB}"/>
+                  </a:ext>
+                </a:extLst>
+              </p:cNvPr>
+              <p:cNvSpPr txBox="1"/>
+              <p:nvPr/>
+            </p:nvSpPr>
+            <p:spPr>
+              <a:xfrm>
+                <a:off x="1086237" y="2403945"/>
+                <a:ext cx="608628" cy="307777"/>
+              </a:xfrm>
+              <a:prstGeom prst="rect">
+                <a:avLst/>
+              </a:prstGeom>
+              <a:noFill/>
+            </p:spPr>
+            <p:txBody>
+              <a:bodyPr wrap="none" lIns="0" tIns="0" rIns="0" bIns="0" rtlCol="0">
+                <a:spAutoFit/>
+              </a:bodyPr>
+              <a:lstStyle/>
+              <a:p>
+                <a:pPr/>
+                <a14:m>
+                  <m:oMathPara xmlns:m="http://schemas.openxmlformats.org/officeDocument/2006/math">
+                    <m:oMathParaPr>
+                      <m:jc m:val="centerGroup"/>
+                    </m:oMathParaPr>
+                    <m:oMath xmlns:m="http://schemas.openxmlformats.org/officeDocument/2006/math">
+                      <m:func>
+                        <m:funcPr>
+                          <m:ctrlPr>
+                            <a:rPr kumimoji="1" lang="en-US" altLang="ja-JP" sz="2000" i="1" smtClean="0">
+                              <a:solidFill>
+                                <a:srgbClr val="FF0000"/>
+                              </a:solidFill>
+                              <a:latin typeface="Cambria Math" panose="02040503050406030204" pitchFamily="18" charset="0"/>
+                            </a:rPr>
+                          </m:ctrlPr>
+                        </m:funcPr>
+                        <m:fName>
+                          <m:r>
+                            <m:rPr>
+                              <m:sty m:val="p"/>
+                            </m:rPr>
+                            <a:rPr kumimoji="1" lang="en-US" altLang="ja-JP" sz="2000" b="0" i="0" smtClean="0">
+                              <a:solidFill>
+                                <a:srgbClr val="FF0000"/>
+                              </a:solidFill>
+                              <a:latin typeface="Cambria Math" panose="02040503050406030204" pitchFamily="18" charset="0"/>
+                            </a:rPr>
+                            <m:t>cos</m:t>
+                          </m:r>
+                        </m:fName>
+                        <m:e>
+                          <m:r>
+                            <m:rPr>
+                              <m:sty m:val="p"/>
+                            </m:rPr>
+                            <a:rPr lang="en-US" altLang="ja-JP" sz="2000" i="1">
+                              <a:solidFill>
+                                <a:srgbClr val="FF0000"/>
+                              </a:solidFill>
+                              <a:latin typeface="Cambria Math" panose="02040503050406030204" pitchFamily="18" charset="0"/>
+                            </a:rPr>
+                            <m:t>α</m:t>
+                          </m:r>
+                        </m:e>
+                      </m:func>
+                    </m:oMath>
+                  </m:oMathPara>
+                </a14:m>
+                <a:endParaRPr kumimoji="1" lang="ja-JP" altLang="en-US" sz="2000">
+                  <a:solidFill>
+                    <a:srgbClr val="FF0000"/>
+                  </a:solidFill>
+                </a:endParaRPr>
+              </a:p>
+            </p:txBody>
+          </p:sp>
+        </mc:Choice>
+        <mc:Fallback>
+          <p:sp>
+            <p:nvSpPr>
+              <p:cNvPr id="47" name="テキスト ボックス 46">
+                <a:extLst>
+                  <a:ext uri="{FF2B5EF4-FFF2-40B4-BE49-F238E27FC236}">
+                    <a16:creationId xmlns:a16="http://schemas.microsoft.com/office/drawing/2014/main" id="{821D3863-51D9-46E3-BAA0-A59B8E8897FB}"/>
+                  </a:ext>
+                </a:extLst>
+              </p:cNvPr>
+              <p:cNvSpPr txBox="1">
+                <a:spLocks noRot="1" noChangeAspect="1" noMove="1" noResize="1" noEditPoints="1" noAdjustHandles="1" noChangeArrowheads="1" noChangeShapeType="1" noTextEdit="1"/>
+              </p:cNvSpPr>
+              <p:nvPr/>
+            </p:nvSpPr>
+            <p:spPr>
+              <a:xfrm>
+                <a:off x="1086237" y="2403945"/>
+                <a:ext cx="608628" cy="307777"/>
+              </a:xfrm>
+              <a:prstGeom prst="rect">
+                <a:avLst/>
+              </a:prstGeom>
+              <a:blipFill>
+                <a:blip r:embed="rId7"/>
+                <a:stretch>
+                  <a:fillRect l="-5000" r="-6000"/>
+                </a:stretch>
+              </a:blipFill>
+            </p:spPr>
+            <p:txBody>
+              <a:bodyPr/>
+              <a:lstStyle/>
+              <a:p>
+                <a:r>
+                  <a:rPr lang="ja-JP" altLang="en-US">
+                    <a:noFill/>
+                  </a:rPr>
+                  <a:t> </a:t>
+                </a:r>
+              </a:p>
+            </p:txBody>
+          </p:sp>
+        </mc:Fallback>
+      </mc:AlternateContent>
+      <mc:AlternateContent xmlns:mc="http://schemas.openxmlformats.org/markup-compatibility/2006">
+        <mc:Choice xmlns:a14="http://schemas.microsoft.com/office/drawing/2010/main" Requires="a14">
+          <p:sp>
+            <p:nvSpPr>
+              <p:cNvPr id="49" name="テキスト ボックス 48">
+                <a:extLst>
+                  <a:ext uri="{FF2B5EF4-FFF2-40B4-BE49-F238E27FC236}">
+                    <a16:creationId xmlns:a16="http://schemas.microsoft.com/office/drawing/2014/main" id="{27FD99A7-C674-4489-872D-8687459BAB89}"/>
+                  </a:ext>
+                </a:extLst>
+              </p:cNvPr>
+              <p:cNvSpPr txBox="1"/>
+              <p:nvPr/>
+            </p:nvSpPr>
+            <p:spPr>
+              <a:xfrm>
+                <a:off x="3668092" y="3655475"/>
+                <a:ext cx="380553" cy="738664"/>
+              </a:xfrm>
+              <a:prstGeom prst="rect">
+                <a:avLst/>
+              </a:prstGeom>
+              <a:noFill/>
+            </p:spPr>
+            <p:txBody>
+              <a:bodyPr wrap="none" lIns="0" tIns="0" rIns="0" bIns="0" rtlCol="0">
+                <a:spAutoFit/>
+              </a:bodyPr>
+              <a:lstStyle/>
+              <a:p>
+                <a:pPr/>
+                <a14:m>
+                  <m:oMathPara xmlns:m="http://schemas.openxmlformats.org/officeDocument/2006/math">
+                    <m:oMathParaPr>
+                      <m:jc m:val="centerGroup"/>
+                    </m:oMathParaPr>
+                    <m:oMath xmlns:m="http://schemas.openxmlformats.org/officeDocument/2006/math">
+                      <m:r>
+                        <a:rPr kumimoji="1" lang="ja-JP" altLang="en-US" sz="2400" b="0" i="1" smtClean="0">
+                          <a:solidFill>
+                            <a:srgbClr val="0070C0"/>
+                          </a:solidFill>
+                          <a:latin typeface="Cambria Math" panose="02040503050406030204" pitchFamily="18" charset="0"/>
+                        </a:rPr>
+                        <m:t>𝛼</m:t>
+                      </m:r>
+                      <m:r>
+                        <a:rPr kumimoji="1" lang="en-US" altLang="ja-JP" sz="2400" b="0" i="1" smtClean="0">
+                          <a:solidFill>
+                            <a:srgbClr val="0070C0"/>
+                          </a:solidFill>
+                          <a:latin typeface="Cambria Math" panose="02040503050406030204" pitchFamily="18" charset="0"/>
+                        </a:rPr>
+                        <m:t> </m:t>
+                      </m:r>
+                    </m:oMath>
+                  </m:oMathPara>
+                </a14:m>
+                <a:endParaRPr kumimoji="1" lang="en-US" altLang="ja-JP" sz="2400" b="0">
+                  <a:solidFill>
+                    <a:srgbClr val="0070C0"/>
+                  </a:solidFill>
+                </a:endParaRPr>
+              </a:p>
+              <a:p>
+                <a:endParaRPr kumimoji="1" lang="ja-JP" altLang="en-US" sz="2400">
+                  <a:solidFill>
+                    <a:srgbClr val="0070C0"/>
+                  </a:solidFill>
+                </a:endParaRPr>
+              </a:p>
+            </p:txBody>
+          </p:sp>
+        </mc:Choice>
+        <mc:Fallback>
+          <p:sp>
+            <p:nvSpPr>
+              <p:cNvPr id="49" name="テキスト ボックス 48">
+                <a:extLst>
+                  <a:ext uri="{FF2B5EF4-FFF2-40B4-BE49-F238E27FC236}">
+                    <a16:creationId xmlns:a16="http://schemas.microsoft.com/office/drawing/2014/main" id="{27FD99A7-C674-4489-872D-8687459BAB89}"/>
+                  </a:ext>
+                </a:extLst>
+              </p:cNvPr>
+              <p:cNvSpPr txBox="1">
+                <a:spLocks noRot="1" noChangeAspect="1" noMove="1" noResize="1" noEditPoints="1" noAdjustHandles="1" noChangeArrowheads="1" noChangeShapeType="1" noTextEdit="1"/>
+              </p:cNvSpPr>
+              <p:nvPr/>
+            </p:nvSpPr>
+            <p:spPr>
+              <a:xfrm>
+                <a:off x="3668092" y="3655475"/>
+                <a:ext cx="380553" cy="738664"/>
+              </a:xfrm>
+              <a:prstGeom prst="rect">
+                <a:avLst/>
+              </a:prstGeom>
+              <a:blipFill>
+                <a:blip r:embed="rId8"/>
+                <a:stretch>
+                  <a:fillRect l="-4839"/>
+                </a:stretch>
+              </a:blipFill>
+            </p:spPr>
+            <p:txBody>
+              <a:bodyPr/>
+              <a:lstStyle/>
+              <a:p>
+                <a:r>
+                  <a:rPr lang="ja-JP" altLang="en-US">
+                    <a:noFill/>
+                  </a:rPr>
+                  <a:t> </a:t>
+                </a:r>
+              </a:p>
+            </p:txBody>
+          </p:sp>
+        </mc:Fallback>
+      </mc:AlternateContent>
+      <mc:AlternateContent xmlns:mc="http://schemas.openxmlformats.org/markup-compatibility/2006">
+        <mc:Choice xmlns:a14="http://schemas.microsoft.com/office/drawing/2010/main" Requires="a14">
+          <p:sp>
+            <p:nvSpPr>
+              <p:cNvPr id="55" name="テキスト ボックス 54">
+                <a:extLst>
+                  <a:ext uri="{FF2B5EF4-FFF2-40B4-BE49-F238E27FC236}">
+                    <a16:creationId xmlns:a16="http://schemas.microsoft.com/office/drawing/2014/main" id="{F604F6F6-ABB9-4696-86A1-09F9F54106AB}"/>
+                  </a:ext>
+                </a:extLst>
+              </p:cNvPr>
+              <p:cNvSpPr txBox="1"/>
+              <p:nvPr/>
+            </p:nvSpPr>
+            <p:spPr>
+              <a:xfrm>
+                <a:off x="2045959" y="4907549"/>
+                <a:ext cx="793487" cy="553998"/>
+              </a:xfrm>
+              <a:prstGeom prst="rect">
+                <a:avLst/>
+              </a:prstGeom>
+              <a:noFill/>
+            </p:spPr>
+            <p:txBody>
+              <a:bodyPr wrap="none" lIns="0" tIns="0" rIns="0" bIns="0" rtlCol="0">
+                <a:spAutoFit/>
+              </a:bodyPr>
+              <a:lstStyle/>
+              <a:p>
+                <a:pPr/>
+                <a14:m>
+                  <m:oMathPara xmlns:m="http://schemas.openxmlformats.org/officeDocument/2006/math">
+                    <m:oMathParaPr>
+                      <m:jc m:val="centerGroup"/>
+                    </m:oMathParaPr>
+                    <m:oMath xmlns:m="http://schemas.openxmlformats.org/officeDocument/2006/math">
+                      <m:r>
+                        <a:rPr kumimoji="1" lang="ja-JP" altLang="en-US" b="0" i="1" smtClean="0">
+                          <a:latin typeface="Cambria Math" panose="02040503050406030204" pitchFamily="18" charset="0"/>
+                        </a:rPr>
+                        <m:t>𝜋</m:t>
+                      </m:r>
+                    </m:oMath>
+                  </m:oMathPara>
+                </a14:m>
+                <a:endParaRPr kumimoji="1" lang="en-US" altLang="ja-JP"/>
+              </a:p>
+              <a:p>
+                <a:r>
+                  <a:rPr lang="en-US" altLang="ja-JP"/>
+                  <a:t>    180°</a:t>
+                </a:r>
+                <a:endParaRPr kumimoji="1" lang="ja-JP" altLang="en-US"/>
+              </a:p>
+            </p:txBody>
+          </p:sp>
+        </mc:Choice>
+        <mc:Fallback>
+          <p:sp>
+            <p:nvSpPr>
+              <p:cNvPr id="55" name="テキスト ボックス 54">
+                <a:extLst>
+                  <a:ext uri="{FF2B5EF4-FFF2-40B4-BE49-F238E27FC236}">
+                    <a16:creationId xmlns:a16="http://schemas.microsoft.com/office/drawing/2014/main" id="{F604F6F6-ABB9-4696-86A1-09F9F54106AB}"/>
+                  </a:ext>
+                </a:extLst>
+              </p:cNvPr>
+              <p:cNvSpPr txBox="1">
+                <a:spLocks noRot="1" noChangeAspect="1" noMove="1" noResize="1" noEditPoints="1" noAdjustHandles="1" noChangeArrowheads="1" noChangeShapeType="1" noTextEdit="1"/>
+              </p:cNvSpPr>
+              <p:nvPr/>
+            </p:nvSpPr>
+            <p:spPr>
+              <a:xfrm>
+                <a:off x="2045959" y="4907549"/>
+                <a:ext cx="793487" cy="553998"/>
+              </a:xfrm>
+              <a:prstGeom prst="rect">
+                <a:avLst/>
+              </a:prstGeom>
+              <a:blipFill>
+                <a:blip r:embed="rId9"/>
+                <a:stretch>
+                  <a:fillRect r="-16923" b="-26374"/>
+                </a:stretch>
+              </a:blipFill>
+            </p:spPr>
+            <p:txBody>
+              <a:bodyPr/>
+              <a:lstStyle/>
+              <a:p>
+                <a:r>
+                  <a:rPr lang="ja-JP" altLang="en-US">
+                    <a:noFill/>
+                  </a:rPr>
+                  <a:t> </a:t>
+                </a:r>
+              </a:p>
+            </p:txBody>
+          </p:sp>
+        </mc:Fallback>
+      </mc:AlternateContent>
+      <mc:AlternateContent xmlns:mc="http://schemas.openxmlformats.org/markup-compatibility/2006">
+        <mc:Choice xmlns:a14="http://schemas.microsoft.com/office/drawing/2010/main" Requires="a14">
+          <p:sp>
+            <p:nvSpPr>
+              <p:cNvPr id="57" name="テキスト ボックス 56">
+                <a:extLst>
+                  <a:ext uri="{FF2B5EF4-FFF2-40B4-BE49-F238E27FC236}">
+                    <a16:creationId xmlns:a16="http://schemas.microsoft.com/office/drawing/2014/main" id="{E4F9E6A0-DD8F-43C8-BA42-513DE37BF664}"/>
+                  </a:ext>
+                </a:extLst>
+              </p:cNvPr>
+              <p:cNvSpPr txBox="1"/>
+              <p:nvPr/>
+            </p:nvSpPr>
+            <p:spPr>
+              <a:xfrm>
+                <a:off x="3123360" y="4919170"/>
+                <a:ext cx="812723" cy="553998"/>
+              </a:xfrm>
+              <a:prstGeom prst="rect">
+                <a:avLst/>
+              </a:prstGeom>
+              <a:noFill/>
+            </p:spPr>
+            <p:txBody>
+              <a:bodyPr wrap="none" lIns="0" tIns="0" rIns="0" bIns="0" rtlCol="0">
+                <a:spAutoFit/>
+              </a:bodyPr>
+              <a:lstStyle/>
+              <a:p>
+                <a:pPr/>
+                <a14:m>
+                  <m:oMathPara xmlns:m="http://schemas.openxmlformats.org/officeDocument/2006/math">
+                    <m:oMathParaPr>
+                      <m:jc m:val="centerGroup"/>
+                    </m:oMathParaPr>
+                    <m:oMath xmlns:m="http://schemas.openxmlformats.org/officeDocument/2006/math">
+                      <m:r>
+                        <a:rPr kumimoji="1" lang="en-US" altLang="ja-JP" b="0" i="1" smtClean="0">
+                          <a:latin typeface="Cambria Math" panose="02040503050406030204" pitchFamily="18" charset="0"/>
+                        </a:rPr>
+                        <m:t>2</m:t>
+                      </m:r>
+                      <m:r>
+                        <a:rPr kumimoji="1" lang="ja-JP" altLang="en-US" b="0" i="1" smtClean="0">
+                          <a:latin typeface="Cambria Math" panose="02040503050406030204" pitchFamily="18" charset="0"/>
+                        </a:rPr>
+                        <m:t>𝜋</m:t>
+                      </m:r>
+                    </m:oMath>
+                  </m:oMathPara>
+                </a14:m>
+                <a:endParaRPr kumimoji="1" lang="en-US" altLang="ja-JP"/>
+              </a:p>
+              <a:p>
+                <a:r>
+                  <a:rPr lang="ja-JP" altLang="en-US"/>
+                  <a:t>　</a:t>
+                </a:r>
+                <a:r>
+                  <a:rPr lang="en-US" altLang="ja-JP"/>
+                  <a:t>360°</a:t>
+                </a:r>
+                <a:endParaRPr kumimoji="1" lang="ja-JP" altLang="en-US"/>
+              </a:p>
+            </p:txBody>
+          </p:sp>
+        </mc:Choice>
+        <mc:Fallback>
+          <p:sp>
+            <p:nvSpPr>
+              <p:cNvPr id="57" name="テキスト ボックス 56">
+                <a:extLst>
+                  <a:ext uri="{FF2B5EF4-FFF2-40B4-BE49-F238E27FC236}">
+                    <a16:creationId xmlns:a16="http://schemas.microsoft.com/office/drawing/2014/main" id="{E4F9E6A0-DD8F-43C8-BA42-513DE37BF664}"/>
+                  </a:ext>
+                </a:extLst>
+              </p:cNvPr>
+              <p:cNvSpPr txBox="1">
+                <a:spLocks noRot="1" noChangeAspect="1" noMove="1" noResize="1" noEditPoints="1" noAdjustHandles="1" noChangeArrowheads="1" noChangeShapeType="1" noTextEdit="1"/>
+              </p:cNvSpPr>
+              <p:nvPr/>
+            </p:nvSpPr>
+            <p:spPr>
+              <a:xfrm>
+                <a:off x="3123360" y="4919170"/>
+                <a:ext cx="812723" cy="553998"/>
+              </a:xfrm>
+              <a:prstGeom prst="rect">
+                <a:avLst/>
+              </a:prstGeom>
+              <a:blipFill>
+                <a:blip r:embed="rId10"/>
+                <a:stretch>
+                  <a:fillRect r="-16418" b="-25275"/>
+                </a:stretch>
+              </a:blipFill>
+            </p:spPr>
+            <p:txBody>
+              <a:bodyPr/>
+              <a:lstStyle/>
+              <a:p>
+                <a:r>
+                  <a:rPr lang="ja-JP" altLang="en-US">
+                    <a:noFill/>
+                  </a:rPr>
+                  <a:t> </a:t>
+                </a:r>
+              </a:p>
+            </p:txBody>
+          </p:sp>
+        </mc:Fallback>
+      </mc:AlternateContent>
+      <p:cxnSp>
+        <p:nvCxnSpPr>
+          <p:cNvPr id="58" name="直線コネクタ 57">
+            <a:extLst>
+              <a:ext uri="{FF2B5EF4-FFF2-40B4-BE49-F238E27FC236}">
+                <a16:creationId xmlns:a16="http://schemas.microsoft.com/office/drawing/2014/main" id="{1B8471F8-E069-4B55-BB85-5B0D3F3C93F8}"/>
+              </a:ext>
+            </a:extLst>
+          </p:cNvPr>
+          <p:cNvCxnSpPr>
+            <a:cxnSpLocks/>
+          </p:cNvCxnSpPr>
+          <p:nvPr/>
+        </p:nvCxnSpPr>
+        <p:spPr>
+          <a:xfrm>
+            <a:off x="3529722" y="3875226"/>
+            <a:ext cx="0" cy="1032324"/>
+          </a:xfrm>
+          <a:prstGeom prst="line">
+            <a:avLst/>
+          </a:prstGeom>
+          <a:ln w="19050">
+            <a:solidFill>
+              <a:srgbClr val="0070C0"/>
+            </a:solidFill>
+            <a:prstDash val="sysDot"/>
+          </a:ln>
+        </p:spPr>
+        <p:style>
+          <a:lnRef idx="1">
+            <a:schemeClr val="accent1"/>
+          </a:lnRef>
+          <a:fillRef idx="0">
+            <a:schemeClr val="accent1"/>
+          </a:fillRef>
+          <a:effectRef idx="0">
+            <a:schemeClr val="accent1"/>
+          </a:effectRef>
+          <a:fontRef idx="minor">
+            <a:schemeClr val="tx1"/>
+          </a:fontRef>
+        </p:style>
+      </p:cxnSp>
+      <p:cxnSp>
+        <p:nvCxnSpPr>
+          <p:cNvPr id="60" name="直線コネクタ 59">
+            <a:extLst>
+              <a:ext uri="{FF2B5EF4-FFF2-40B4-BE49-F238E27FC236}">
+                <a16:creationId xmlns:a16="http://schemas.microsoft.com/office/drawing/2014/main" id="{3813BABE-7C76-486D-BAB9-79A3D709B7EE}"/>
+              </a:ext>
+            </a:extLst>
+          </p:cNvPr>
+          <p:cNvCxnSpPr>
+            <a:cxnSpLocks/>
+            <a:stCxn id="19" idx="0"/>
+            <a:endCxn id="55" idx="0"/>
+          </p:cNvCxnSpPr>
+          <p:nvPr/>
+        </p:nvCxnSpPr>
+        <p:spPr>
+          <a:xfrm>
+            <a:off x="2429942" y="2971799"/>
+            <a:ext cx="12761" cy="1935750"/>
+          </a:xfrm>
+          <a:prstGeom prst="line">
+            <a:avLst/>
+          </a:prstGeom>
+          <a:ln w="19050">
+            <a:solidFill>
+              <a:srgbClr val="0070C0"/>
+            </a:solidFill>
+            <a:prstDash val="sysDot"/>
+          </a:ln>
+        </p:spPr>
+        <p:style>
+          <a:lnRef idx="1">
+            <a:schemeClr val="accent1"/>
+          </a:lnRef>
+          <a:fillRef idx="0">
+            <a:schemeClr val="accent1"/>
+          </a:fillRef>
+          <a:effectRef idx="0">
+            <a:schemeClr val="accent1"/>
+          </a:effectRef>
+          <a:fontRef idx="minor">
+            <a:schemeClr val="tx1"/>
+          </a:fontRef>
+        </p:style>
+      </p:cxnSp>
+    </p:spTree>
+    <p:extLst>
+      <p:ext uri="{BB962C8B-B14F-4D97-AF65-F5344CB8AC3E}">
+        <p14:creationId xmlns:p14="http://schemas.microsoft.com/office/powerpoint/2010/main" val="3392169681"/>
+      </p:ext>
+    </p:extLst>
+  </p:cSld>
+  <p:clrMapOvr>
+    <a:masterClrMapping/>
+  </p:clrMapOvr>
+</p:sld>
+</file>
+
+<file path=ppt/slides/slide6.xml><?xml version="1.0" encoding="utf-8"?>
+<p:sld xmlns:a="http://schemas.openxmlformats.org/drawingml/2006/main" xmlns:r="http://schemas.openxmlformats.org/officeDocument/2006/relationships" xmlns:p="http://schemas.openxmlformats.org/presentationml/2006/main">
+  <p:cSld>
+    <p:spTree>
+      <p:nvGrpSpPr>
+        <p:cNvPr id="1" name=""/>
+        <p:cNvGrpSpPr/>
+        <p:nvPr/>
+      </p:nvGrpSpPr>
+      <p:grpSpPr>
+        <a:xfrm>
+          <a:off x="0" y="0"/>
+          <a:ext cx="0" cy="0"/>
+          <a:chOff x="0" y="0"/>
+          <a:chExt cx="0" cy="0"/>
+        </a:xfrm>
+      </p:grpSpPr>
+      <p:pic>
+        <p:nvPicPr>
+          <p:cNvPr id="29" name="図 28">
+            <a:extLst>
+              <a:ext uri="{FF2B5EF4-FFF2-40B4-BE49-F238E27FC236}">
+                <a16:creationId xmlns:a16="http://schemas.microsoft.com/office/drawing/2014/main" id="{C7FA5866-D1C5-4B05-B117-E986120D6859}"/>
+              </a:ext>
+            </a:extLst>
+          </p:cNvPr>
+          <p:cNvPicPr>
+            <a:picLocks noChangeAspect="1"/>
+          </p:cNvPicPr>
+          <p:nvPr/>
+        </p:nvPicPr>
+        <p:blipFill rotWithShape="1">
+          <a:blip r:embed="rId3"/>
+          <a:srcRect l="13360" t="38585" r="14376" b="21110"/>
+          <a:stretch/>
+        </p:blipFill>
+        <p:spPr>
+          <a:xfrm>
+            <a:off x="1328657" y="2956560"/>
+            <a:ext cx="2220796" cy="1783080"/>
+          </a:xfrm>
+          <a:prstGeom prst="rect">
+            <a:avLst/>
+          </a:prstGeom>
+          <a:ln>
+            <a:solidFill>
+              <a:schemeClr val="tx1"/>
+            </a:solidFill>
+          </a:ln>
+        </p:spPr>
+      </p:pic>
+      <p:sp>
+        <p:nvSpPr>
+          <p:cNvPr id="4" name="タイトル 3">
+            <a:extLst>
+              <a:ext uri="{FF2B5EF4-FFF2-40B4-BE49-F238E27FC236}">
+                <a16:creationId xmlns:a16="http://schemas.microsoft.com/office/drawing/2014/main" id="{A95901B0-501D-484B-88A5-91DBAEB9FB7A}"/>
+              </a:ext>
+            </a:extLst>
+          </p:cNvPr>
+          <p:cNvSpPr>
+            <a:spLocks noGrp="1"/>
+          </p:cNvSpPr>
+          <p:nvPr>
+            <p:ph type="title"/>
+          </p:nvPr>
+        </p:nvSpPr>
+        <p:spPr/>
+        <p:txBody>
+          <a:bodyPr/>
+          <a:lstStyle/>
+          <a:p>
+            <a:r>
+              <a:rPr lang="ja-JP" altLang="en-US" dirty="0"/>
+              <a:t>三角関数</a:t>
+            </a:r>
+          </a:p>
+        </p:txBody>
+      </p:sp>
+      <p:cxnSp>
+        <p:nvCxnSpPr>
+          <p:cNvPr id="8" name="直線矢印コネクタ 7">
+            <a:extLst>
+              <a:ext uri="{FF2B5EF4-FFF2-40B4-BE49-F238E27FC236}">
+                <a16:creationId xmlns:a16="http://schemas.microsoft.com/office/drawing/2014/main" id="{15FF0CF5-4137-442A-99CB-6751A6FFEE66}"/>
+              </a:ext>
+            </a:extLst>
+          </p:cNvPr>
+          <p:cNvCxnSpPr>
+            <a:cxnSpLocks/>
+          </p:cNvCxnSpPr>
+          <p:nvPr/>
+        </p:nvCxnSpPr>
+        <p:spPr>
+          <a:xfrm>
+            <a:off x="1331623" y="3855720"/>
+            <a:ext cx="2356789" cy="19506"/>
+          </a:xfrm>
+          <a:prstGeom prst="straightConnector1">
+            <a:avLst/>
+          </a:prstGeom>
+          <a:ln w="38100">
+            <a:solidFill>
+              <a:srgbClr val="0070C0"/>
+            </a:solidFill>
+            <a:headEnd type="none" w="med" len="med"/>
+            <a:tailEnd type="arrow" w="med" len="med"/>
+          </a:ln>
+        </p:spPr>
+        <p:style>
+          <a:lnRef idx="1">
+            <a:schemeClr val="accent1"/>
+          </a:lnRef>
+          <a:fillRef idx="0">
+            <a:schemeClr val="accent1"/>
+          </a:fillRef>
+          <a:effectRef idx="0">
+            <a:schemeClr val="accent1"/>
+          </a:effectRef>
+          <a:fontRef idx="minor">
+            <a:schemeClr val="tx1"/>
+          </a:fontRef>
+        </p:style>
+      </p:cxnSp>
+      <p:cxnSp>
+        <p:nvCxnSpPr>
+          <p:cNvPr id="31" name="直線矢印コネクタ 30">
+            <a:extLst>
+              <a:ext uri="{FF2B5EF4-FFF2-40B4-BE49-F238E27FC236}">
+                <a16:creationId xmlns:a16="http://schemas.microsoft.com/office/drawing/2014/main" id="{11194170-ECB1-4AB0-8BCC-8366A084D649}"/>
+              </a:ext>
+            </a:extLst>
+          </p:cNvPr>
+          <p:cNvCxnSpPr>
+            <a:cxnSpLocks/>
+          </p:cNvCxnSpPr>
+          <p:nvPr/>
+        </p:nvCxnSpPr>
+        <p:spPr>
+          <a:xfrm flipV="1">
+            <a:off x="1351943" y="2710619"/>
+            <a:ext cx="0" cy="2335431"/>
+          </a:xfrm>
+          <a:prstGeom prst="straightConnector1">
+            <a:avLst/>
+          </a:prstGeom>
+          <a:ln w="38100">
+            <a:solidFill>
+              <a:srgbClr val="FF0000"/>
+            </a:solidFill>
+            <a:headEnd type="none" w="med" len="med"/>
+            <a:tailEnd type="arrow" w="med" len="med"/>
+          </a:ln>
+        </p:spPr>
+        <p:style>
+          <a:lnRef idx="1">
+            <a:schemeClr val="accent1"/>
+          </a:lnRef>
+          <a:fillRef idx="0">
+            <a:schemeClr val="accent1"/>
+          </a:fillRef>
+          <a:effectRef idx="0">
+            <a:schemeClr val="accent1"/>
+          </a:effectRef>
+          <a:fontRef idx="minor">
+            <a:schemeClr val="tx1"/>
+          </a:fontRef>
+        </p:style>
+      </p:cxnSp>
+      <mc:AlternateContent xmlns:mc="http://schemas.openxmlformats.org/markup-compatibility/2006">
+        <mc:Choice xmlns:a14="http://schemas.microsoft.com/office/drawing/2010/main" Requires="a14">
+          <p:sp>
+            <p:nvSpPr>
+              <p:cNvPr id="34" name="テキスト ボックス 33">
+                <a:extLst>
+                  <a:ext uri="{FF2B5EF4-FFF2-40B4-BE49-F238E27FC236}">
+                    <a16:creationId xmlns:a16="http://schemas.microsoft.com/office/drawing/2014/main" id="{9FD8C8DE-11FA-4793-A7AF-65B309875C53}"/>
+                  </a:ext>
+                </a:extLst>
+              </p:cNvPr>
+              <p:cNvSpPr txBox="1"/>
+              <p:nvPr/>
+            </p:nvSpPr>
+            <p:spPr>
+              <a:xfrm>
+                <a:off x="850688" y="2848540"/>
+                <a:ext cx="357470" cy="276999"/>
+              </a:xfrm>
+              <a:prstGeom prst="rect">
+                <a:avLst/>
+              </a:prstGeom>
+              <a:noFill/>
+            </p:spPr>
+            <p:txBody>
+              <a:bodyPr wrap="none" lIns="0" tIns="0" rIns="0" bIns="0" rtlCol="0">
+                <a:spAutoFit/>
+              </a:bodyPr>
+              <a:lstStyle/>
+              <a:p>
+                <a:pPr/>
+                <a14:m>
+                  <m:oMathPara xmlns:m="http://schemas.openxmlformats.org/officeDocument/2006/math">
+                    <m:oMathParaPr>
+                      <m:jc m:val="centerGroup"/>
+                    </m:oMathParaPr>
+                    <m:oMath xmlns:m="http://schemas.openxmlformats.org/officeDocument/2006/math">
+                      <m:r>
+                        <a:rPr kumimoji="1" lang="en-US" altLang="ja-JP" b="0" i="1" smtClean="0">
+                          <a:latin typeface="Cambria Math" panose="02040503050406030204" pitchFamily="18" charset="0"/>
+                        </a:rPr>
+                        <m:t>1.0</m:t>
+                      </m:r>
+                    </m:oMath>
+                  </m:oMathPara>
+                </a14:m>
+                <a:endParaRPr kumimoji="1" lang="ja-JP" altLang="en-US"/>
+              </a:p>
+            </p:txBody>
+          </p:sp>
+        </mc:Choice>
+        <mc:Fallback>
+          <p:sp>
+            <p:nvSpPr>
+              <p:cNvPr id="34" name="テキスト ボックス 33">
+                <a:extLst>
+                  <a:ext uri="{FF2B5EF4-FFF2-40B4-BE49-F238E27FC236}">
+                    <a16:creationId xmlns:a16="http://schemas.microsoft.com/office/drawing/2014/main" id="{9FD8C8DE-11FA-4793-A7AF-65B309875C53}"/>
+                  </a:ext>
+                </a:extLst>
+              </p:cNvPr>
+              <p:cNvSpPr txBox="1">
+                <a:spLocks noRot="1" noChangeAspect="1" noMove="1" noResize="1" noEditPoints="1" noAdjustHandles="1" noChangeArrowheads="1" noChangeShapeType="1" noTextEdit="1"/>
+              </p:cNvSpPr>
+              <p:nvPr/>
+            </p:nvSpPr>
+            <p:spPr>
+              <a:xfrm>
+                <a:off x="850688" y="2848540"/>
+                <a:ext cx="357470" cy="276999"/>
+              </a:xfrm>
+              <a:prstGeom prst="rect">
+                <a:avLst/>
+              </a:prstGeom>
+              <a:blipFill>
+                <a:blip r:embed="rId4"/>
+                <a:stretch>
+                  <a:fillRect l="-15517" r="-17241" b="-6522"/>
+                </a:stretch>
+              </a:blipFill>
+            </p:spPr>
+            <p:txBody>
+              <a:bodyPr/>
+              <a:lstStyle/>
+              <a:p>
+                <a:r>
+                  <a:rPr lang="ja-JP" altLang="en-US">
+                    <a:noFill/>
+                  </a:rPr>
+                  <a:t> </a:t>
+                </a:r>
+              </a:p>
+            </p:txBody>
+          </p:sp>
+        </mc:Fallback>
+      </mc:AlternateContent>
+      <mc:AlternateContent xmlns:mc="http://schemas.openxmlformats.org/markup-compatibility/2006">
+        <mc:Choice xmlns:a14="http://schemas.microsoft.com/office/drawing/2010/main" Requires="a14">
+          <p:sp>
+            <p:nvSpPr>
+              <p:cNvPr id="35" name="テキスト ボックス 34">
+                <a:extLst>
+                  <a:ext uri="{FF2B5EF4-FFF2-40B4-BE49-F238E27FC236}">
+                    <a16:creationId xmlns:a16="http://schemas.microsoft.com/office/drawing/2014/main" id="{C0140DEF-722F-478D-AE1C-0D6C26154B4F}"/>
+                  </a:ext>
+                </a:extLst>
+              </p:cNvPr>
+              <p:cNvSpPr txBox="1"/>
+              <p:nvPr/>
+            </p:nvSpPr>
+            <p:spPr>
+              <a:xfrm>
+                <a:off x="700850" y="4585900"/>
+                <a:ext cx="530594" cy="276999"/>
+              </a:xfrm>
+              <a:prstGeom prst="rect">
+                <a:avLst/>
+              </a:prstGeom>
+              <a:noFill/>
+            </p:spPr>
+            <p:txBody>
+              <a:bodyPr wrap="none" lIns="0" tIns="0" rIns="0" bIns="0" rtlCol="0">
+                <a:spAutoFit/>
+              </a:bodyPr>
+              <a:lstStyle/>
+              <a:p>
+                <a:pPr/>
+                <a14:m>
+                  <m:oMathPara xmlns:m="http://schemas.openxmlformats.org/officeDocument/2006/math">
+                    <m:oMathParaPr>
+                      <m:jc m:val="centerGroup"/>
+                    </m:oMathParaPr>
+                    <m:oMath xmlns:m="http://schemas.openxmlformats.org/officeDocument/2006/math">
+                      <m:r>
+                        <a:rPr kumimoji="1" lang="en-US" altLang="ja-JP" b="0" i="1" smtClean="0">
+                          <a:latin typeface="Cambria Math" panose="02040503050406030204" pitchFamily="18" charset="0"/>
+                        </a:rPr>
+                        <m:t>−1.0</m:t>
+                      </m:r>
+                    </m:oMath>
+                  </m:oMathPara>
+                </a14:m>
+                <a:endParaRPr kumimoji="1" lang="ja-JP" altLang="en-US"/>
+              </a:p>
+            </p:txBody>
+          </p:sp>
+        </mc:Choice>
+        <mc:Fallback>
+          <p:sp>
+            <p:nvSpPr>
+              <p:cNvPr id="35" name="テキスト ボックス 34">
+                <a:extLst>
+                  <a:ext uri="{FF2B5EF4-FFF2-40B4-BE49-F238E27FC236}">
+                    <a16:creationId xmlns:a16="http://schemas.microsoft.com/office/drawing/2014/main" id="{C0140DEF-722F-478D-AE1C-0D6C26154B4F}"/>
+                  </a:ext>
+                </a:extLst>
+              </p:cNvPr>
+              <p:cNvSpPr txBox="1">
+                <a:spLocks noRot="1" noChangeAspect="1" noMove="1" noResize="1" noEditPoints="1" noAdjustHandles="1" noChangeArrowheads="1" noChangeShapeType="1" noTextEdit="1"/>
+              </p:cNvSpPr>
+              <p:nvPr/>
+            </p:nvSpPr>
+            <p:spPr>
+              <a:xfrm>
+                <a:off x="700850" y="4585900"/>
+                <a:ext cx="530594" cy="276999"/>
+              </a:xfrm>
+              <a:prstGeom prst="rect">
+                <a:avLst/>
+              </a:prstGeom>
+              <a:blipFill>
+                <a:blip r:embed="rId5"/>
+                <a:stretch>
+                  <a:fillRect l="-2299" r="-10345" b="-6522"/>
+                </a:stretch>
+              </a:blipFill>
+            </p:spPr>
+            <p:txBody>
+              <a:bodyPr/>
+              <a:lstStyle/>
+              <a:p>
+                <a:r>
+                  <a:rPr lang="ja-JP" altLang="en-US">
+                    <a:noFill/>
+                  </a:rPr>
+                  <a:t> </a:t>
+                </a:r>
+              </a:p>
+            </p:txBody>
+          </p:sp>
+        </mc:Fallback>
+      </mc:AlternateContent>
+      <mc:AlternateContent xmlns:mc="http://schemas.openxmlformats.org/markup-compatibility/2006">
+        <mc:Choice xmlns:a14="http://schemas.microsoft.com/office/drawing/2010/main" Requires="a14">
+          <p:sp>
+            <p:nvSpPr>
+              <p:cNvPr id="40" name="テキスト ボックス 39">
+                <a:extLst>
+                  <a:ext uri="{FF2B5EF4-FFF2-40B4-BE49-F238E27FC236}">
+                    <a16:creationId xmlns:a16="http://schemas.microsoft.com/office/drawing/2014/main" id="{43D48D09-BC94-4946-B41E-DB7A06910331}"/>
+                  </a:ext>
+                </a:extLst>
+              </p:cNvPr>
+              <p:cNvSpPr txBox="1"/>
+              <p:nvPr/>
+            </p:nvSpPr>
+            <p:spPr>
+              <a:xfrm>
+                <a:off x="1096397" y="3727488"/>
+                <a:ext cx="214033" cy="276999"/>
+              </a:xfrm>
+              <a:prstGeom prst="rect">
+                <a:avLst/>
+              </a:prstGeom>
+              <a:noFill/>
+            </p:spPr>
+            <p:txBody>
+              <a:bodyPr wrap="none" lIns="0" tIns="0" rIns="0" bIns="0" rtlCol="0">
+                <a:spAutoFit/>
+              </a:bodyPr>
+              <a:lstStyle/>
+              <a:p>
+                <a:pPr/>
+                <a14:m>
+                  <m:oMathPara xmlns:m="http://schemas.openxmlformats.org/officeDocument/2006/math">
+                    <m:oMathParaPr>
+                      <m:jc m:val="centerGroup"/>
+                    </m:oMathParaPr>
+                    <m:oMath xmlns:m="http://schemas.openxmlformats.org/officeDocument/2006/math">
+                      <m:r>
+                        <a:rPr kumimoji="1" lang="en-US" altLang="ja-JP" b="0" i="1" smtClean="0">
+                          <a:latin typeface="Cambria Math" panose="02040503050406030204" pitchFamily="18" charset="0"/>
+                        </a:rPr>
+                        <m:t>𝑂</m:t>
+                      </m:r>
+                    </m:oMath>
+                  </m:oMathPara>
+                </a14:m>
+                <a:endParaRPr kumimoji="1" lang="ja-JP" altLang="en-US"/>
+              </a:p>
+            </p:txBody>
+          </p:sp>
+        </mc:Choice>
+        <mc:Fallback>
+          <p:sp>
+            <p:nvSpPr>
+              <p:cNvPr id="40" name="テキスト ボックス 39">
+                <a:extLst>
+                  <a:ext uri="{FF2B5EF4-FFF2-40B4-BE49-F238E27FC236}">
+                    <a16:creationId xmlns:a16="http://schemas.microsoft.com/office/drawing/2014/main" id="{43D48D09-BC94-4946-B41E-DB7A06910331}"/>
+                  </a:ext>
+                </a:extLst>
+              </p:cNvPr>
+              <p:cNvSpPr txBox="1">
+                <a:spLocks noRot="1" noChangeAspect="1" noMove="1" noResize="1" noEditPoints="1" noAdjustHandles="1" noChangeArrowheads="1" noChangeShapeType="1" noTextEdit="1"/>
+              </p:cNvSpPr>
+              <p:nvPr/>
+            </p:nvSpPr>
+            <p:spPr>
+              <a:xfrm>
+                <a:off x="1096397" y="3727488"/>
+                <a:ext cx="214033" cy="276999"/>
+              </a:xfrm>
+              <a:prstGeom prst="rect">
+                <a:avLst/>
+              </a:prstGeom>
+              <a:blipFill>
+                <a:blip r:embed="rId6"/>
+                <a:stretch>
+                  <a:fillRect l="-28571" r="-22857" b="-6522"/>
+                </a:stretch>
+              </a:blipFill>
+            </p:spPr>
+            <p:txBody>
+              <a:bodyPr/>
+              <a:lstStyle/>
+              <a:p>
+                <a:r>
+                  <a:rPr lang="ja-JP" altLang="en-US">
+                    <a:noFill/>
+                  </a:rPr>
+                  <a:t> </a:t>
+                </a:r>
+              </a:p>
+            </p:txBody>
+          </p:sp>
+        </mc:Fallback>
+      </mc:AlternateContent>
+      <mc:AlternateContent xmlns:mc="http://schemas.openxmlformats.org/markup-compatibility/2006">
+        <mc:Choice xmlns:a14="http://schemas.microsoft.com/office/drawing/2010/main" Requires="a14">
+          <p:sp>
+            <p:nvSpPr>
+              <p:cNvPr id="47" name="テキスト ボックス 46">
+                <a:extLst>
+                  <a:ext uri="{FF2B5EF4-FFF2-40B4-BE49-F238E27FC236}">
+                    <a16:creationId xmlns:a16="http://schemas.microsoft.com/office/drawing/2014/main" id="{821D3863-51D9-46E3-BAA0-A59B8E8897FB}"/>
+                  </a:ext>
+                </a:extLst>
+              </p:cNvPr>
+              <p:cNvSpPr txBox="1"/>
+              <p:nvPr/>
+            </p:nvSpPr>
+            <p:spPr>
+              <a:xfrm>
+                <a:off x="1086237" y="2403945"/>
+                <a:ext cx="602216" cy="307777"/>
+              </a:xfrm>
+              <a:prstGeom prst="rect">
+                <a:avLst/>
+              </a:prstGeom>
+              <a:noFill/>
+            </p:spPr>
+            <p:txBody>
+              <a:bodyPr wrap="none" lIns="0" tIns="0" rIns="0" bIns="0" rtlCol="0">
+                <a:spAutoFit/>
+              </a:bodyPr>
+              <a:lstStyle/>
+              <a:p>
+                <a:pPr/>
+                <a14:m>
+                  <m:oMathPara xmlns:m="http://schemas.openxmlformats.org/officeDocument/2006/math">
+                    <m:oMathParaPr>
+                      <m:jc m:val="centerGroup"/>
+                    </m:oMathParaPr>
+                    <m:oMath xmlns:m="http://schemas.openxmlformats.org/officeDocument/2006/math">
+                      <m:func>
+                        <m:funcPr>
+                          <m:ctrlPr>
+                            <a:rPr kumimoji="1" lang="en-US" altLang="ja-JP" sz="2000" i="1" smtClean="0">
+                              <a:solidFill>
+                                <a:srgbClr val="FF0000"/>
+                              </a:solidFill>
+                              <a:latin typeface="Cambria Math" panose="02040503050406030204" pitchFamily="18" charset="0"/>
+                            </a:rPr>
+                          </m:ctrlPr>
+                        </m:funcPr>
+                        <m:fName>
+                          <m:r>
+                            <m:rPr>
+                              <m:sty m:val="p"/>
+                            </m:rPr>
+                            <a:rPr kumimoji="1" lang="en-US" altLang="ja-JP" sz="2000" b="0" i="0" smtClean="0">
+                              <a:solidFill>
+                                <a:srgbClr val="FF0000"/>
+                              </a:solidFill>
+                              <a:latin typeface="Cambria Math" panose="02040503050406030204" pitchFamily="18" charset="0"/>
+                            </a:rPr>
+                            <m:t>tan</m:t>
+                          </m:r>
+                        </m:fName>
+                        <m:e>
+                          <m:r>
+                            <m:rPr>
+                              <m:sty m:val="p"/>
+                            </m:rPr>
+                            <a:rPr lang="en-US" altLang="ja-JP" sz="2000" i="1">
+                              <a:solidFill>
+                                <a:srgbClr val="FF0000"/>
+                              </a:solidFill>
+                              <a:latin typeface="Cambria Math" panose="02040503050406030204" pitchFamily="18" charset="0"/>
+                            </a:rPr>
+                            <m:t>α</m:t>
+                          </m:r>
+                        </m:e>
+                      </m:func>
+                    </m:oMath>
+                  </m:oMathPara>
+                </a14:m>
+                <a:endParaRPr kumimoji="1" lang="ja-JP" altLang="en-US" sz="2000">
+                  <a:solidFill>
+                    <a:srgbClr val="FF0000"/>
+                  </a:solidFill>
+                </a:endParaRPr>
+              </a:p>
+            </p:txBody>
+          </p:sp>
+        </mc:Choice>
+        <mc:Fallback>
+          <p:sp>
+            <p:nvSpPr>
+              <p:cNvPr id="47" name="テキスト ボックス 46">
+                <a:extLst>
+                  <a:ext uri="{FF2B5EF4-FFF2-40B4-BE49-F238E27FC236}">
+                    <a16:creationId xmlns:a16="http://schemas.microsoft.com/office/drawing/2014/main" id="{821D3863-51D9-46E3-BAA0-A59B8E8897FB}"/>
+                  </a:ext>
+                </a:extLst>
+              </p:cNvPr>
+              <p:cNvSpPr txBox="1">
+                <a:spLocks noRot="1" noChangeAspect="1" noMove="1" noResize="1" noEditPoints="1" noAdjustHandles="1" noChangeArrowheads="1" noChangeShapeType="1" noTextEdit="1"/>
+              </p:cNvSpPr>
+              <p:nvPr/>
+            </p:nvSpPr>
+            <p:spPr>
+              <a:xfrm>
+                <a:off x="1086237" y="2403945"/>
+                <a:ext cx="602216" cy="307777"/>
+              </a:xfrm>
+              <a:prstGeom prst="rect">
+                <a:avLst/>
+              </a:prstGeom>
+              <a:blipFill>
+                <a:blip r:embed="rId7"/>
+                <a:stretch>
+                  <a:fillRect l="-8081" r="-6061" b="-1961"/>
+                </a:stretch>
+              </a:blipFill>
+            </p:spPr>
+            <p:txBody>
+              <a:bodyPr/>
+              <a:lstStyle/>
+              <a:p>
+                <a:r>
+                  <a:rPr lang="ja-JP" altLang="en-US">
+                    <a:noFill/>
+                  </a:rPr>
+                  <a:t> </a:t>
+                </a:r>
+              </a:p>
+            </p:txBody>
+          </p:sp>
+        </mc:Fallback>
+      </mc:AlternateContent>
+      <mc:AlternateContent xmlns:mc="http://schemas.openxmlformats.org/markup-compatibility/2006">
+        <mc:Choice xmlns:a14="http://schemas.microsoft.com/office/drawing/2010/main" Requires="a14">
+          <p:sp>
+            <p:nvSpPr>
+              <p:cNvPr id="49" name="テキスト ボックス 48">
+                <a:extLst>
+                  <a:ext uri="{FF2B5EF4-FFF2-40B4-BE49-F238E27FC236}">
+                    <a16:creationId xmlns:a16="http://schemas.microsoft.com/office/drawing/2014/main" id="{27FD99A7-C674-4489-872D-8687459BAB89}"/>
+                  </a:ext>
+                </a:extLst>
+              </p:cNvPr>
+              <p:cNvSpPr txBox="1"/>
+              <p:nvPr/>
+            </p:nvSpPr>
+            <p:spPr>
+              <a:xfrm>
+                <a:off x="3668092" y="3655475"/>
+                <a:ext cx="380553" cy="738664"/>
+              </a:xfrm>
+              <a:prstGeom prst="rect">
+                <a:avLst/>
+              </a:prstGeom>
+              <a:noFill/>
+            </p:spPr>
+            <p:txBody>
+              <a:bodyPr wrap="none" lIns="0" tIns="0" rIns="0" bIns="0" rtlCol="0">
+                <a:spAutoFit/>
+              </a:bodyPr>
+              <a:lstStyle/>
+              <a:p>
+                <a:pPr/>
+                <a14:m>
+                  <m:oMathPara xmlns:m="http://schemas.openxmlformats.org/officeDocument/2006/math">
+                    <m:oMathParaPr>
+                      <m:jc m:val="centerGroup"/>
+                    </m:oMathParaPr>
+                    <m:oMath xmlns:m="http://schemas.openxmlformats.org/officeDocument/2006/math">
+                      <m:r>
+                        <a:rPr kumimoji="1" lang="ja-JP" altLang="en-US" sz="2400" b="0" i="1" smtClean="0">
+                          <a:solidFill>
+                            <a:srgbClr val="0070C0"/>
+                          </a:solidFill>
+                          <a:latin typeface="Cambria Math" panose="02040503050406030204" pitchFamily="18" charset="0"/>
+                        </a:rPr>
+                        <m:t>𝛼</m:t>
+                      </m:r>
+                      <m:r>
+                        <a:rPr kumimoji="1" lang="en-US" altLang="ja-JP" sz="2400" b="0" i="1" smtClean="0">
+                          <a:solidFill>
+                            <a:srgbClr val="0070C0"/>
+                          </a:solidFill>
+                          <a:latin typeface="Cambria Math" panose="02040503050406030204" pitchFamily="18" charset="0"/>
+                        </a:rPr>
+                        <m:t> </m:t>
+                      </m:r>
+                    </m:oMath>
+                  </m:oMathPara>
+                </a14:m>
+                <a:endParaRPr kumimoji="1" lang="en-US" altLang="ja-JP" sz="2400" b="0">
+                  <a:solidFill>
+                    <a:srgbClr val="0070C0"/>
+                  </a:solidFill>
+                </a:endParaRPr>
+              </a:p>
+              <a:p>
+                <a:endParaRPr kumimoji="1" lang="ja-JP" altLang="en-US" sz="2400">
+                  <a:solidFill>
+                    <a:srgbClr val="0070C0"/>
+                  </a:solidFill>
+                </a:endParaRPr>
+              </a:p>
+            </p:txBody>
+          </p:sp>
+        </mc:Choice>
+        <mc:Fallback>
+          <p:sp>
+            <p:nvSpPr>
+              <p:cNvPr id="49" name="テキスト ボックス 48">
+                <a:extLst>
+                  <a:ext uri="{FF2B5EF4-FFF2-40B4-BE49-F238E27FC236}">
+                    <a16:creationId xmlns:a16="http://schemas.microsoft.com/office/drawing/2014/main" id="{27FD99A7-C674-4489-872D-8687459BAB89}"/>
+                  </a:ext>
+                </a:extLst>
+              </p:cNvPr>
+              <p:cNvSpPr txBox="1">
+                <a:spLocks noRot="1" noChangeAspect="1" noMove="1" noResize="1" noEditPoints="1" noAdjustHandles="1" noChangeArrowheads="1" noChangeShapeType="1" noTextEdit="1"/>
+              </p:cNvSpPr>
+              <p:nvPr/>
+            </p:nvSpPr>
+            <p:spPr>
+              <a:xfrm>
+                <a:off x="3668092" y="3655475"/>
+                <a:ext cx="380553" cy="738664"/>
+              </a:xfrm>
+              <a:prstGeom prst="rect">
+                <a:avLst/>
+              </a:prstGeom>
+              <a:blipFill>
+                <a:blip r:embed="rId8"/>
+                <a:stretch>
+                  <a:fillRect l="-4839"/>
+                </a:stretch>
+              </a:blipFill>
+            </p:spPr>
+            <p:txBody>
+              <a:bodyPr/>
+              <a:lstStyle/>
+              <a:p>
+                <a:r>
+                  <a:rPr lang="ja-JP" altLang="en-US">
+                    <a:noFill/>
+                  </a:rPr>
+                  <a:t> </a:t>
+                </a:r>
+              </a:p>
+            </p:txBody>
+          </p:sp>
+        </mc:Fallback>
+      </mc:AlternateContent>
+      <mc:AlternateContent xmlns:mc="http://schemas.openxmlformats.org/markup-compatibility/2006">
+        <mc:Choice xmlns:a14="http://schemas.microsoft.com/office/drawing/2010/main" Requires="a14">
+          <p:sp>
+            <p:nvSpPr>
+              <p:cNvPr id="55" name="テキスト ボックス 54">
+                <a:extLst>
+                  <a:ext uri="{FF2B5EF4-FFF2-40B4-BE49-F238E27FC236}">
+                    <a16:creationId xmlns:a16="http://schemas.microsoft.com/office/drawing/2014/main" id="{F604F6F6-ABB9-4696-86A1-09F9F54106AB}"/>
+                  </a:ext>
+                </a:extLst>
+              </p:cNvPr>
+              <p:cNvSpPr txBox="1"/>
+              <p:nvPr/>
+            </p:nvSpPr>
+            <p:spPr>
+              <a:xfrm>
+                <a:off x="1617129" y="4974318"/>
+                <a:ext cx="676467" cy="738023"/>
+              </a:xfrm>
+              <a:prstGeom prst="rect">
+                <a:avLst/>
+              </a:prstGeom>
+              <a:noFill/>
+            </p:spPr>
+            <p:txBody>
+              <a:bodyPr wrap="none" lIns="0" tIns="0" rIns="0" bIns="0" rtlCol="0">
+                <a:spAutoFit/>
+              </a:bodyPr>
+              <a:lstStyle/>
+              <a:p>
+                <a:pPr/>
+                <a14:m>
+                  <m:oMathPara xmlns:m="http://schemas.openxmlformats.org/officeDocument/2006/math">
+                    <m:oMathParaPr>
+                      <m:jc m:val="centerGroup"/>
+                    </m:oMathParaPr>
+                    <m:oMath xmlns:m="http://schemas.openxmlformats.org/officeDocument/2006/math">
+                      <m:f>
+                        <m:fPr>
+                          <m:ctrlPr>
+                            <a:rPr kumimoji="1" lang="en-US" altLang="ja-JP" sz="1600" b="0" i="1" smtClean="0">
+                              <a:latin typeface="Cambria Math" panose="02040503050406030204" pitchFamily="18" charset="0"/>
+                            </a:rPr>
+                          </m:ctrlPr>
+                        </m:fPr>
+                        <m:num>
+                          <m:r>
+                            <a:rPr kumimoji="1" lang="en-US" altLang="ja-JP" sz="1600" b="0" i="1" smtClean="0">
+                              <a:latin typeface="Cambria Math" panose="02040503050406030204" pitchFamily="18" charset="0"/>
+                            </a:rPr>
+                            <m:t>1</m:t>
+                          </m:r>
+                        </m:num>
+                        <m:den>
+                          <m:r>
+                            <a:rPr kumimoji="1" lang="en-US" altLang="ja-JP" sz="1600" b="0" i="1" smtClean="0">
+                              <a:latin typeface="Cambria Math" panose="02040503050406030204" pitchFamily="18" charset="0"/>
+                            </a:rPr>
+                            <m:t>2</m:t>
+                          </m:r>
+                        </m:den>
+                      </m:f>
+                      <m:r>
+                        <a:rPr kumimoji="1" lang="ja-JP" altLang="en-US" sz="1600" b="0" i="1" smtClean="0">
+                          <a:latin typeface="Cambria Math" panose="02040503050406030204" pitchFamily="18" charset="0"/>
+                        </a:rPr>
+                        <m:t>𝜋</m:t>
+                      </m:r>
+                    </m:oMath>
+                  </m:oMathPara>
+                </a14:m>
+                <a:endParaRPr kumimoji="1" lang="en-US" altLang="ja-JP"/>
+              </a:p>
+              <a:p>
+                <a:r>
+                  <a:rPr lang="en-US" altLang="ja-JP"/>
+                  <a:t>    90°</a:t>
+                </a:r>
+                <a:endParaRPr kumimoji="1" lang="ja-JP" altLang="en-US"/>
+              </a:p>
+            </p:txBody>
+          </p:sp>
+        </mc:Choice>
+        <mc:Fallback>
+          <p:sp>
+            <p:nvSpPr>
+              <p:cNvPr id="55" name="テキスト ボックス 54">
+                <a:extLst>
+                  <a:ext uri="{FF2B5EF4-FFF2-40B4-BE49-F238E27FC236}">
+                    <a16:creationId xmlns:a16="http://schemas.microsoft.com/office/drawing/2014/main" id="{F604F6F6-ABB9-4696-86A1-09F9F54106AB}"/>
+                  </a:ext>
+                </a:extLst>
+              </p:cNvPr>
+              <p:cNvSpPr txBox="1">
+                <a:spLocks noRot="1" noChangeAspect="1" noMove="1" noResize="1" noEditPoints="1" noAdjustHandles="1" noChangeArrowheads="1" noChangeShapeType="1" noTextEdit="1"/>
+              </p:cNvSpPr>
+              <p:nvPr/>
+            </p:nvSpPr>
+            <p:spPr>
+              <a:xfrm>
+                <a:off x="1617129" y="4974318"/>
+                <a:ext cx="676467" cy="738023"/>
+              </a:xfrm>
+              <a:prstGeom prst="rect">
+                <a:avLst/>
+              </a:prstGeom>
+              <a:blipFill>
+                <a:blip r:embed="rId9"/>
+                <a:stretch>
+                  <a:fillRect r="-20721" b="-18182"/>
+                </a:stretch>
+              </a:blipFill>
+            </p:spPr>
+            <p:txBody>
+              <a:bodyPr/>
+              <a:lstStyle/>
+              <a:p>
+                <a:r>
+                  <a:rPr lang="ja-JP" altLang="en-US">
+                    <a:noFill/>
+                  </a:rPr>
+                  <a:t> </a:t>
+                </a:r>
+              </a:p>
+            </p:txBody>
+          </p:sp>
+        </mc:Fallback>
+      </mc:AlternateContent>
+      <mc:AlternateContent xmlns:mc="http://schemas.openxmlformats.org/markup-compatibility/2006">
+        <mc:Choice xmlns:a14="http://schemas.microsoft.com/office/drawing/2010/main" Requires="a14">
+          <p:sp>
+            <p:nvSpPr>
+              <p:cNvPr id="57" name="テキスト ボックス 56">
+                <a:extLst>
+                  <a:ext uri="{FF2B5EF4-FFF2-40B4-BE49-F238E27FC236}">
+                    <a16:creationId xmlns:a16="http://schemas.microsoft.com/office/drawing/2014/main" id="{E4F9E6A0-DD8F-43C8-BA42-513DE37BF664}"/>
+                  </a:ext>
+                </a:extLst>
+              </p:cNvPr>
+              <p:cNvSpPr txBox="1"/>
+              <p:nvPr/>
+            </p:nvSpPr>
+            <p:spPr>
+              <a:xfrm>
+                <a:off x="3123360" y="4919170"/>
+                <a:ext cx="812723" cy="553998"/>
+              </a:xfrm>
+              <a:prstGeom prst="rect">
+                <a:avLst/>
+              </a:prstGeom>
+              <a:noFill/>
+            </p:spPr>
+            <p:txBody>
+              <a:bodyPr wrap="none" lIns="0" tIns="0" rIns="0" bIns="0" rtlCol="0">
+                <a:spAutoFit/>
+              </a:bodyPr>
+              <a:lstStyle/>
+              <a:p>
+                <a:pPr/>
+                <a14:m>
+                  <m:oMathPara xmlns:m="http://schemas.openxmlformats.org/officeDocument/2006/math">
+                    <m:oMathParaPr>
+                      <m:jc m:val="centerGroup"/>
+                    </m:oMathParaPr>
+                    <m:oMath xmlns:m="http://schemas.openxmlformats.org/officeDocument/2006/math">
+                      <m:r>
+                        <a:rPr kumimoji="1" lang="en-US" altLang="ja-JP" b="0" i="1" smtClean="0">
+                          <a:latin typeface="Cambria Math" panose="02040503050406030204" pitchFamily="18" charset="0"/>
+                        </a:rPr>
+                        <m:t>2</m:t>
+                      </m:r>
+                      <m:r>
+                        <a:rPr kumimoji="1" lang="ja-JP" altLang="en-US" b="0" i="1" smtClean="0">
+                          <a:latin typeface="Cambria Math" panose="02040503050406030204" pitchFamily="18" charset="0"/>
+                        </a:rPr>
+                        <m:t>𝜋</m:t>
+                      </m:r>
+                    </m:oMath>
+                  </m:oMathPara>
+                </a14:m>
+                <a:endParaRPr kumimoji="1" lang="en-US" altLang="ja-JP"/>
+              </a:p>
+              <a:p>
+                <a:r>
+                  <a:rPr lang="ja-JP" altLang="en-US"/>
+                  <a:t>　</a:t>
+                </a:r>
+                <a:r>
+                  <a:rPr lang="en-US" altLang="ja-JP"/>
+                  <a:t>360°</a:t>
+                </a:r>
+                <a:endParaRPr kumimoji="1" lang="ja-JP" altLang="en-US"/>
+              </a:p>
+            </p:txBody>
+          </p:sp>
+        </mc:Choice>
+        <mc:Fallback>
+          <p:sp>
+            <p:nvSpPr>
+              <p:cNvPr id="57" name="テキスト ボックス 56">
+                <a:extLst>
+                  <a:ext uri="{FF2B5EF4-FFF2-40B4-BE49-F238E27FC236}">
+                    <a16:creationId xmlns:a16="http://schemas.microsoft.com/office/drawing/2014/main" id="{E4F9E6A0-DD8F-43C8-BA42-513DE37BF664}"/>
+                  </a:ext>
+                </a:extLst>
+              </p:cNvPr>
+              <p:cNvSpPr txBox="1">
+                <a:spLocks noRot="1" noChangeAspect="1" noMove="1" noResize="1" noEditPoints="1" noAdjustHandles="1" noChangeArrowheads="1" noChangeShapeType="1" noTextEdit="1"/>
+              </p:cNvSpPr>
+              <p:nvPr/>
+            </p:nvSpPr>
+            <p:spPr>
+              <a:xfrm>
+                <a:off x="3123360" y="4919170"/>
+                <a:ext cx="812723" cy="553998"/>
+              </a:xfrm>
+              <a:prstGeom prst="rect">
+                <a:avLst/>
+              </a:prstGeom>
+              <a:blipFill>
+                <a:blip r:embed="rId10"/>
+                <a:stretch>
+                  <a:fillRect r="-16418" b="-25275"/>
+                </a:stretch>
+              </a:blipFill>
+            </p:spPr>
+            <p:txBody>
+              <a:bodyPr/>
+              <a:lstStyle/>
+              <a:p>
+                <a:r>
+                  <a:rPr lang="ja-JP" altLang="en-US">
+                    <a:noFill/>
+                  </a:rPr>
+                  <a:t> </a:t>
+                </a:r>
+              </a:p>
+            </p:txBody>
+          </p:sp>
+        </mc:Fallback>
+      </mc:AlternateContent>
+      <p:cxnSp>
+        <p:nvCxnSpPr>
+          <p:cNvPr id="58" name="直線コネクタ 57">
+            <a:extLst>
+              <a:ext uri="{FF2B5EF4-FFF2-40B4-BE49-F238E27FC236}">
+                <a16:creationId xmlns:a16="http://schemas.microsoft.com/office/drawing/2014/main" id="{1B8471F8-E069-4B55-BB85-5B0D3F3C93F8}"/>
+              </a:ext>
+            </a:extLst>
+          </p:cNvPr>
+          <p:cNvCxnSpPr>
+            <a:cxnSpLocks/>
+          </p:cNvCxnSpPr>
+          <p:nvPr/>
+        </p:nvCxnSpPr>
+        <p:spPr>
+          <a:xfrm>
+            <a:off x="3529722" y="3875226"/>
+            <a:ext cx="0" cy="1032324"/>
+          </a:xfrm>
+          <a:prstGeom prst="line">
+            <a:avLst/>
+          </a:prstGeom>
+          <a:ln w="19050">
+            <a:solidFill>
+              <a:srgbClr val="0070C0"/>
+            </a:solidFill>
+            <a:prstDash val="sysDot"/>
+          </a:ln>
+        </p:spPr>
+        <p:style>
+          <a:lnRef idx="1">
+            <a:schemeClr val="accent1"/>
+          </a:lnRef>
+          <a:fillRef idx="0">
+            <a:schemeClr val="accent1"/>
+          </a:fillRef>
+          <a:effectRef idx="0">
+            <a:schemeClr val="accent1"/>
+          </a:effectRef>
+          <a:fontRef idx="minor">
+            <a:schemeClr val="tx1"/>
+          </a:fontRef>
+        </p:style>
+      </p:cxnSp>
+      <p:cxnSp>
+        <p:nvCxnSpPr>
+          <p:cNvPr id="60" name="直線コネクタ 59">
+            <a:extLst>
+              <a:ext uri="{FF2B5EF4-FFF2-40B4-BE49-F238E27FC236}">
+                <a16:creationId xmlns:a16="http://schemas.microsoft.com/office/drawing/2014/main" id="{3813BABE-7C76-486D-BAB9-79A3D709B7EE}"/>
+              </a:ext>
+            </a:extLst>
+          </p:cNvPr>
+          <p:cNvCxnSpPr>
+            <a:cxnSpLocks/>
+          </p:cNvCxnSpPr>
+          <p:nvPr/>
+        </p:nvCxnSpPr>
+        <p:spPr>
+          <a:xfrm>
+            <a:off x="1867784" y="3886846"/>
+            <a:ext cx="0" cy="1032324"/>
+          </a:xfrm>
+          <a:prstGeom prst="line">
+            <a:avLst/>
+          </a:prstGeom>
+          <a:ln w="19050">
+            <a:solidFill>
+              <a:srgbClr val="0070C0"/>
+            </a:solidFill>
+            <a:prstDash val="sysDot"/>
+          </a:ln>
+        </p:spPr>
+        <p:style>
+          <a:lnRef idx="1">
+            <a:schemeClr val="accent1"/>
+          </a:lnRef>
+          <a:fillRef idx="0">
+            <a:schemeClr val="accent1"/>
+          </a:fillRef>
+          <a:effectRef idx="0">
+            <a:schemeClr val="accent1"/>
+          </a:effectRef>
+          <a:fontRef idx="minor">
+            <a:schemeClr val="tx1"/>
+          </a:fontRef>
+        </p:style>
+      </p:cxnSp>
+    </p:spTree>
+    <p:extLst>
+      <p:ext uri="{BB962C8B-B14F-4D97-AF65-F5344CB8AC3E}">
+        <p14:creationId xmlns:p14="http://schemas.microsoft.com/office/powerpoint/2010/main" val="2315165091"/>
+      </p:ext>
+    </p:extLst>
+  </p:cSld>
+  <p:clrMapOvr>
+    <a:masterClrMapping/>
+  </p:clrMapOvr>
+</p:sld>
+</file>
+
+<file path=ppt/slides/slide7.xml><?xml version="1.0" encoding="utf-8"?>
+<p:sld xmlns:a="http://schemas.openxmlformats.org/drawingml/2006/main" xmlns:r="http://schemas.openxmlformats.org/officeDocument/2006/relationships" xmlns:p="http://schemas.openxmlformats.org/presentationml/2006/main">
+  <p:cSld>
+    <p:spTree>
+      <p:nvGrpSpPr>
+        <p:cNvPr id="1" name=""/>
+        <p:cNvGrpSpPr/>
+        <p:nvPr/>
+      </p:nvGrpSpPr>
+      <p:grpSpPr>
+        <a:xfrm>
+          <a:off x="0" y="0"/>
+          <a:ext cx="0" cy="0"/>
+          <a:chOff x="0" y="0"/>
+          <a:chExt cx="0" cy="0"/>
+        </a:xfrm>
+      </p:grpSpPr>
+      <p:sp>
+        <p:nvSpPr>
+          <p:cNvPr id="4" name="タイトル 3">
+            <a:extLst>
+              <a:ext uri="{FF2B5EF4-FFF2-40B4-BE49-F238E27FC236}">
+                <a16:creationId xmlns:a16="http://schemas.microsoft.com/office/drawing/2014/main" id="{A95901B0-501D-484B-88A5-91DBAEB9FB7A}"/>
+              </a:ext>
+            </a:extLst>
+          </p:cNvPr>
+          <p:cNvSpPr>
+            <a:spLocks noGrp="1"/>
+          </p:cNvSpPr>
+          <p:nvPr>
+            <p:ph type="title"/>
+          </p:nvPr>
+        </p:nvSpPr>
+        <p:spPr/>
+        <p:txBody>
+          <a:bodyPr/>
+          <a:lstStyle/>
+          <a:p>
+            <a:r>
+              <a:rPr lang="ja-JP" altLang="en-US" dirty="0"/>
+              <a:t>三角関数</a:t>
+            </a:r>
+          </a:p>
+        </p:txBody>
+      </p:sp>
+      <mc:AlternateContent xmlns:mc="http://schemas.openxmlformats.org/markup-compatibility/2006">
+        <mc:Choice xmlns:a14="http://schemas.microsoft.com/office/drawing/2010/main" Requires="a14">
+          <p:sp>
+            <p:nvSpPr>
+              <p:cNvPr id="11" name="コンテンツ プレースホルダー 10">
+                <a:extLst>
+                  <a:ext uri="{FF2B5EF4-FFF2-40B4-BE49-F238E27FC236}">
+                    <a16:creationId xmlns:a16="http://schemas.microsoft.com/office/drawing/2014/main" id="{887E8EBB-5154-4DD8-B2B7-711A95B93063}"/>
+                  </a:ext>
+                </a:extLst>
+              </p:cNvPr>
+              <p:cNvSpPr>
+                <a:spLocks noGrp="1"/>
+              </p:cNvSpPr>
+              <p:nvPr>
+                <p:ph sz="quarter" idx="13"/>
+              </p:nvPr>
+            </p:nvSpPr>
+            <p:spPr/>
+            <p:txBody>
+              <a:bodyPr/>
+              <a:lstStyle/>
+              <a:p>
+                <a:r>
+                  <a:rPr lang="ja-JP" altLang="en-US" dirty="0"/>
+                  <a:t>三角関数の定義</a:t>
+                </a:r>
+                <a:endParaRPr lang="en-US" altLang="ja-JP" dirty="0"/>
+              </a:p>
+              <a:p>
+                <a:pPr marL="107997" lvl="1" indent="0">
+                  <a:buNone/>
+                </a:pPr>
+                <a:r>
+                  <a:rPr lang="ja-JP" altLang="en-US" dirty="0"/>
+                  <a:t>角度</a:t>
+                </a:r>
+                <a14:m>
+                  <m:oMath xmlns:m="http://schemas.openxmlformats.org/officeDocument/2006/math">
+                    <m:r>
+                      <m:rPr>
+                        <m:sty m:val="p"/>
+                      </m:rPr>
+                      <a:rPr lang="en-US" altLang="ja-JP" i="1" dirty="0">
+                        <a:latin typeface="Cambria Math" panose="02040503050406030204" pitchFamily="18" charset="0"/>
+                      </a:rPr>
+                      <m:t>α</m:t>
+                    </m:r>
+                  </m:oMath>
+                </a14:m>
+                <a:r>
+                  <a:rPr lang="ja-JP" altLang="en-US" dirty="0"/>
+                  <a:t>に関して</a:t>
+                </a:r>
+                <a:endParaRPr lang="en-US" altLang="ja-JP" dirty="0"/>
+              </a:p>
+              <a:p>
+                <a:endParaRPr lang="ja-JP" altLang="en-US" dirty="0"/>
+              </a:p>
+              <a:p>
+                <a:endParaRPr lang="en-US" altLang="ja-JP" dirty="0"/>
+              </a:p>
+            </p:txBody>
+          </p:sp>
+        </mc:Choice>
+        <mc:Fallback>
+          <p:sp>
+            <p:nvSpPr>
+              <p:cNvPr id="11" name="コンテンツ プレースホルダー 10">
+                <a:extLst>
+                  <a:ext uri="{FF2B5EF4-FFF2-40B4-BE49-F238E27FC236}">
+                    <a16:creationId xmlns:a16="http://schemas.microsoft.com/office/drawing/2014/main" id="{887E8EBB-5154-4DD8-B2B7-711A95B93063}"/>
+                  </a:ext>
+                </a:extLst>
+              </p:cNvPr>
+              <p:cNvSpPr>
+                <a:spLocks noGrp="1" noRot="1" noChangeAspect="1" noMove="1" noResize="1" noEditPoints="1" noAdjustHandles="1" noChangeArrowheads="1" noChangeShapeType="1" noTextEdit="1"/>
+              </p:cNvSpPr>
+              <p:nvPr>
+                <p:ph sz="quarter" idx="13"/>
+              </p:nvPr>
+            </p:nvSpPr>
+            <p:spPr>
+              <a:blipFill>
+                <a:blip r:embed="rId3"/>
+                <a:stretch>
+                  <a:fillRect l="-2705" t="-2261"/>
+                </a:stretch>
+              </a:blipFill>
+            </p:spPr>
+            <p:txBody>
+              <a:bodyPr/>
+              <a:lstStyle/>
+              <a:p>
+                <a:r>
+                  <a:rPr lang="ja-JP" altLang="en-US">
+                    <a:noFill/>
+                  </a:rPr>
+                  <a:t> </a:t>
+                </a:r>
+              </a:p>
+            </p:txBody>
+          </p:sp>
+        </mc:Fallback>
+      </mc:AlternateContent>
+      <p:sp>
+        <p:nvSpPr>
+          <p:cNvPr id="6" name="直角三角形 5">
+            <a:extLst>
+              <a:ext uri="{FF2B5EF4-FFF2-40B4-BE49-F238E27FC236}">
+                <a16:creationId xmlns:a16="http://schemas.microsoft.com/office/drawing/2014/main" id="{72DDB680-EC0F-4BBC-B7BB-D1DB99F7EC67}"/>
+              </a:ext>
+            </a:extLst>
+          </p:cNvPr>
+          <p:cNvSpPr/>
+          <p:nvPr/>
+        </p:nvSpPr>
+        <p:spPr>
+          <a:xfrm flipH="1">
+            <a:off x="5518690" y="2785483"/>
+            <a:ext cx="2850204" cy="2247090"/>
+          </a:xfrm>
+          <a:prstGeom prst="rtTriangle">
+            <a:avLst/>
+          </a:prstGeom>
+          <a:noFill/>
+          <a:ln w="19050">
+            <a:solidFill>
+              <a:srgbClr val="262626"/>
+            </a:solidFill>
+          </a:ln>
+        </p:spPr>
+        <p:style>
+          <a:lnRef idx="2">
+            <a:schemeClr val="accent1">
+              <a:shade val="50000"/>
+            </a:schemeClr>
+          </a:lnRef>
+          <a:fillRef idx="1">
+            <a:schemeClr val="accent1"/>
+          </a:fillRef>
+          <a:effectRef idx="0">
+            <a:schemeClr val="accent1"/>
+          </a:effectRef>
+          <a:fontRef idx="minor">
+            <a:schemeClr val="lt1"/>
+          </a:fontRef>
+        </p:style>
+        <p:txBody>
+          <a:bodyPr rtlCol="0" anchor="ctr"/>
+          <a:lstStyle/>
+          <a:p>
+            <a:pPr algn="ctr"/>
+            <a:endParaRPr kumimoji="1" lang="ja-JP" altLang="en-US"/>
+          </a:p>
+        </p:txBody>
+      </p:sp>
+      <p:sp>
+        <p:nvSpPr>
+          <p:cNvPr id="7" name="正方形/長方形 6">
+            <a:extLst>
+              <a:ext uri="{FF2B5EF4-FFF2-40B4-BE49-F238E27FC236}">
+                <a16:creationId xmlns:a16="http://schemas.microsoft.com/office/drawing/2014/main" id="{9E0A45EB-C8FE-48B9-BE14-2CA2BC2C535F}"/>
+              </a:ext>
+            </a:extLst>
+          </p:cNvPr>
+          <p:cNvSpPr/>
+          <p:nvPr/>
+        </p:nvSpPr>
+        <p:spPr>
+          <a:xfrm>
+            <a:off x="8198926" y="4865405"/>
+            <a:ext cx="165370" cy="165370"/>
+          </a:xfrm>
+          <a:prstGeom prst="rect">
+            <a:avLst/>
+          </a:prstGeom>
+          <a:noFill/>
+          <a:ln w="19050">
+            <a:solidFill>
+              <a:srgbClr val="262626"/>
+            </a:solidFill>
+          </a:ln>
+        </p:spPr>
+        <p:style>
+          <a:lnRef idx="2">
+            <a:schemeClr val="accent1">
+              <a:shade val="50000"/>
+            </a:schemeClr>
+          </a:lnRef>
+          <a:fillRef idx="1">
+            <a:schemeClr val="accent1"/>
+          </a:fillRef>
+          <a:effectRef idx="0">
+            <a:schemeClr val="accent1"/>
+          </a:effectRef>
+          <a:fontRef idx="minor">
+            <a:schemeClr val="lt1"/>
+          </a:fontRef>
+        </p:style>
+        <p:txBody>
+          <a:bodyPr rtlCol="0" anchor="ctr"/>
+          <a:lstStyle/>
+          <a:p>
+            <a:pPr algn="ctr"/>
+            <a:endParaRPr kumimoji="1" lang="ja-JP" altLang="en-US"/>
+          </a:p>
+        </p:txBody>
+      </p:sp>
+      <p:sp>
+        <p:nvSpPr>
+          <p:cNvPr id="10" name="円弧 9">
+            <a:extLst>
+              <a:ext uri="{FF2B5EF4-FFF2-40B4-BE49-F238E27FC236}">
+                <a16:creationId xmlns:a16="http://schemas.microsoft.com/office/drawing/2014/main" id="{DF742DF1-7F4A-4F0E-B09E-EE451063D2B6}"/>
+              </a:ext>
+            </a:extLst>
+          </p:cNvPr>
+          <p:cNvSpPr/>
+          <p:nvPr/>
+        </p:nvSpPr>
+        <p:spPr>
+          <a:xfrm>
+            <a:off x="5636428" y="4811903"/>
+            <a:ext cx="247315" cy="487767"/>
+          </a:xfrm>
+          <a:prstGeom prst="arc">
+            <a:avLst>
+              <a:gd name="adj1" fmla="val 16566001"/>
+              <a:gd name="adj2" fmla="val 20822784"/>
+            </a:avLst>
+          </a:prstGeom>
+          <a:ln w="19050">
+            <a:solidFill>
+              <a:srgbClr val="262626"/>
+            </a:solidFill>
+          </a:ln>
+        </p:spPr>
+        <p:style>
+          <a:lnRef idx="1">
+            <a:schemeClr val="accent1"/>
+          </a:lnRef>
+          <a:fillRef idx="0">
+            <a:schemeClr val="accent1"/>
+          </a:fillRef>
+          <a:effectRef idx="0">
+            <a:schemeClr val="accent1"/>
+          </a:effectRef>
+          <a:fontRef idx="minor">
+            <a:schemeClr val="tx1"/>
+          </a:fontRef>
+        </p:style>
+        <p:txBody>
+          <a:bodyPr rtlCol="0" anchor="ctr"/>
+          <a:lstStyle/>
+          <a:p>
+            <a:pPr algn="ctr"/>
+            <a:endParaRPr kumimoji="1" lang="ja-JP" altLang="en-US"/>
+          </a:p>
+        </p:txBody>
+      </p:sp>
+      <mc:AlternateContent xmlns:mc="http://schemas.openxmlformats.org/markup-compatibility/2006">
+        <mc:Choice xmlns:a14="http://schemas.microsoft.com/office/drawing/2010/main" Requires="a14">
+          <p:sp>
+            <p:nvSpPr>
+              <p:cNvPr id="12" name="テキスト ボックス 11">
+                <a:extLst>
+                  <a:ext uri="{FF2B5EF4-FFF2-40B4-BE49-F238E27FC236}">
+                    <a16:creationId xmlns:a16="http://schemas.microsoft.com/office/drawing/2014/main" id="{47397339-1752-49E2-A873-47B7FEAAA8B2}"/>
+                  </a:ext>
+                </a:extLst>
+              </p:cNvPr>
+              <p:cNvSpPr txBox="1"/>
+              <p:nvPr/>
+            </p:nvSpPr>
+            <p:spPr>
+              <a:xfrm>
+                <a:off x="5927963" y="4629625"/>
+                <a:ext cx="245259" cy="369332"/>
+              </a:xfrm>
+              <a:prstGeom prst="rect">
+                <a:avLst/>
+              </a:prstGeom>
+              <a:noFill/>
+            </p:spPr>
+            <p:txBody>
+              <a:bodyPr wrap="none" lIns="0" tIns="0" rIns="0" bIns="0" rtlCol="0">
+                <a:spAutoFit/>
+              </a:bodyPr>
+              <a:lstStyle/>
+              <a:p>
+                <a:pPr/>
+                <a14:m>
+                  <m:oMathPara xmlns:m="http://schemas.openxmlformats.org/officeDocument/2006/math">
+                    <m:oMathParaPr>
+                      <m:jc m:val="centerGroup"/>
+                    </m:oMathParaPr>
+                    <m:oMath xmlns:m="http://schemas.openxmlformats.org/officeDocument/2006/math">
+                      <m:r>
+                        <m:rPr>
+                          <m:sty m:val="p"/>
+                        </m:rPr>
+                        <a:rPr lang="en-US" altLang="ja-JP" sz="2400" i="1">
+                          <a:latin typeface="Cambria Math" panose="02040503050406030204" pitchFamily="18" charset="0"/>
+                        </a:rPr>
+                        <m:t>α</m:t>
+                      </m:r>
+                    </m:oMath>
+                  </m:oMathPara>
+                </a14:m>
+                <a:endParaRPr kumimoji="1" lang="ja-JP" altLang="en-US" sz="2400" dirty="0"/>
+              </a:p>
+            </p:txBody>
+          </p:sp>
+        </mc:Choice>
+        <mc:Fallback>
+          <p:sp>
+            <p:nvSpPr>
+              <p:cNvPr id="12" name="テキスト ボックス 11">
+                <a:extLst>
+                  <a:ext uri="{FF2B5EF4-FFF2-40B4-BE49-F238E27FC236}">
+                    <a16:creationId xmlns:a16="http://schemas.microsoft.com/office/drawing/2014/main" id="{47397339-1752-49E2-A873-47B7FEAAA8B2}"/>
+                  </a:ext>
+                </a:extLst>
+              </p:cNvPr>
+              <p:cNvSpPr txBox="1">
+                <a:spLocks noRot="1" noChangeAspect="1" noMove="1" noResize="1" noEditPoints="1" noAdjustHandles="1" noChangeArrowheads="1" noChangeShapeType="1" noTextEdit="1"/>
+              </p:cNvSpPr>
+              <p:nvPr/>
+            </p:nvSpPr>
+            <p:spPr>
+              <a:xfrm>
+                <a:off x="5927963" y="4629625"/>
+                <a:ext cx="245259" cy="369332"/>
+              </a:xfrm>
+              <a:prstGeom prst="rect">
+                <a:avLst/>
+              </a:prstGeom>
+              <a:blipFill>
+                <a:blip r:embed="rId4"/>
+                <a:stretch>
+                  <a:fillRect l="-14634" r="-17073"/>
+                </a:stretch>
+              </a:blipFill>
+            </p:spPr>
+            <p:txBody>
+              <a:bodyPr/>
+              <a:lstStyle/>
+              <a:p>
+                <a:r>
+                  <a:rPr lang="ja-JP" altLang="en-US">
+                    <a:noFill/>
+                  </a:rPr>
+                  <a:t> </a:t>
+                </a:r>
+              </a:p>
+            </p:txBody>
+          </p:sp>
+        </mc:Fallback>
+      </mc:AlternateContent>
+      <mc:AlternateContent xmlns:mc="http://schemas.openxmlformats.org/markup-compatibility/2006">
+        <mc:Choice xmlns:a14="http://schemas.microsoft.com/office/drawing/2010/main" Requires="a14">
+          <p:sp>
+            <p:nvSpPr>
+              <p:cNvPr id="13" name="テキスト ボックス 12">
+                <a:extLst>
+                  <a:ext uri="{FF2B5EF4-FFF2-40B4-BE49-F238E27FC236}">
+                    <a16:creationId xmlns:a16="http://schemas.microsoft.com/office/drawing/2014/main" id="{46BBD437-2407-473E-8A52-1A2383E72E00}"/>
+                  </a:ext>
+                </a:extLst>
+              </p:cNvPr>
+              <p:cNvSpPr txBox="1"/>
+              <p:nvPr/>
+            </p:nvSpPr>
+            <p:spPr>
+              <a:xfrm>
+                <a:off x="6821162" y="5008525"/>
+                <a:ext cx="245259" cy="369332"/>
+              </a:xfrm>
+              <a:prstGeom prst="rect">
+                <a:avLst/>
+              </a:prstGeom>
+              <a:noFill/>
+            </p:spPr>
+            <p:txBody>
+              <a:bodyPr wrap="none" lIns="0" tIns="0" rIns="0" bIns="0" rtlCol="0">
+                <a:spAutoFit/>
+              </a:bodyPr>
+              <a:lstStyle/>
+              <a:p>
+                <a:pPr/>
+                <a14:m>
+                  <m:oMathPara xmlns:m="http://schemas.openxmlformats.org/officeDocument/2006/math">
+                    <m:oMathParaPr>
+                      <m:jc m:val="centerGroup"/>
+                    </m:oMathParaPr>
+                    <m:oMath xmlns:m="http://schemas.openxmlformats.org/officeDocument/2006/math">
+                      <m:r>
+                        <a:rPr lang="en-US" altLang="ja-JP" sz="2400" b="0" i="1" smtClean="0">
+                          <a:latin typeface="Cambria Math" panose="02040503050406030204" pitchFamily="18" charset="0"/>
+                        </a:rPr>
+                        <m:t>𝑥</m:t>
+                      </m:r>
+                    </m:oMath>
+                  </m:oMathPara>
+                </a14:m>
+                <a:endParaRPr kumimoji="1" lang="ja-JP" altLang="en-US" sz="2400" dirty="0"/>
+              </a:p>
+            </p:txBody>
+          </p:sp>
+        </mc:Choice>
+        <mc:Fallback>
+          <p:sp>
+            <p:nvSpPr>
+              <p:cNvPr id="13" name="テキスト ボックス 12">
+                <a:extLst>
+                  <a:ext uri="{FF2B5EF4-FFF2-40B4-BE49-F238E27FC236}">
+                    <a16:creationId xmlns:a16="http://schemas.microsoft.com/office/drawing/2014/main" id="{46BBD437-2407-473E-8A52-1A2383E72E00}"/>
+                  </a:ext>
+                </a:extLst>
+              </p:cNvPr>
+              <p:cNvSpPr txBox="1">
+                <a:spLocks noRot="1" noChangeAspect="1" noMove="1" noResize="1" noEditPoints="1" noAdjustHandles="1" noChangeArrowheads="1" noChangeShapeType="1" noTextEdit="1"/>
+              </p:cNvSpPr>
+              <p:nvPr/>
+            </p:nvSpPr>
+            <p:spPr>
+              <a:xfrm>
+                <a:off x="6821162" y="5008525"/>
+                <a:ext cx="245259" cy="369332"/>
+              </a:xfrm>
+              <a:prstGeom prst="rect">
+                <a:avLst/>
+              </a:prstGeom>
+              <a:blipFill>
+                <a:blip r:embed="rId5"/>
+                <a:stretch>
+                  <a:fillRect l="-17500" r="-12500"/>
+                </a:stretch>
+              </a:blipFill>
+            </p:spPr>
+            <p:txBody>
+              <a:bodyPr/>
+              <a:lstStyle/>
+              <a:p>
+                <a:r>
+                  <a:rPr lang="ja-JP" altLang="en-US">
+                    <a:noFill/>
+                  </a:rPr>
+                  <a:t> </a:t>
+                </a:r>
+              </a:p>
+            </p:txBody>
+          </p:sp>
+        </mc:Fallback>
+      </mc:AlternateContent>
+      <mc:AlternateContent xmlns:mc="http://schemas.openxmlformats.org/markup-compatibility/2006">
+        <mc:Choice xmlns:a14="http://schemas.microsoft.com/office/drawing/2010/main" Requires="a14">
+          <p:sp>
+            <p:nvSpPr>
+              <p:cNvPr id="14" name="テキスト ボックス 13">
+                <a:extLst>
+                  <a:ext uri="{FF2B5EF4-FFF2-40B4-BE49-F238E27FC236}">
+                    <a16:creationId xmlns:a16="http://schemas.microsoft.com/office/drawing/2014/main" id="{3E8D6903-DCB8-4CEF-A2E4-280CE4CD723D}"/>
+                  </a:ext>
+                </a:extLst>
+              </p:cNvPr>
+              <p:cNvSpPr txBox="1"/>
+              <p:nvPr/>
+            </p:nvSpPr>
+            <p:spPr>
+              <a:xfrm>
+                <a:off x="8432712" y="3682321"/>
+                <a:ext cx="245259" cy="369332"/>
+              </a:xfrm>
+              <a:prstGeom prst="rect">
+                <a:avLst/>
+              </a:prstGeom>
+              <a:noFill/>
+            </p:spPr>
+            <p:txBody>
+              <a:bodyPr wrap="none" lIns="0" tIns="0" rIns="0" bIns="0" rtlCol="0">
+                <a:spAutoFit/>
+              </a:bodyPr>
+              <a:lstStyle/>
+              <a:p>
+                <a:pPr/>
+                <a14:m>
+                  <m:oMathPara xmlns:m="http://schemas.openxmlformats.org/officeDocument/2006/math">
+                    <m:oMathParaPr>
+                      <m:jc m:val="centerGroup"/>
+                    </m:oMathParaPr>
+                    <m:oMath xmlns:m="http://schemas.openxmlformats.org/officeDocument/2006/math">
+                      <m:r>
+                        <a:rPr lang="en-US" altLang="ja-JP" sz="2400" b="0" i="1" smtClean="0">
+                          <a:latin typeface="Cambria Math" panose="02040503050406030204" pitchFamily="18" charset="0"/>
+                        </a:rPr>
+                        <m:t>𝑦</m:t>
+                      </m:r>
+                    </m:oMath>
+                  </m:oMathPara>
+                </a14:m>
+                <a:endParaRPr kumimoji="1" lang="ja-JP" altLang="en-US" sz="2400" dirty="0"/>
+              </a:p>
+            </p:txBody>
+          </p:sp>
+        </mc:Choice>
+        <mc:Fallback>
+          <p:sp>
+            <p:nvSpPr>
+              <p:cNvPr id="14" name="テキスト ボックス 13">
+                <a:extLst>
+                  <a:ext uri="{FF2B5EF4-FFF2-40B4-BE49-F238E27FC236}">
+                    <a16:creationId xmlns:a16="http://schemas.microsoft.com/office/drawing/2014/main" id="{3E8D6903-DCB8-4CEF-A2E4-280CE4CD723D}"/>
+                  </a:ext>
+                </a:extLst>
+              </p:cNvPr>
+              <p:cNvSpPr txBox="1">
+                <a:spLocks noRot="1" noChangeAspect="1" noMove="1" noResize="1" noEditPoints="1" noAdjustHandles="1" noChangeArrowheads="1" noChangeShapeType="1" noTextEdit="1"/>
+              </p:cNvSpPr>
+              <p:nvPr/>
+            </p:nvSpPr>
+            <p:spPr>
+              <a:xfrm>
+                <a:off x="8432712" y="3682321"/>
+                <a:ext cx="245259" cy="369332"/>
+              </a:xfrm>
+              <a:prstGeom prst="rect">
+                <a:avLst/>
+              </a:prstGeom>
+              <a:blipFill>
+                <a:blip r:embed="rId6"/>
+                <a:stretch>
+                  <a:fillRect l="-29268" r="-26829" b="-24590"/>
+                </a:stretch>
+              </a:blipFill>
+            </p:spPr>
+            <p:txBody>
+              <a:bodyPr/>
+              <a:lstStyle/>
+              <a:p>
+                <a:r>
+                  <a:rPr lang="ja-JP" altLang="en-US">
+                    <a:noFill/>
+                  </a:rPr>
+                  <a:t> </a:t>
+                </a:r>
+              </a:p>
+            </p:txBody>
+          </p:sp>
+        </mc:Fallback>
+      </mc:AlternateContent>
+      <mc:AlternateContent xmlns:mc="http://schemas.openxmlformats.org/markup-compatibility/2006">
+        <mc:Choice xmlns:a14="http://schemas.microsoft.com/office/drawing/2010/main" Requires="a14">
+          <p:sp>
+            <p:nvSpPr>
+              <p:cNvPr id="15" name="テキスト ボックス 14">
+                <a:extLst>
+                  <a:ext uri="{FF2B5EF4-FFF2-40B4-BE49-F238E27FC236}">
+                    <a16:creationId xmlns:a16="http://schemas.microsoft.com/office/drawing/2014/main" id="{1EF4EEE9-C935-490B-8991-B78B9AD98E36}"/>
+                  </a:ext>
+                </a:extLst>
+              </p:cNvPr>
+              <p:cNvSpPr txBox="1"/>
+              <p:nvPr/>
+            </p:nvSpPr>
+            <p:spPr>
+              <a:xfrm>
+                <a:off x="6649307" y="3503981"/>
+                <a:ext cx="221535" cy="369332"/>
+              </a:xfrm>
+              <a:prstGeom prst="rect">
+                <a:avLst/>
+              </a:prstGeom>
+              <a:noFill/>
+            </p:spPr>
+            <p:txBody>
+              <a:bodyPr wrap="none" lIns="0" tIns="0" rIns="0" bIns="0" rtlCol="0">
+                <a:spAutoFit/>
+              </a:bodyPr>
+              <a:lstStyle/>
+              <a:p>
+                <a:pPr/>
+                <a14:m>
+                  <m:oMathPara xmlns:m="http://schemas.openxmlformats.org/officeDocument/2006/math">
+                    <m:oMathParaPr>
+                      <m:jc m:val="centerGroup"/>
+                    </m:oMathParaPr>
+                    <m:oMath xmlns:m="http://schemas.openxmlformats.org/officeDocument/2006/math">
+                      <m:r>
+                        <a:rPr lang="en-US" altLang="ja-JP" sz="2400" b="0" i="1" smtClean="0">
+                          <a:latin typeface="Cambria Math" panose="02040503050406030204" pitchFamily="18" charset="0"/>
+                        </a:rPr>
+                        <m:t>𝑟</m:t>
+                      </m:r>
+                    </m:oMath>
+                  </m:oMathPara>
+                </a14:m>
+                <a:endParaRPr kumimoji="1" lang="ja-JP" altLang="en-US" sz="2400" dirty="0"/>
+              </a:p>
+            </p:txBody>
+          </p:sp>
+        </mc:Choice>
+        <mc:Fallback>
+          <p:sp>
+            <p:nvSpPr>
+              <p:cNvPr id="15" name="テキスト ボックス 14">
+                <a:extLst>
+                  <a:ext uri="{FF2B5EF4-FFF2-40B4-BE49-F238E27FC236}">
+                    <a16:creationId xmlns:a16="http://schemas.microsoft.com/office/drawing/2014/main" id="{1EF4EEE9-C935-490B-8991-B78B9AD98E36}"/>
+                  </a:ext>
+                </a:extLst>
+              </p:cNvPr>
+              <p:cNvSpPr txBox="1">
+                <a:spLocks noRot="1" noChangeAspect="1" noMove="1" noResize="1" noEditPoints="1" noAdjustHandles="1" noChangeArrowheads="1" noChangeShapeType="1" noTextEdit="1"/>
+              </p:cNvSpPr>
+              <p:nvPr/>
+            </p:nvSpPr>
+            <p:spPr>
+              <a:xfrm>
+                <a:off x="6649307" y="3503981"/>
+                <a:ext cx="221535" cy="369332"/>
+              </a:xfrm>
+              <a:prstGeom prst="rect">
+                <a:avLst/>
+              </a:prstGeom>
+              <a:blipFill>
+                <a:blip r:embed="rId7"/>
+                <a:stretch>
+                  <a:fillRect l="-19444" r="-16667"/>
+                </a:stretch>
+              </a:blipFill>
+            </p:spPr>
+            <p:txBody>
+              <a:bodyPr/>
+              <a:lstStyle/>
+              <a:p>
+                <a:r>
+                  <a:rPr lang="ja-JP" altLang="en-US">
+                    <a:noFill/>
+                  </a:rPr>
+                  <a:t> </a:t>
+                </a:r>
+              </a:p>
+            </p:txBody>
+          </p:sp>
+        </mc:Fallback>
+      </mc:AlternateContent>
+      <mc:AlternateContent xmlns:mc="http://schemas.openxmlformats.org/markup-compatibility/2006">
+        <mc:Choice xmlns:a14="http://schemas.microsoft.com/office/drawing/2010/main" Requires="a14">
+          <p:sp>
+            <p:nvSpPr>
+              <p:cNvPr id="16" name="正方形/長方形 15">
+                <a:extLst>
+                  <a:ext uri="{FF2B5EF4-FFF2-40B4-BE49-F238E27FC236}">
+                    <a16:creationId xmlns:a16="http://schemas.microsoft.com/office/drawing/2014/main" id="{75B297A5-7551-4FDC-8CAB-2F38CCFB7730}"/>
+                  </a:ext>
+                </a:extLst>
+              </p:cNvPr>
+              <p:cNvSpPr/>
+              <p:nvPr/>
+            </p:nvSpPr>
+            <p:spPr>
+              <a:xfrm>
+                <a:off x="1026455" y="2531947"/>
+                <a:ext cx="2284101" cy="3557962"/>
+              </a:xfrm>
+              <a:prstGeom prst="rect">
+                <a:avLst/>
+              </a:prstGeom>
+            </p:spPr>
+            <p:txBody>
+              <a:bodyPr wrap="square">
+                <a:spAutoFit/>
+              </a:bodyPr>
+              <a:lstStyle/>
+              <a:p>
+                <a:pPr>
+                  <a:lnSpc>
+                    <a:spcPct val="150000"/>
+                  </a:lnSpc>
+                </a:pPr>
+                <a14:m>
+                  <m:oMathPara xmlns:m="http://schemas.openxmlformats.org/officeDocument/2006/math">
+                    <m:oMathParaPr>
+                      <m:jc m:val="centerGroup"/>
+                    </m:oMathParaPr>
+                    <m:oMath xmlns:m="http://schemas.openxmlformats.org/officeDocument/2006/math">
+                      <m:func>
+                        <m:funcPr>
+                          <m:ctrlPr>
+                            <a:rPr lang="en-US" altLang="ja-JP" sz="2800" i="1">
+                              <a:latin typeface="Cambria Math" panose="02040503050406030204" pitchFamily="18" charset="0"/>
+                            </a:rPr>
+                          </m:ctrlPr>
+                        </m:funcPr>
+                        <m:fName>
+                          <m:r>
+                            <m:rPr>
+                              <m:sty m:val="p"/>
+                            </m:rPr>
+                            <a:rPr lang="en-US" altLang="ja-JP" sz="2800">
+                              <a:latin typeface="Cambria Math" panose="02040503050406030204" pitchFamily="18" charset="0"/>
+                            </a:rPr>
+                            <m:t>sin</m:t>
+                          </m:r>
+                        </m:fName>
+                        <m:e>
+                          <m:r>
+                            <m:rPr>
+                              <m:sty m:val="p"/>
+                            </m:rPr>
+                            <a:rPr lang="en-US" altLang="ja-JP" sz="2800" i="1">
+                              <a:latin typeface="Cambria Math" panose="02040503050406030204" pitchFamily="18" charset="0"/>
+                            </a:rPr>
+                            <m:t>α</m:t>
+                          </m:r>
+                        </m:e>
+                      </m:func>
+                      <m:r>
+                        <a:rPr lang="en-US" altLang="ja-JP" sz="2800" i="1">
+                          <a:latin typeface="Cambria Math" panose="02040503050406030204" pitchFamily="18" charset="0"/>
+                        </a:rPr>
+                        <m:t>=</m:t>
+                      </m:r>
+                      <m:f>
+                        <m:fPr>
+                          <m:ctrlPr>
+                            <a:rPr lang="en-US" altLang="ja-JP" sz="2800" i="1">
+                              <a:latin typeface="Cambria Math" panose="02040503050406030204" pitchFamily="18" charset="0"/>
+                            </a:rPr>
+                          </m:ctrlPr>
+                        </m:fPr>
+                        <m:num>
+                          <m:r>
+                            <a:rPr lang="en-US" altLang="ja-JP" sz="2800" i="1">
+                              <a:latin typeface="Cambria Math" panose="02040503050406030204" pitchFamily="18" charset="0"/>
+                            </a:rPr>
+                            <m:t>𝑦</m:t>
+                          </m:r>
+                        </m:num>
+                        <m:den>
+                          <m:r>
+                            <a:rPr lang="en-US" altLang="ja-JP" sz="2800" i="1">
+                              <a:latin typeface="Cambria Math" panose="02040503050406030204" pitchFamily="18" charset="0"/>
+                            </a:rPr>
+                            <m:t>𝑟</m:t>
+                          </m:r>
+                        </m:den>
+                      </m:f>
+                    </m:oMath>
+                  </m:oMathPara>
+                </a14:m>
+                <a:endParaRPr lang="en-US" altLang="ja-JP" sz="2800" i="1" dirty="0">
+                  <a:latin typeface="Cambria Math" panose="02040503050406030204" pitchFamily="18" charset="0"/>
+                </a:endParaRPr>
+              </a:p>
+              <a:p>
+                <a:pPr>
+                  <a:lnSpc>
+                    <a:spcPct val="150000"/>
+                  </a:lnSpc>
+                  <a:spcAft>
+                    <a:spcPts val="600"/>
+                  </a:spcAft>
+                </a:pPr>
+                <a14:m>
+                  <m:oMathPara xmlns:m="http://schemas.openxmlformats.org/officeDocument/2006/math">
+                    <m:oMathParaPr>
+                      <m:jc m:val="centerGroup"/>
+                    </m:oMathParaPr>
+                    <m:oMath xmlns:m="http://schemas.openxmlformats.org/officeDocument/2006/math">
+                      <m:func>
+                        <m:funcPr>
+                          <m:ctrlPr>
+                            <a:rPr lang="en-US" altLang="ja-JP" sz="2800" i="1">
+                              <a:latin typeface="Cambria Math" panose="02040503050406030204" pitchFamily="18" charset="0"/>
+                            </a:rPr>
+                          </m:ctrlPr>
+                        </m:funcPr>
+                        <m:fName>
+                          <m:r>
+                            <m:rPr>
+                              <m:sty m:val="p"/>
+                            </m:rPr>
+                            <a:rPr lang="en-US" altLang="ja-JP" sz="2800">
+                              <a:latin typeface="Cambria Math" panose="02040503050406030204" pitchFamily="18" charset="0"/>
+                            </a:rPr>
+                            <m:t>cos</m:t>
+                          </m:r>
+                        </m:fName>
+                        <m:e>
+                          <m:r>
+                            <m:rPr>
+                              <m:sty m:val="p"/>
+                            </m:rPr>
+                            <a:rPr lang="en-US" altLang="ja-JP" sz="2800" i="1">
+                              <a:latin typeface="Cambria Math" panose="02040503050406030204" pitchFamily="18" charset="0"/>
+                            </a:rPr>
+                            <m:t>α</m:t>
+                          </m:r>
+                        </m:e>
+                      </m:func>
+                      <m:r>
+                        <a:rPr lang="en-US" altLang="ja-JP" sz="2800" i="1">
+                          <a:latin typeface="Cambria Math" panose="02040503050406030204" pitchFamily="18" charset="0"/>
+                        </a:rPr>
+                        <m:t>=</m:t>
+                      </m:r>
+                      <m:f>
+                        <m:fPr>
+                          <m:ctrlPr>
+                            <a:rPr lang="en-US" altLang="ja-JP" sz="2800" i="1">
+                              <a:latin typeface="Cambria Math" panose="02040503050406030204" pitchFamily="18" charset="0"/>
+                            </a:rPr>
+                          </m:ctrlPr>
+                        </m:fPr>
+                        <m:num>
+                          <m:r>
+                            <a:rPr lang="en-US" altLang="ja-JP" sz="2800" i="1">
+                              <a:latin typeface="Cambria Math" panose="02040503050406030204" pitchFamily="18" charset="0"/>
+                            </a:rPr>
+                            <m:t>𝑥</m:t>
+                          </m:r>
+                        </m:num>
+                        <m:den>
+                          <m:r>
+                            <a:rPr lang="en-US" altLang="ja-JP" sz="2800" i="1">
+                              <a:latin typeface="Cambria Math" panose="02040503050406030204" pitchFamily="18" charset="0"/>
+                            </a:rPr>
+                            <m:t>𝑟</m:t>
+                          </m:r>
+                        </m:den>
+                      </m:f>
+                    </m:oMath>
+                  </m:oMathPara>
+                </a14:m>
+                <a:endParaRPr lang="en-US" altLang="ja-JP" sz="2800" i="1" dirty="0">
+                  <a:latin typeface="Cambria Math" panose="02040503050406030204" pitchFamily="18" charset="0"/>
+                </a:endParaRPr>
+              </a:p>
+              <a:p>
+                <a:pPr>
+                  <a:lnSpc>
+                    <a:spcPct val="150000"/>
+                  </a:lnSpc>
+                  <a:spcAft>
+                    <a:spcPts val="600"/>
+                  </a:spcAft>
+                </a:pPr>
+                <a14:m>
+                  <m:oMathPara xmlns:m="http://schemas.openxmlformats.org/officeDocument/2006/math">
+                    <m:oMathParaPr>
+                      <m:jc m:val="centerGroup"/>
+                    </m:oMathParaPr>
+                    <m:oMath xmlns:m="http://schemas.openxmlformats.org/officeDocument/2006/math">
+                      <m:func>
+                        <m:funcPr>
+                          <m:ctrlPr>
+                            <a:rPr lang="en-US" altLang="ja-JP" sz="2800" i="1">
+                              <a:latin typeface="Cambria Math" panose="02040503050406030204" pitchFamily="18" charset="0"/>
+                            </a:rPr>
+                          </m:ctrlPr>
+                        </m:funcPr>
+                        <m:fName>
+                          <m:r>
+                            <m:rPr>
+                              <m:sty m:val="p"/>
+                            </m:rPr>
+                            <a:rPr lang="en-US" altLang="ja-JP" sz="2800">
+                              <a:latin typeface="Cambria Math" panose="02040503050406030204" pitchFamily="18" charset="0"/>
+                            </a:rPr>
+                            <m:t>tan</m:t>
+                          </m:r>
+                        </m:fName>
+                        <m:e>
+                          <m:r>
+                            <m:rPr>
+                              <m:sty m:val="p"/>
+                            </m:rPr>
+                            <a:rPr lang="en-US" altLang="ja-JP" sz="2800" i="1">
+                              <a:latin typeface="Cambria Math" panose="02040503050406030204" pitchFamily="18" charset="0"/>
+                            </a:rPr>
+                            <m:t>α</m:t>
+                          </m:r>
+                        </m:e>
+                      </m:func>
+                      <m:r>
+                        <a:rPr lang="en-US" altLang="ja-JP" sz="2800" i="1">
+                          <a:latin typeface="Cambria Math" panose="02040503050406030204" pitchFamily="18" charset="0"/>
+                        </a:rPr>
+                        <m:t>=</m:t>
+                      </m:r>
+                      <m:f>
+                        <m:fPr>
+                          <m:ctrlPr>
+                            <a:rPr lang="en-US" altLang="ja-JP" sz="2800" i="1">
+                              <a:latin typeface="Cambria Math" panose="02040503050406030204" pitchFamily="18" charset="0"/>
+                            </a:rPr>
+                          </m:ctrlPr>
+                        </m:fPr>
+                        <m:num>
+                          <m:r>
+                            <a:rPr lang="en-US" altLang="ja-JP" sz="2800" i="1">
+                              <a:latin typeface="Cambria Math" panose="02040503050406030204" pitchFamily="18" charset="0"/>
+                            </a:rPr>
+                            <m:t>𝑦</m:t>
+                          </m:r>
+                        </m:num>
+                        <m:den>
+                          <m:r>
+                            <a:rPr lang="en-US" altLang="ja-JP" sz="2800" i="1">
+                              <a:latin typeface="Cambria Math" panose="02040503050406030204" pitchFamily="18" charset="0"/>
+                            </a:rPr>
+                            <m:t>𝑥</m:t>
+                          </m:r>
+                        </m:den>
+                      </m:f>
+                    </m:oMath>
+                  </m:oMathPara>
+                </a14:m>
+                <a:endParaRPr lang="ja-JP" altLang="en-US" sz="2800" dirty="0"/>
+              </a:p>
+            </p:txBody>
+          </p:sp>
+        </mc:Choice>
+        <mc:Fallback>
+          <p:sp>
+            <p:nvSpPr>
+              <p:cNvPr id="16" name="正方形/長方形 15">
+                <a:extLst>
+                  <a:ext uri="{FF2B5EF4-FFF2-40B4-BE49-F238E27FC236}">
+                    <a16:creationId xmlns:a16="http://schemas.microsoft.com/office/drawing/2014/main" id="{75B297A5-7551-4FDC-8CAB-2F38CCFB7730}"/>
+                  </a:ext>
+                </a:extLst>
+              </p:cNvPr>
+              <p:cNvSpPr>
+                <a:spLocks noRot="1" noChangeAspect="1" noMove="1" noResize="1" noEditPoints="1" noAdjustHandles="1" noChangeArrowheads="1" noChangeShapeType="1" noTextEdit="1"/>
+              </p:cNvSpPr>
+              <p:nvPr/>
+            </p:nvSpPr>
+            <p:spPr>
+              <a:xfrm>
+                <a:off x="1026455" y="2531947"/>
+                <a:ext cx="2284101" cy="3557962"/>
+              </a:xfrm>
+              <a:prstGeom prst="rect">
+                <a:avLst/>
+              </a:prstGeom>
+              <a:blipFill>
+                <a:blip r:embed="rId8"/>
+                <a:stretch>
+                  <a:fillRect/>
+                </a:stretch>
+              </a:blipFill>
+            </p:spPr>
+            <p:txBody>
+              <a:bodyPr/>
+              <a:lstStyle/>
+              <a:p>
+                <a:r>
+                  <a:rPr lang="ja-JP" altLang="en-US">
+                    <a:noFill/>
+                  </a:rPr>
+                  <a:t> </a:t>
+                </a:r>
+              </a:p>
+            </p:txBody>
+          </p:sp>
+        </mc:Fallback>
+      </mc:AlternateContent>
+      <p:sp>
+        <p:nvSpPr>
+          <p:cNvPr id="23" name="テキスト ボックス 22">
+            <a:extLst>
+              <a:ext uri="{FF2B5EF4-FFF2-40B4-BE49-F238E27FC236}">
+                <a16:creationId xmlns:a16="http://schemas.microsoft.com/office/drawing/2014/main" id="{A47C32B3-AF9E-432D-96B7-F6211B3EB1D9}"/>
+              </a:ext>
+            </a:extLst>
+          </p:cNvPr>
+          <p:cNvSpPr txBox="1"/>
+          <p:nvPr/>
+        </p:nvSpPr>
+        <p:spPr>
+          <a:xfrm>
+            <a:off x="408249" y="2997238"/>
+            <a:ext cx="902811" cy="523220"/>
+          </a:xfrm>
+          <a:prstGeom prst="rect">
+            <a:avLst/>
+          </a:prstGeom>
+          <a:noFill/>
+        </p:spPr>
+        <p:txBody>
+          <a:bodyPr wrap="none" rtlCol="0">
+            <a:spAutoFit/>
+          </a:bodyPr>
+          <a:lstStyle/>
+          <a:p>
+            <a:r>
+              <a:rPr kumimoji="1" lang="ja-JP" altLang="en-US" sz="2800" dirty="0">
+                <a:latin typeface="游ゴシック Medium" panose="020B0500000000000000" pitchFamily="50" charset="-128"/>
+                <a:ea typeface="游ゴシック Medium" panose="020B0500000000000000" pitchFamily="50" charset="-128"/>
+              </a:rPr>
+              <a:t>正弦</a:t>
+            </a:r>
+          </a:p>
+        </p:txBody>
+      </p:sp>
+      <p:sp>
+        <p:nvSpPr>
+          <p:cNvPr id="24" name="テキスト ボックス 23">
+            <a:extLst>
+              <a:ext uri="{FF2B5EF4-FFF2-40B4-BE49-F238E27FC236}">
+                <a16:creationId xmlns:a16="http://schemas.microsoft.com/office/drawing/2014/main" id="{AE8BD4A2-BA93-4300-97EE-F1435558DA3C}"/>
+              </a:ext>
+            </a:extLst>
+          </p:cNvPr>
+          <p:cNvSpPr txBox="1"/>
+          <p:nvPr/>
+        </p:nvSpPr>
+        <p:spPr>
+          <a:xfrm>
+            <a:off x="408248" y="4089603"/>
+            <a:ext cx="902811" cy="523220"/>
+          </a:xfrm>
+          <a:prstGeom prst="rect">
+            <a:avLst/>
+          </a:prstGeom>
+          <a:noFill/>
+        </p:spPr>
+        <p:txBody>
+          <a:bodyPr wrap="none" rtlCol="0">
+            <a:spAutoFit/>
+          </a:bodyPr>
+          <a:lstStyle/>
+          <a:p>
+            <a:r>
+              <a:rPr kumimoji="1" lang="ja-JP" altLang="en-US" sz="2800" dirty="0">
+                <a:latin typeface="游ゴシック Medium" panose="020B0500000000000000" pitchFamily="50" charset="-128"/>
+                <a:ea typeface="游ゴシック Medium" panose="020B0500000000000000" pitchFamily="50" charset="-128"/>
+              </a:rPr>
+              <a:t>余弦</a:t>
+            </a:r>
+          </a:p>
+        </p:txBody>
+      </p:sp>
+      <p:sp>
+        <p:nvSpPr>
+          <p:cNvPr id="25" name="テキスト ボックス 24">
+            <a:extLst>
+              <a:ext uri="{FF2B5EF4-FFF2-40B4-BE49-F238E27FC236}">
+                <a16:creationId xmlns:a16="http://schemas.microsoft.com/office/drawing/2014/main" id="{9E1BA407-B84C-4DE8-B2B9-8E45B0DE22CF}"/>
+              </a:ext>
+            </a:extLst>
+          </p:cNvPr>
+          <p:cNvSpPr txBox="1"/>
+          <p:nvPr/>
+        </p:nvSpPr>
+        <p:spPr>
+          <a:xfrm>
+            <a:off x="432173" y="5266353"/>
+            <a:ext cx="902811" cy="523220"/>
+          </a:xfrm>
+          <a:prstGeom prst="rect">
+            <a:avLst/>
+          </a:prstGeom>
+          <a:noFill/>
+        </p:spPr>
+        <p:txBody>
+          <a:bodyPr wrap="none" rtlCol="0">
+            <a:spAutoFit/>
+          </a:bodyPr>
+          <a:lstStyle/>
+          <a:p>
+            <a:r>
+              <a:rPr kumimoji="1" lang="ja-JP" altLang="en-US" sz="2800" dirty="0">
+                <a:latin typeface="游ゴシック Medium" panose="020B0500000000000000" pitchFamily="50" charset="-128"/>
+                <a:ea typeface="游ゴシック Medium" panose="020B0500000000000000" pitchFamily="50" charset="-128"/>
+              </a:rPr>
+              <a:t>正接</a:t>
+            </a:r>
+          </a:p>
+        </p:txBody>
+      </p:sp>
+      <p:cxnSp>
+        <p:nvCxnSpPr>
+          <p:cNvPr id="27" name="直線コネクタ 26">
+            <a:extLst>
+              <a:ext uri="{FF2B5EF4-FFF2-40B4-BE49-F238E27FC236}">
+                <a16:creationId xmlns:a16="http://schemas.microsoft.com/office/drawing/2014/main" id="{16547E02-3E7C-4D76-AB9F-DE3ECF7650AE}"/>
+              </a:ext>
+            </a:extLst>
+          </p:cNvPr>
+          <p:cNvCxnSpPr/>
+          <p:nvPr/>
+        </p:nvCxnSpPr>
+        <p:spPr>
+          <a:xfrm>
+            <a:off x="473564" y="3834329"/>
+            <a:ext cx="4803854" cy="0"/>
+          </a:xfrm>
+          <a:prstGeom prst="line">
+            <a:avLst/>
+          </a:prstGeom>
+          <a:ln w="19050">
+            <a:solidFill>
+              <a:srgbClr val="262626"/>
+            </a:solidFill>
+          </a:ln>
+        </p:spPr>
+        <p:style>
+          <a:lnRef idx="1">
+            <a:schemeClr val="accent1"/>
+          </a:lnRef>
+          <a:fillRef idx="0">
+            <a:schemeClr val="accent1"/>
+          </a:fillRef>
+          <a:effectRef idx="0">
+            <a:schemeClr val="accent1"/>
+          </a:effectRef>
+          <a:fontRef idx="minor">
+            <a:schemeClr val="tx1"/>
+          </a:fontRef>
+        </p:style>
+      </p:cxnSp>
+      <p:cxnSp>
+        <p:nvCxnSpPr>
+          <p:cNvPr id="28" name="直線コネクタ 27">
+            <a:extLst>
+              <a:ext uri="{FF2B5EF4-FFF2-40B4-BE49-F238E27FC236}">
+                <a16:creationId xmlns:a16="http://schemas.microsoft.com/office/drawing/2014/main" id="{0A3BDE08-A7AB-400F-8862-B1013394E3E3}"/>
+              </a:ext>
+            </a:extLst>
+          </p:cNvPr>
+          <p:cNvCxnSpPr/>
+          <p:nvPr/>
+        </p:nvCxnSpPr>
+        <p:spPr>
+          <a:xfrm>
+            <a:off x="473564" y="4967539"/>
+            <a:ext cx="4803854" cy="0"/>
+          </a:xfrm>
+          <a:prstGeom prst="line">
+            <a:avLst/>
+          </a:prstGeom>
+          <a:ln w="19050">
+            <a:solidFill>
+              <a:srgbClr val="262626"/>
+            </a:solidFill>
+          </a:ln>
+        </p:spPr>
+        <p:style>
+          <a:lnRef idx="1">
+            <a:schemeClr val="accent1"/>
+          </a:lnRef>
+          <a:fillRef idx="0">
+            <a:schemeClr val="accent1"/>
+          </a:fillRef>
+          <a:effectRef idx="0">
+            <a:schemeClr val="accent1"/>
+          </a:effectRef>
+          <a:fontRef idx="minor">
+            <a:schemeClr val="tx1"/>
+          </a:fontRef>
+        </p:style>
+      </p:cxnSp>
+    </p:spTree>
+    <p:extLst>
+      <p:ext uri="{BB962C8B-B14F-4D97-AF65-F5344CB8AC3E}">
+        <p14:creationId xmlns:p14="http://schemas.microsoft.com/office/powerpoint/2010/main" val="930839797"/>
       </p:ext>
     </p:extLst>
   </p:cSld>

--- a/images/calv_variable/図素材.pptx
+++ b/images/calv_variable/図素材.pptx
@@ -8696,111 +8696,6 @@
           </a:p>
         </p:txBody>
       </p:sp>
-      <mc:AlternateContent xmlns:mc="http://schemas.openxmlformats.org/markup-compatibility/2006">
-        <mc:Choice xmlns:a14="http://schemas.microsoft.com/office/drawing/2010/main" Requires="a14">
-          <p:sp>
-            <p:nvSpPr>
-              <p:cNvPr id="11" name="コンテンツ プレースホルダー 10">
-                <a:extLst>
-                  <a:ext uri="{FF2B5EF4-FFF2-40B4-BE49-F238E27FC236}">
-                    <a16:creationId xmlns:a16="http://schemas.microsoft.com/office/drawing/2014/main" id="{887E8EBB-5154-4DD8-B2B7-711A95B93063}"/>
-                  </a:ext>
-                </a:extLst>
-              </p:cNvPr>
-              <p:cNvSpPr>
-                <a:spLocks noGrp="1"/>
-              </p:cNvSpPr>
-              <p:nvPr>
-                <p:ph sz="quarter" idx="13"/>
-              </p:nvPr>
-            </p:nvSpPr>
-            <p:spPr/>
-            <p:txBody>
-              <a:bodyPr/>
-              <a:lstStyle/>
-              <a:p>
-                <a:r>
-                  <a:rPr lang="ja-JP" altLang="en-US" dirty="0"/>
-                  <a:t>三角関数の定義</a:t>
-                </a:r>
-                <a:endParaRPr lang="en-US" altLang="ja-JP" dirty="0"/>
-              </a:p>
-              <a:p>
-                <a:pPr marL="107997" lvl="1" indent="0">
-                  <a:buNone/>
-                </a:pPr>
-                <a:r>
-                  <a:rPr lang="ja-JP" altLang="en-US" dirty="0"/>
-                  <a:t>角度</a:t>
-                </a:r>
-                <a14:m>
-                  <m:oMath xmlns:m="http://schemas.openxmlformats.org/officeDocument/2006/math">
-                    <m:r>
-                      <m:rPr>
-                        <m:sty m:val="p"/>
-                      </m:rPr>
-                      <a:rPr lang="en-US" altLang="ja-JP" i="1" dirty="0">
-                        <a:latin typeface="Cambria Math" panose="02040503050406030204" pitchFamily="18" charset="0"/>
-                      </a:rPr>
-                      <m:t>α</m:t>
-                    </m:r>
-                  </m:oMath>
-                </a14:m>
-                <a:r>
-                  <a:rPr lang="ja-JP" altLang="en-US" dirty="0"/>
-                  <a:t>に関して</a:t>
-                </a:r>
-                <a:endParaRPr lang="en-US" altLang="ja-JP" dirty="0"/>
-              </a:p>
-              <a:p>
-                <a:endParaRPr lang="ja-JP" altLang="en-US" dirty="0"/>
-              </a:p>
-              <a:p>
-                <a:endParaRPr lang="en-US" altLang="ja-JP" dirty="0"/>
-              </a:p>
-            </p:txBody>
-          </p:sp>
-        </mc:Choice>
-        <mc:Fallback>
-          <p:sp>
-            <p:nvSpPr>
-              <p:cNvPr id="11" name="コンテンツ プレースホルダー 10">
-                <a:extLst>
-                  <a:ext uri="{FF2B5EF4-FFF2-40B4-BE49-F238E27FC236}">
-                    <a16:creationId xmlns:a16="http://schemas.microsoft.com/office/drawing/2014/main" id="{887E8EBB-5154-4DD8-B2B7-711A95B93063}"/>
-                  </a:ext>
-                </a:extLst>
-              </p:cNvPr>
-              <p:cNvSpPr>
-                <a:spLocks noGrp="1" noRot="1" noChangeAspect="1" noMove="1" noResize="1" noEditPoints="1" noAdjustHandles="1" noChangeArrowheads="1" noChangeShapeType="1" noTextEdit="1"/>
-              </p:cNvSpPr>
-              <p:nvPr>
-                <p:ph sz="quarter" idx="13"/>
-              </p:nvPr>
-            </p:nvSpPr>
-            <p:spPr>
-              <a:blipFill>
-                <a:blip r:embed="rId3"/>
-                <a:stretch>
-                  <a:fillRect l="-2705" t="-2261"/>
-                </a:stretch>
-              </a:blipFill>
-            </p:spPr>
-            <p:txBody>
-              <a:bodyPr/>
-              <a:lstStyle/>
-              <a:p>
-                <a:r>
-                  <a:rPr lang="ja-JP" altLang="en-US">
-                    <a:noFill/>
-                  </a:rPr>
-                  <a:t> </a:t>
-                </a:r>
-              </a:p>
-            </p:txBody>
-          </p:sp>
-        </mc:Fallback>
-      </mc:AlternateContent>
       <p:sp>
         <p:nvSpPr>
           <p:cNvPr id="6" name="直角三角形 5">
@@ -8815,7 +8710,7 @@
         </p:nvSpPr>
         <p:spPr>
           <a:xfrm flipH="1">
-            <a:off x="5518690" y="2785483"/>
+            <a:off x="4269010" y="2558775"/>
             <a:ext cx="2850204" cy="2247090"/>
           </a:xfrm>
           <a:prstGeom prst="rtTriangle">
@@ -8867,7 +8762,7 @@
         </p:nvSpPr>
         <p:spPr>
           <a:xfrm>
-            <a:off x="8198926" y="4865405"/>
+            <a:off x="6949246" y="4638697"/>
             <a:ext cx="165370" cy="165370"/>
           </a:xfrm>
           <a:prstGeom prst="rect">
@@ -8919,7 +8814,7 @@
         </p:nvSpPr>
         <p:spPr>
           <a:xfrm>
-            <a:off x="5636428" y="4811903"/>
+            <a:off x="4386748" y="4585195"/>
             <a:ext cx="247315" cy="487767"/>
           </a:xfrm>
           <a:prstGeom prst="arc">
@@ -8973,7 +8868,7 @@
             </p:nvSpPr>
             <p:spPr>
               <a:xfrm>
-                <a:off x="5927963" y="4629625"/>
+                <a:off x="4678283" y="4402917"/>
                 <a:ext cx="245259" cy="369332"/>
               </a:xfrm>
               <a:prstGeom prst="rect">
@@ -9028,14 +8923,14 @@
             </p:nvSpPr>
             <p:spPr>
               <a:xfrm>
-                <a:off x="5927963" y="4629625"/>
+                <a:off x="4678283" y="4402917"/>
                 <a:ext cx="245259" cy="369332"/>
               </a:xfrm>
               <a:prstGeom prst="rect">
                 <a:avLst/>
               </a:prstGeom>
               <a:blipFill>
-                <a:blip r:embed="rId4"/>
+                <a:blip r:embed="rId3"/>
                 <a:stretch>
                   <a:fillRect l="-14634" r="-17073"/>
                 </a:stretch>
@@ -9072,7 +8967,7 @@
             </p:nvSpPr>
             <p:spPr>
               <a:xfrm>
-                <a:off x="6821162" y="5008525"/>
+                <a:off x="5571482" y="4781817"/>
                 <a:ext cx="245259" cy="369332"/>
               </a:xfrm>
               <a:prstGeom prst="rect">
@@ -9124,14 +9019,14 @@
             </p:nvSpPr>
             <p:spPr>
               <a:xfrm>
-                <a:off x="6821162" y="5008525"/>
+                <a:off x="5571482" y="4781817"/>
                 <a:ext cx="245259" cy="369332"/>
               </a:xfrm>
               <a:prstGeom prst="rect">
                 <a:avLst/>
               </a:prstGeom>
               <a:blipFill>
-                <a:blip r:embed="rId5"/>
+                <a:blip r:embed="rId4"/>
                 <a:stretch>
                   <a:fillRect l="-17500" r="-12500"/>
                 </a:stretch>
@@ -9168,7 +9063,7 @@
             </p:nvSpPr>
             <p:spPr>
               <a:xfrm>
-                <a:off x="8432712" y="3682321"/>
+                <a:off x="7183032" y="3455613"/>
                 <a:ext cx="245259" cy="369332"/>
               </a:xfrm>
               <a:prstGeom prst="rect">
@@ -9220,16 +9115,16 @@
             </p:nvSpPr>
             <p:spPr>
               <a:xfrm>
-                <a:off x="8432712" y="3682321"/>
+                <a:off x="7183032" y="3455613"/>
                 <a:ext cx="245259" cy="369332"/>
               </a:xfrm>
               <a:prstGeom prst="rect">
                 <a:avLst/>
               </a:prstGeom>
               <a:blipFill>
-                <a:blip r:embed="rId6"/>
+                <a:blip r:embed="rId5"/>
                 <a:stretch>
-                  <a:fillRect l="-29268" r="-26829" b="-24590"/>
+                  <a:fillRect l="-29268" r="-26829" b="-26667"/>
                 </a:stretch>
               </a:blipFill>
             </p:spPr>
@@ -9264,7 +9159,7 @@
             </p:nvSpPr>
             <p:spPr>
               <a:xfrm>
-                <a:off x="6649307" y="3503981"/>
+                <a:off x="5399627" y="3277273"/>
                 <a:ext cx="221535" cy="369332"/>
               </a:xfrm>
               <a:prstGeom prst="rect">
@@ -9316,14 +9211,14 @@
             </p:nvSpPr>
             <p:spPr>
               <a:xfrm>
-                <a:off x="6649307" y="3503981"/>
+                <a:off x="5399627" y="3277273"/>
                 <a:ext cx="221535" cy="369332"/>
               </a:xfrm>
               <a:prstGeom prst="rect">
                 <a:avLst/>
               </a:prstGeom>
               <a:blipFill>
-                <a:blip r:embed="rId7"/>
+                <a:blip r:embed="rId6"/>
                 <a:stretch>
                   <a:fillRect l="-19444" r="-16667"/>
                 </a:stretch>
@@ -9360,8 +9255,8 @@
             </p:nvSpPr>
             <p:spPr>
               <a:xfrm>
-                <a:off x="1026455" y="2531947"/>
-                <a:ext cx="2284101" cy="3557962"/>
+                <a:off x="1527230" y="2951351"/>
+                <a:ext cx="2284101" cy="1461939"/>
               </a:xfrm>
               <a:prstGeom prst="rect">
                 <a:avLst/>
@@ -9387,12 +9282,37 @@
                       <m:func>
                         <m:funcPr>
                           <m:ctrlPr>
-                            <a:rPr lang="en-US" altLang="ja-JP" sz="2800" i="1">
+                            <a:rPr lang="en-US" altLang="ja-JP" sz="2800" i="1" smtClean="0">
                               <a:latin typeface="Cambria Math" panose="02040503050406030204" pitchFamily="18" charset="0"/>
                             </a:rPr>
                           </m:ctrlPr>
                         </m:funcPr>
                         <m:fName>
+                          <m:r>
+                            <a:rPr lang="en-US" altLang="ja-JP" sz="2800" i="1">
+                              <a:latin typeface="Cambria Math" panose="02040503050406030204" pitchFamily="18" charset="0"/>
+                            </a:rPr>
+                            <m:t>𝑦</m:t>
+                          </m:r>
+                          <m:r>
+                            <a:rPr lang="en-US" altLang="ja-JP" sz="2800" b="0" i="0" smtClean="0">
+                              <a:latin typeface="Cambria Math" panose="02040503050406030204" pitchFamily="18" charset="0"/>
+                            </a:rPr>
+                            <m:t>=</m:t>
+                          </m:r>
+                          <m:r>
+                            <a:rPr lang="en-US" altLang="ja-JP" sz="2800" i="1">
+                              <a:latin typeface="Cambria Math" panose="02040503050406030204" pitchFamily="18" charset="0"/>
+                            </a:rPr>
+                            <m:t>𝑟</m:t>
+                          </m:r>
+                          <m:r>
+                            <a:rPr lang="en-US" altLang="ja-JP" sz="2800" b="0" i="1" smtClean="0">
+                              <a:latin typeface="Cambria Math" panose="02040503050406030204" pitchFamily="18" charset="0"/>
+                              <a:ea typeface="Cambria Math" panose="02040503050406030204" pitchFamily="18" charset="0"/>
+                            </a:rPr>
+                            <m:t>×</m:t>
+                          </m:r>
                           <m:r>
                             <m:rPr>
                               <m:sty m:val="p"/>
@@ -9415,37 +9335,6 @@
                           </m:r>
                         </m:e>
                       </m:func>
-                      <m:r>
-                        <a:rPr lang="en-US" altLang="ja-JP" sz="2800" i="1">
-                          <a:latin typeface="Cambria Math" panose="02040503050406030204" pitchFamily="18" charset="0"/>
-                        </a:rPr>
-                        <m:t>=</m:t>
-                      </m:r>
-                      <m:f>
-                        <m:fPr>
-                          <m:ctrlPr>
-                            <a:rPr lang="en-US" altLang="ja-JP" sz="2800" i="1">
-                              <a:latin typeface="Cambria Math" panose="02040503050406030204" pitchFamily="18" charset="0"/>
-                            </a:rPr>
-                          </m:ctrlPr>
-                        </m:fPr>
-                        <m:num>
-                          <m:r>
-                            <a:rPr lang="en-US" altLang="ja-JP" sz="2800" i="1">
-                              <a:latin typeface="Cambria Math" panose="02040503050406030204" pitchFamily="18" charset="0"/>
-                            </a:rPr>
-                            <m:t>𝑦</m:t>
-                          </m:r>
-                        </m:num>
-                        <m:den>
-                          <m:r>
-                            <a:rPr lang="en-US" altLang="ja-JP" sz="2800" i="1">
-                              <a:latin typeface="Cambria Math" panose="02040503050406030204" pitchFamily="18" charset="0"/>
-                            </a:rPr>
-                            <m:t>𝑟</m:t>
-                          </m:r>
-                        </m:den>
-                      </m:f>
                     </m:oMath>
                   </m:oMathPara>
                 </a14:m>
@@ -9468,6 +9357,18 @@
                       <m:jc m:val="centerGroup"/>
                     </m:oMathParaPr>
                     <m:oMath xmlns:m="http://schemas.openxmlformats.org/officeDocument/2006/math">
+                      <m:r>
+                        <a:rPr lang="en-US" altLang="ja-JP" sz="2800" i="1">
+                          <a:latin typeface="Cambria Math" panose="02040503050406030204" pitchFamily="18" charset="0"/>
+                        </a:rPr>
+                        <m:t>𝑥</m:t>
+                      </m:r>
+                      <m:r>
+                        <a:rPr lang="en-US" altLang="ja-JP" sz="2800" b="0" i="1" smtClean="0">
+                          <a:latin typeface="Cambria Math" panose="02040503050406030204" pitchFamily="18" charset="0"/>
+                        </a:rPr>
+                        <m:t>=</m:t>
+                      </m:r>
                       <m:func>
                         <m:funcPr>
                           <m:ctrlPr>
@@ -9477,6 +9378,19 @@
                           </m:ctrlPr>
                         </m:funcPr>
                         <m:fName>
+                          <m:r>
+                            <a:rPr lang="en-US" altLang="ja-JP" sz="2800" i="1">
+                              <a:latin typeface="Cambria Math" panose="02040503050406030204" pitchFamily="18" charset="0"/>
+                            </a:rPr>
+                            <m:t>𝑟</m:t>
+                          </m:r>
+                          <m:r>
+                            <a:rPr lang="en-US" altLang="ja-JP" sz="2800" i="1">
+                              <a:latin typeface="Cambria Math" panose="02040503050406030204" pitchFamily="18" charset="0"/>
+                              <a:ea typeface="Cambria Math" panose="02040503050406030204" pitchFamily="18" charset="0"/>
+                            </a:rPr>
+                            <m:t>×</m:t>
+                          </m:r>
                           <m:r>
                             <m:rPr>
                               <m:sty m:val="p"/>
@@ -9499,125 +9413,12 @@
                           </m:r>
                         </m:e>
                       </m:func>
-                      <m:r>
-                        <a:rPr lang="en-US" altLang="ja-JP" sz="2800" i="1">
-                          <a:latin typeface="Cambria Math" panose="02040503050406030204" pitchFamily="18" charset="0"/>
-                        </a:rPr>
-                        <m:t>=</m:t>
-                      </m:r>
-                      <m:f>
-                        <m:fPr>
-                          <m:ctrlPr>
-                            <a:rPr lang="en-US" altLang="ja-JP" sz="2800" i="1">
-                              <a:latin typeface="Cambria Math" panose="02040503050406030204" pitchFamily="18" charset="0"/>
-                            </a:rPr>
-                          </m:ctrlPr>
-                        </m:fPr>
-                        <m:num>
-                          <m:r>
-                            <a:rPr lang="en-US" altLang="ja-JP" sz="2800" i="1">
-                              <a:latin typeface="Cambria Math" panose="02040503050406030204" pitchFamily="18" charset="0"/>
-                            </a:rPr>
-                            <m:t>𝑥</m:t>
-                          </m:r>
-                        </m:num>
-                        <m:den>
-                          <m:r>
-                            <a:rPr lang="en-US" altLang="ja-JP" sz="2800" i="1">
-                              <a:latin typeface="Cambria Math" panose="02040503050406030204" pitchFamily="18" charset="0"/>
-                            </a:rPr>
-                            <m:t>𝑟</m:t>
-                          </m:r>
-                        </m:den>
-                      </m:f>
                     </m:oMath>
                   </m:oMathPara>
                 </a14:m>
                 <a:endParaRPr lang="en-US" altLang="ja-JP" sz="2800" i="1" dirty="0">
                   <a:latin typeface="Cambria Math" panose="02040503050406030204" pitchFamily="18" charset="0"/>
                 </a:endParaRPr>
-              </a:p>
-              <a:p>
-                <a:pPr>
-                  <a:lnSpc>
-                    <a:spcPct val="150000"/>
-                  </a:lnSpc>
-                  <a:spcAft>
-                    <a:spcPts val="600"/>
-                  </a:spcAft>
-                </a:pPr>
-                <a14:m>
-                  <m:oMathPara xmlns:m="http://schemas.openxmlformats.org/officeDocument/2006/math">
-                    <m:oMathParaPr>
-                      <m:jc m:val="centerGroup"/>
-                    </m:oMathParaPr>
-                    <m:oMath xmlns:m="http://schemas.openxmlformats.org/officeDocument/2006/math">
-                      <m:func>
-                        <m:funcPr>
-                          <m:ctrlPr>
-                            <a:rPr lang="en-US" altLang="ja-JP" sz="2800" i="1">
-                              <a:latin typeface="Cambria Math" panose="02040503050406030204" pitchFamily="18" charset="0"/>
-                            </a:rPr>
-                          </m:ctrlPr>
-                        </m:funcPr>
-                        <m:fName>
-                          <m:r>
-                            <m:rPr>
-                              <m:sty m:val="p"/>
-                            </m:rPr>
-                            <a:rPr lang="en-US" altLang="ja-JP" sz="2800">
-                              <a:latin typeface="Cambria Math" panose="02040503050406030204" pitchFamily="18" charset="0"/>
-                            </a:rPr>
-                            <m:t>tan</m:t>
-                          </m:r>
-                        </m:fName>
-                        <m:e>
-                          <m:r>
-                            <m:rPr>
-                              <m:sty m:val="p"/>
-                            </m:rPr>
-                            <a:rPr lang="en-US" altLang="ja-JP" sz="2800" i="1">
-                              <a:latin typeface="Cambria Math" panose="02040503050406030204" pitchFamily="18" charset="0"/>
-                            </a:rPr>
-                            <m:t>α</m:t>
-                          </m:r>
-                        </m:e>
-                      </m:func>
-                      <m:r>
-                        <a:rPr lang="en-US" altLang="ja-JP" sz="2800" i="1">
-                          <a:latin typeface="Cambria Math" panose="02040503050406030204" pitchFamily="18" charset="0"/>
-                        </a:rPr>
-                        <m:t>=</m:t>
-                      </m:r>
-                      <m:f>
-                        <m:fPr>
-                          <m:ctrlPr>
-                            <a:rPr lang="en-US" altLang="ja-JP" sz="2800" i="1">
-                              <a:latin typeface="Cambria Math" panose="02040503050406030204" pitchFamily="18" charset="0"/>
-                            </a:rPr>
-                          </m:ctrlPr>
-                        </m:fPr>
-                        <m:num>
-                          <m:r>
-                            <a:rPr lang="en-US" altLang="ja-JP" sz="2800" i="1">
-                              <a:latin typeface="Cambria Math" panose="02040503050406030204" pitchFamily="18" charset="0"/>
-                            </a:rPr>
-                            <m:t>𝑦</m:t>
-                          </m:r>
-                        </m:num>
-                        <m:den>
-                          <m:r>
-                            <a:rPr lang="en-US" altLang="ja-JP" sz="2800" i="1">
-                              <a:latin typeface="Cambria Math" panose="02040503050406030204" pitchFamily="18" charset="0"/>
-                            </a:rPr>
-                            <m:t>𝑥</m:t>
-                          </m:r>
-                        </m:den>
-                      </m:f>
-                    </m:oMath>
-                  </m:oMathPara>
-                </a14:m>
-                <a:endParaRPr lang="ja-JP" altLang="en-US" sz="2800" dirty="0"/>
               </a:p>
             </p:txBody>
           </p:sp>
@@ -9639,14 +9440,14 @@
             </p:nvSpPr>
             <p:spPr>
               <a:xfrm>
-                <a:off x="1026455" y="2531947"/>
-                <a:ext cx="2284101" cy="3557962"/>
+                <a:off x="1527230" y="2951351"/>
+                <a:ext cx="2284101" cy="1461939"/>
               </a:xfrm>
               <a:prstGeom prst="rect">
                 <a:avLst/>
               </a:prstGeom>
               <a:blipFill>
-                <a:blip r:embed="rId8"/>
+                <a:blip r:embed="rId7"/>
                 <a:stretch>
                   <a:fillRect/>
                 </a:stretch>
@@ -9667,202 +9468,6 @@
           </p:sp>
         </mc:Fallback>
       </mc:AlternateContent>
-      <p:sp>
-        <p:nvSpPr>
-          <p:cNvPr id="23" name="テキスト ボックス 22">
-            <a:extLst>
-              <a:ext uri="{FF2B5EF4-FFF2-40B4-BE49-F238E27FC236}">
-                <a16:creationId xmlns:a16="http://schemas.microsoft.com/office/drawing/2014/main" id="{A47C32B3-AF9E-432D-96B7-F6211B3EB1D9}"/>
-              </a:ext>
-            </a:extLst>
-          </p:cNvPr>
-          <p:cNvSpPr txBox="1"/>
-          <p:nvPr/>
-        </p:nvSpPr>
-        <p:spPr>
-          <a:xfrm>
-            <a:off x="408249" y="2997238"/>
-            <a:ext cx="902811" cy="523220"/>
-          </a:xfrm>
-          <a:prstGeom prst="rect">
-            <a:avLst/>
-          </a:prstGeom>
-          <a:noFill/>
-        </p:spPr>
-        <p:txBody>
-          <a:bodyPr wrap="none" rtlCol="0">
-            <a:spAutoFit/>
-          </a:bodyPr>
-          <a:lstStyle/>
-          <a:p>
-            <a:r>
-              <a:rPr kumimoji="1" lang="ja-JP" altLang="en-US" sz="2800" dirty="0">
-                <a:latin typeface="游ゴシック Medium" panose="020B0500000000000000" pitchFamily="50" charset="-128"/>
-                <a:ea typeface="游ゴシック Medium" panose="020B0500000000000000" pitchFamily="50" charset="-128"/>
-              </a:rPr>
-              <a:t>正弦</a:t>
-            </a:r>
-          </a:p>
-        </p:txBody>
-      </p:sp>
-      <p:sp>
-        <p:nvSpPr>
-          <p:cNvPr id="24" name="テキスト ボックス 23">
-            <a:extLst>
-              <a:ext uri="{FF2B5EF4-FFF2-40B4-BE49-F238E27FC236}">
-                <a16:creationId xmlns:a16="http://schemas.microsoft.com/office/drawing/2014/main" id="{AE8BD4A2-BA93-4300-97EE-F1435558DA3C}"/>
-              </a:ext>
-            </a:extLst>
-          </p:cNvPr>
-          <p:cNvSpPr txBox="1"/>
-          <p:nvPr/>
-        </p:nvSpPr>
-        <p:spPr>
-          <a:xfrm>
-            <a:off x="408248" y="4089603"/>
-            <a:ext cx="902811" cy="523220"/>
-          </a:xfrm>
-          <a:prstGeom prst="rect">
-            <a:avLst/>
-          </a:prstGeom>
-          <a:noFill/>
-        </p:spPr>
-        <p:txBody>
-          <a:bodyPr wrap="none" rtlCol="0">
-            <a:spAutoFit/>
-          </a:bodyPr>
-          <a:lstStyle/>
-          <a:p>
-            <a:r>
-              <a:rPr kumimoji="1" lang="ja-JP" altLang="en-US" sz="2800" dirty="0">
-                <a:latin typeface="游ゴシック Medium" panose="020B0500000000000000" pitchFamily="50" charset="-128"/>
-                <a:ea typeface="游ゴシック Medium" panose="020B0500000000000000" pitchFamily="50" charset="-128"/>
-              </a:rPr>
-              <a:t>余弦</a:t>
-            </a:r>
-          </a:p>
-        </p:txBody>
-      </p:sp>
-      <p:sp>
-        <p:nvSpPr>
-          <p:cNvPr id="25" name="テキスト ボックス 24">
-            <a:extLst>
-              <a:ext uri="{FF2B5EF4-FFF2-40B4-BE49-F238E27FC236}">
-                <a16:creationId xmlns:a16="http://schemas.microsoft.com/office/drawing/2014/main" id="{9E1BA407-B84C-4DE8-B2B9-8E45B0DE22CF}"/>
-              </a:ext>
-            </a:extLst>
-          </p:cNvPr>
-          <p:cNvSpPr txBox="1"/>
-          <p:nvPr/>
-        </p:nvSpPr>
-        <p:spPr>
-          <a:xfrm>
-            <a:off x="432173" y="5266353"/>
-            <a:ext cx="902811" cy="523220"/>
-          </a:xfrm>
-          <a:prstGeom prst="rect">
-            <a:avLst/>
-          </a:prstGeom>
-          <a:noFill/>
-        </p:spPr>
-        <p:txBody>
-          <a:bodyPr wrap="none" rtlCol="0">
-            <a:spAutoFit/>
-          </a:bodyPr>
-          <a:lstStyle/>
-          <a:p>
-            <a:r>
-              <a:rPr kumimoji="1" lang="ja-JP" altLang="en-US" sz="2800" dirty="0">
-                <a:latin typeface="游ゴシック Medium" panose="020B0500000000000000" pitchFamily="50" charset="-128"/>
-                <a:ea typeface="游ゴシック Medium" panose="020B0500000000000000" pitchFamily="50" charset="-128"/>
-              </a:rPr>
-              <a:t>正接</a:t>
-            </a:r>
-          </a:p>
-        </p:txBody>
-      </p:sp>
-      <p:cxnSp>
-        <p:nvCxnSpPr>
-          <p:cNvPr id="27" name="直線コネクタ 26">
-            <a:extLst>
-              <a:ext uri="{FF2B5EF4-FFF2-40B4-BE49-F238E27FC236}">
-                <a16:creationId xmlns:a16="http://schemas.microsoft.com/office/drawing/2014/main" id="{16547E02-3E7C-4D76-AB9F-DE3ECF7650AE}"/>
-              </a:ext>
-            </a:extLst>
-          </p:cNvPr>
-          <p:cNvCxnSpPr/>
-          <p:nvPr/>
-        </p:nvCxnSpPr>
-        <p:spPr>
-          <a:xfrm>
-            <a:off x="473564" y="3834329"/>
-            <a:ext cx="4803854" cy="0"/>
-          </a:xfrm>
-          <a:prstGeom prst="line">
-            <a:avLst/>
-          </a:prstGeom>
-          <a:ln w="19050">
-            <a:solidFill>
-              <a:srgbClr val="262626"/>
-            </a:solidFill>
-          </a:ln>
-        </p:spPr>
-        <p:style>
-          <a:lnRef idx="1">
-            <a:schemeClr val="accent1"/>
-          </a:lnRef>
-          <a:fillRef idx="0">
-            <a:schemeClr val="accent1"/>
-          </a:fillRef>
-          <a:effectRef idx="0">
-            <a:schemeClr val="accent1"/>
-          </a:effectRef>
-          <a:fontRef idx="minor">
-            <a:schemeClr val="tx1"/>
-          </a:fontRef>
-        </p:style>
-      </p:cxnSp>
-      <p:cxnSp>
-        <p:nvCxnSpPr>
-          <p:cNvPr id="28" name="直線コネクタ 27">
-            <a:extLst>
-              <a:ext uri="{FF2B5EF4-FFF2-40B4-BE49-F238E27FC236}">
-                <a16:creationId xmlns:a16="http://schemas.microsoft.com/office/drawing/2014/main" id="{0A3BDE08-A7AB-400F-8862-B1013394E3E3}"/>
-              </a:ext>
-            </a:extLst>
-          </p:cNvPr>
-          <p:cNvCxnSpPr/>
-          <p:nvPr/>
-        </p:nvCxnSpPr>
-        <p:spPr>
-          <a:xfrm>
-            <a:off x="473564" y="4967539"/>
-            <a:ext cx="4803854" cy="0"/>
-          </a:xfrm>
-          <a:prstGeom prst="line">
-            <a:avLst/>
-          </a:prstGeom>
-          <a:ln w="19050">
-            <a:solidFill>
-              <a:srgbClr val="262626"/>
-            </a:solidFill>
-          </a:ln>
-        </p:spPr>
-        <p:style>
-          <a:lnRef idx="1">
-            <a:schemeClr val="accent1"/>
-          </a:lnRef>
-          <a:fillRef idx="0">
-            <a:schemeClr val="accent1"/>
-          </a:fillRef>
-          <a:effectRef idx="0">
-            <a:schemeClr val="accent1"/>
-          </a:effectRef>
-          <a:fontRef idx="minor">
-            <a:schemeClr val="tx1"/>
-          </a:fontRef>
-        </p:style>
-      </p:cxnSp>
     </p:spTree>
     <p:extLst>
       <p:ext uri="{BB962C8B-B14F-4D97-AF65-F5344CB8AC3E}">
